--- a/Miguel  & Natalia  - Presentacion.pptx
+++ b/Miguel  & Natalia  - Presentacion.pptx
@@ -5,7 +5,7 @@
     <p:sldMasterId id="2147483648" r:id="rId1"/>
   </p:sldMasterIdLst>
   <p:notesMasterIdLst>
-    <p:notesMasterId r:id="rId23"/>
+    <p:notesMasterId r:id="rId24"/>
   </p:notesMasterIdLst>
   <p:sldIdLst>
     <p:sldId id="256" r:id="rId2"/>
@@ -25,10 +25,11 @@
     <p:sldId id="301" r:id="rId16"/>
     <p:sldId id="302" r:id="rId17"/>
     <p:sldId id="303" r:id="rId18"/>
-    <p:sldId id="304" r:id="rId19"/>
-    <p:sldId id="292" r:id="rId20"/>
-    <p:sldId id="305" r:id="rId21"/>
-    <p:sldId id="278" r:id="rId22"/>
+    <p:sldId id="306" r:id="rId19"/>
+    <p:sldId id="304" r:id="rId20"/>
+    <p:sldId id="292" r:id="rId21"/>
+    <p:sldId id="305" r:id="rId22"/>
+    <p:sldId id="278" r:id="rId23"/>
   </p:sldIdLst>
   <p:sldSz cx="12192000" cy="6858000"/>
   <p:notesSz cx="6858000" cy="9144000"/>
@@ -4502,7 +4503,7 @@
         <a:lstStyle/>
         <a:p>
           <a:r>
-            <a:rPr lang="es-MX" sz="2400" dirty="0" smtClean="0"/>
+            <a:rPr lang="es-MX" sz="2400" dirty="0"/>
             <a:t>COVID 19: Actividad económica tuvo una profunda contracción en el segundo trimestre 2020</a:t>
           </a:r>
           <a:endParaRPr lang="es-ES" sz="2400" dirty="0">
@@ -4541,7 +4542,7 @@
         <a:lstStyle/>
         <a:p>
           <a:r>
-            <a:rPr lang="es-MX" sz="2400" dirty="0" smtClean="0"/>
+            <a:rPr lang="es-MX" sz="2400" dirty="0"/>
             <a:t>Finanzas públicas: menor recaudación tributaria</a:t>
           </a:r>
           <a:endParaRPr lang="es-ES" sz="2400" dirty="0"/>
@@ -4578,7 +4579,7 @@
         <a:lstStyle/>
         <a:p>
           <a:r>
-            <a:rPr lang="es-MX" sz="2400" dirty="0" smtClean="0"/>
+            <a:rPr lang="es-MX" sz="2400" dirty="0"/>
             <a:t>Baja inflación proyectada</a:t>
           </a:r>
           <a:endParaRPr lang="es-ES" sz="2400" dirty="0">
@@ -4619,15 +4620,15 @@
         <a:lstStyle/>
         <a:p>
           <a:r>
-            <a:rPr lang="es-MX" sz="2400" dirty="0" smtClean="0"/>
+            <a:rPr lang="es-MX" sz="2400" dirty="0"/>
             <a:t>BCCR: Política monetaria expansiva y </a:t>
           </a:r>
           <a:r>
-            <a:rPr lang="es-MX" sz="2400" dirty="0" err="1" smtClean="0"/>
+            <a:rPr lang="es-MX" sz="2400" dirty="0" err="1"/>
             <a:t>contracíclica</a:t>
           </a:r>
           <a:r>
-            <a:rPr lang="es-MX" sz="2400" dirty="0" smtClean="0"/>
+            <a:rPr lang="es-MX" sz="2400" dirty="0"/>
             <a:t>, que se manifiesta en bajas tasas de política monetaria y programas de inyección de liquidez </a:t>
           </a:r>
           <a:endParaRPr lang="es-ES" sz="2400" dirty="0"/>
@@ -4665,79 +4666,30 @@
         </dgm:presLayoutVars>
       </dgm:prSet>
       <dgm:spPr/>
-      <dgm:t>
-        <a:bodyPr/>
-        <a:lstStyle/>
-        <a:p>
-          <a:endParaRPr lang="es-ES"/>
-        </a:p>
-      </dgm:t>
     </dgm:pt>
     <dgm:pt modelId="{C17FF8E2-E00E-4751-9358-5893BA2072D6}" type="pres">
       <dgm:prSet presAssocID="{2F56FFF0-A4D8-45FC-8E71-0CC8BFEDE6EB}" presName="Name1" presStyleCnt="0"/>
       <dgm:spPr/>
-      <dgm:t>
-        <a:bodyPr/>
-        <a:lstStyle/>
-        <a:p>
-          <a:endParaRPr lang="es-ES"/>
-        </a:p>
-      </dgm:t>
     </dgm:pt>
     <dgm:pt modelId="{E0DEE588-9862-431B-BF2A-6BBB1FD26544}" type="pres">
       <dgm:prSet presAssocID="{2F56FFF0-A4D8-45FC-8E71-0CC8BFEDE6EB}" presName="cycle" presStyleCnt="0"/>
       <dgm:spPr/>
-      <dgm:t>
-        <a:bodyPr/>
-        <a:lstStyle/>
-        <a:p>
-          <a:endParaRPr lang="es-ES"/>
-        </a:p>
-      </dgm:t>
     </dgm:pt>
     <dgm:pt modelId="{20C22EE5-2C98-433E-8234-A907EC6B32F5}" type="pres">
       <dgm:prSet presAssocID="{2F56FFF0-A4D8-45FC-8E71-0CC8BFEDE6EB}" presName="srcNode" presStyleLbl="node1" presStyleIdx="0" presStyleCnt="4"/>
       <dgm:spPr/>
-      <dgm:t>
-        <a:bodyPr/>
-        <a:lstStyle/>
-        <a:p>
-          <a:endParaRPr lang="es-ES"/>
-        </a:p>
-      </dgm:t>
     </dgm:pt>
     <dgm:pt modelId="{FFB50722-9625-4E6D-9382-70BD1CC47921}" type="pres">
       <dgm:prSet presAssocID="{2F56FFF0-A4D8-45FC-8E71-0CC8BFEDE6EB}" presName="conn" presStyleLbl="parChTrans1D2" presStyleIdx="0" presStyleCnt="1"/>
       <dgm:spPr/>
-      <dgm:t>
-        <a:bodyPr/>
-        <a:lstStyle/>
-        <a:p>
-          <a:endParaRPr lang="es-ES"/>
-        </a:p>
-      </dgm:t>
     </dgm:pt>
     <dgm:pt modelId="{CDEF20CD-3A97-49EB-A89C-4C9213849DA9}" type="pres">
       <dgm:prSet presAssocID="{2F56FFF0-A4D8-45FC-8E71-0CC8BFEDE6EB}" presName="extraNode" presStyleLbl="node1" presStyleIdx="0" presStyleCnt="4"/>
       <dgm:spPr/>
-      <dgm:t>
-        <a:bodyPr/>
-        <a:lstStyle/>
-        <a:p>
-          <a:endParaRPr lang="es-ES"/>
-        </a:p>
-      </dgm:t>
     </dgm:pt>
     <dgm:pt modelId="{1135EBF9-1159-4D67-95F8-693AB90EA2AC}" type="pres">
       <dgm:prSet presAssocID="{2F56FFF0-A4D8-45FC-8E71-0CC8BFEDE6EB}" presName="dstNode" presStyleLbl="node1" presStyleIdx="0" presStyleCnt="4"/>
       <dgm:spPr/>
-      <dgm:t>
-        <a:bodyPr/>
-        <a:lstStyle/>
-        <a:p>
-          <a:endParaRPr lang="es-ES"/>
-        </a:p>
-      </dgm:t>
     </dgm:pt>
     <dgm:pt modelId="{26A1967D-D223-42D1-B681-0801E8D625F0}" type="pres">
       <dgm:prSet presAssocID="{8C1CB8C1-13BE-416A-B57E-F64DD640ED66}" presName="text_1" presStyleLbl="node1" presStyleIdx="0" presStyleCnt="4">
@@ -4746,35 +4698,14 @@
         </dgm:presLayoutVars>
       </dgm:prSet>
       <dgm:spPr/>
-      <dgm:t>
-        <a:bodyPr/>
-        <a:lstStyle/>
-        <a:p>
-          <a:endParaRPr lang="es-ES"/>
-        </a:p>
-      </dgm:t>
     </dgm:pt>
     <dgm:pt modelId="{396B134D-25E7-4D0A-B0E5-66CAFCDBEF9D}" type="pres">
       <dgm:prSet presAssocID="{8C1CB8C1-13BE-416A-B57E-F64DD640ED66}" presName="accent_1" presStyleCnt="0"/>
       <dgm:spPr/>
-      <dgm:t>
-        <a:bodyPr/>
-        <a:lstStyle/>
-        <a:p>
-          <a:endParaRPr lang="es-ES"/>
-        </a:p>
-      </dgm:t>
     </dgm:pt>
     <dgm:pt modelId="{D4CBB40F-7F85-4EAD-98B7-6491A199BD6D}" type="pres">
       <dgm:prSet presAssocID="{8C1CB8C1-13BE-416A-B57E-F64DD640ED66}" presName="accentRepeatNode" presStyleLbl="solidFgAcc1" presStyleIdx="0" presStyleCnt="4"/>
       <dgm:spPr/>
-      <dgm:t>
-        <a:bodyPr/>
-        <a:lstStyle/>
-        <a:p>
-          <a:endParaRPr lang="es-ES"/>
-        </a:p>
-      </dgm:t>
     </dgm:pt>
     <dgm:pt modelId="{E719EEA8-A088-4BCD-A8FA-238F4EE94674}" type="pres">
       <dgm:prSet presAssocID="{6637AD5F-EBDF-4603-885A-49ADC6601680}" presName="text_2" presStyleLbl="node1" presStyleIdx="1" presStyleCnt="4">
@@ -4783,35 +4714,14 @@
         </dgm:presLayoutVars>
       </dgm:prSet>
       <dgm:spPr/>
-      <dgm:t>
-        <a:bodyPr/>
-        <a:lstStyle/>
-        <a:p>
-          <a:endParaRPr lang="es-ES"/>
-        </a:p>
-      </dgm:t>
     </dgm:pt>
     <dgm:pt modelId="{5A19961A-F280-4CBA-BBEB-DCC8739A8C0F}" type="pres">
       <dgm:prSet presAssocID="{6637AD5F-EBDF-4603-885A-49ADC6601680}" presName="accent_2" presStyleCnt="0"/>
       <dgm:spPr/>
-      <dgm:t>
-        <a:bodyPr/>
-        <a:lstStyle/>
-        <a:p>
-          <a:endParaRPr lang="es-ES"/>
-        </a:p>
-      </dgm:t>
     </dgm:pt>
     <dgm:pt modelId="{5DD7DB7E-7B50-4306-BB21-79F75F3F0A20}" type="pres">
       <dgm:prSet presAssocID="{6637AD5F-EBDF-4603-885A-49ADC6601680}" presName="accentRepeatNode" presStyleLbl="solidFgAcc1" presStyleIdx="1" presStyleCnt="4"/>
       <dgm:spPr/>
-      <dgm:t>
-        <a:bodyPr/>
-        <a:lstStyle/>
-        <a:p>
-          <a:endParaRPr lang="es-ES"/>
-        </a:p>
-      </dgm:t>
     </dgm:pt>
     <dgm:pt modelId="{C466E6D5-5644-4695-A490-B7EB64D25C13}" type="pres">
       <dgm:prSet presAssocID="{BC277D77-2576-4EFB-85CC-4727F42C0D0B}" presName="text_3" presStyleLbl="node1" presStyleIdx="2" presStyleCnt="4">
@@ -4820,35 +4730,14 @@
         </dgm:presLayoutVars>
       </dgm:prSet>
       <dgm:spPr/>
-      <dgm:t>
-        <a:bodyPr/>
-        <a:lstStyle/>
-        <a:p>
-          <a:endParaRPr lang="es-ES"/>
-        </a:p>
-      </dgm:t>
     </dgm:pt>
     <dgm:pt modelId="{57B8C5A1-9C14-45CF-B9A4-A099CE1DB8EA}" type="pres">
       <dgm:prSet presAssocID="{BC277D77-2576-4EFB-85CC-4727F42C0D0B}" presName="accent_3" presStyleCnt="0"/>
       <dgm:spPr/>
-      <dgm:t>
-        <a:bodyPr/>
-        <a:lstStyle/>
-        <a:p>
-          <a:endParaRPr lang="es-ES"/>
-        </a:p>
-      </dgm:t>
     </dgm:pt>
     <dgm:pt modelId="{4B22BC7A-E81D-4732-BB5A-2BCC5669E1BA}" type="pres">
       <dgm:prSet presAssocID="{BC277D77-2576-4EFB-85CC-4727F42C0D0B}" presName="accentRepeatNode" presStyleLbl="solidFgAcc1" presStyleIdx="2" presStyleCnt="4"/>
       <dgm:spPr/>
-      <dgm:t>
-        <a:bodyPr/>
-        <a:lstStyle/>
-        <a:p>
-          <a:endParaRPr lang="es-ES"/>
-        </a:p>
-      </dgm:t>
     </dgm:pt>
     <dgm:pt modelId="{3C96D77F-7AC6-43D9-9378-C4B70F95CDBF}" type="pres">
       <dgm:prSet presAssocID="{4DD46FA8-B59E-425A-9377-CDA0D1F6C0A3}" presName="text_4" presStyleLbl="node1" presStyleIdx="3" presStyleCnt="4">
@@ -4857,48 +4746,27 @@
         </dgm:presLayoutVars>
       </dgm:prSet>
       <dgm:spPr/>
-      <dgm:t>
-        <a:bodyPr/>
-        <a:lstStyle/>
-        <a:p>
-          <a:endParaRPr lang="es-ES"/>
-        </a:p>
-      </dgm:t>
     </dgm:pt>
     <dgm:pt modelId="{9514105A-BCA2-459F-8BFA-6DE9C3156EE5}" type="pres">
       <dgm:prSet presAssocID="{4DD46FA8-B59E-425A-9377-CDA0D1F6C0A3}" presName="accent_4" presStyleCnt="0"/>
       <dgm:spPr/>
-      <dgm:t>
-        <a:bodyPr/>
-        <a:lstStyle/>
-        <a:p>
-          <a:endParaRPr lang="es-ES"/>
-        </a:p>
-      </dgm:t>
     </dgm:pt>
     <dgm:pt modelId="{ACC1E4E8-4E2E-4404-94E3-1AD7579596C6}" type="pres">
       <dgm:prSet presAssocID="{4DD46FA8-B59E-425A-9377-CDA0D1F6C0A3}" presName="accentRepeatNode" presStyleLbl="solidFgAcc1" presStyleIdx="3" presStyleCnt="4"/>
       <dgm:spPr/>
-      <dgm:t>
-        <a:bodyPr/>
-        <a:lstStyle/>
-        <a:p>
-          <a:endParaRPr lang="es-ES"/>
-        </a:p>
-      </dgm:t>
     </dgm:pt>
   </dgm:ptLst>
   <dgm:cxnLst>
+    <dgm:cxn modelId="{352A5D01-223B-4A79-8E31-7BBCE0C9BC2D}" type="presOf" srcId="{2F56FFF0-A4D8-45FC-8E71-0CC8BFEDE6EB}" destId="{6AE81283-D36F-4852-A33F-EA19C4FC0CE7}" srcOrd="0" destOrd="0" presId="urn:microsoft.com/office/officeart/2008/layout/VerticalCurvedList"/>
+    <dgm:cxn modelId="{7D893E04-BB47-4B61-98F7-21B6DE157582}" type="presOf" srcId="{BC277D77-2576-4EFB-85CC-4727F42C0D0B}" destId="{C466E6D5-5644-4695-A490-B7EB64D25C13}" srcOrd="0" destOrd="0" presId="urn:microsoft.com/office/officeart/2008/layout/VerticalCurvedList"/>
+    <dgm:cxn modelId="{5757842C-FC65-40F3-AC3E-CFA820F6A210}" srcId="{2F56FFF0-A4D8-45FC-8E71-0CC8BFEDE6EB}" destId="{6637AD5F-EBDF-4603-885A-49ADC6601680}" srcOrd="1" destOrd="0" parTransId="{E4C08918-2BAE-47DD-A53E-6B24FE86434D}" sibTransId="{D8166ECA-3BEF-4DE6-803D-FC3F98D4D305}"/>
+    <dgm:cxn modelId="{7783CD58-224F-4B9E-B18D-5A4881610D70}" srcId="{2F56FFF0-A4D8-45FC-8E71-0CC8BFEDE6EB}" destId="{8C1CB8C1-13BE-416A-B57E-F64DD640ED66}" srcOrd="0" destOrd="0" parTransId="{3B6AA247-1585-4D00-8E8C-63B7011CF1EA}" sibTransId="{7E4F7A8D-FA4B-4700-B0F9-033EF6FDEA6B}"/>
+    <dgm:cxn modelId="{FFB66064-FA28-4D87-AE78-5A7F9460C182}" srcId="{2F56FFF0-A4D8-45FC-8E71-0CC8BFEDE6EB}" destId="{4DD46FA8-B59E-425A-9377-CDA0D1F6C0A3}" srcOrd="3" destOrd="0" parTransId="{C0CB9965-F246-4B64-86B6-BFCFA32BD1D9}" sibTransId="{2C9AC147-4448-4662-A617-CC4A7E9F2C35}"/>
+    <dgm:cxn modelId="{2FC59C6F-0A8C-4652-8E15-3BC0AB38F976}" type="presOf" srcId="{7E4F7A8D-FA4B-4700-B0F9-033EF6FDEA6B}" destId="{FFB50722-9625-4E6D-9382-70BD1CC47921}" srcOrd="0" destOrd="0" presId="urn:microsoft.com/office/officeart/2008/layout/VerticalCurvedList"/>
+    <dgm:cxn modelId="{787F2F8B-82CC-448A-81A1-78FC10F0EF33}" srcId="{2F56FFF0-A4D8-45FC-8E71-0CC8BFEDE6EB}" destId="{BC277D77-2576-4EFB-85CC-4727F42C0D0B}" srcOrd="2" destOrd="0" parTransId="{58E66185-3CD9-4277-80B7-155740F3EFC2}" sibTransId="{F6039065-D93E-434C-985A-5CD98AAD3726}"/>
     <dgm:cxn modelId="{36A44CC4-7668-4303-9676-483961EBF2A0}" type="presOf" srcId="{6637AD5F-EBDF-4603-885A-49ADC6601680}" destId="{E719EEA8-A088-4BCD-A8FA-238F4EE94674}" srcOrd="0" destOrd="0" presId="urn:microsoft.com/office/officeart/2008/layout/VerticalCurvedList"/>
-    <dgm:cxn modelId="{FFB66064-FA28-4D87-AE78-5A7F9460C182}" srcId="{2F56FFF0-A4D8-45FC-8E71-0CC8BFEDE6EB}" destId="{4DD46FA8-B59E-425A-9377-CDA0D1F6C0A3}" srcOrd="3" destOrd="0" parTransId="{C0CB9965-F246-4B64-86B6-BFCFA32BD1D9}" sibTransId="{2C9AC147-4448-4662-A617-CC4A7E9F2C35}"/>
+    <dgm:cxn modelId="{800B75DB-12CB-453E-A59D-33CA4EEDD9FB}" type="presOf" srcId="{8C1CB8C1-13BE-416A-B57E-F64DD640ED66}" destId="{26A1967D-D223-42D1-B681-0801E8D625F0}" srcOrd="0" destOrd="0" presId="urn:microsoft.com/office/officeart/2008/layout/VerticalCurvedList"/>
     <dgm:cxn modelId="{AD95D6F5-8335-4F08-9CD1-EAECA0A3B134}" type="presOf" srcId="{4DD46FA8-B59E-425A-9377-CDA0D1F6C0A3}" destId="{3C96D77F-7AC6-43D9-9378-C4B70F95CDBF}" srcOrd="0" destOrd="0" presId="urn:microsoft.com/office/officeart/2008/layout/VerticalCurvedList"/>
-    <dgm:cxn modelId="{787F2F8B-82CC-448A-81A1-78FC10F0EF33}" srcId="{2F56FFF0-A4D8-45FC-8E71-0CC8BFEDE6EB}" destId="{BC277D77-2576-4EFB-85CC-4727F42C0D0B}" srcOrd="2" destOrd="0" parTransId="{58E66185-3CD9-4277-80B7-155740F3EFC2}" sibTransId="{F6039065-D93E-434C-985A-5CD98AAD3726}"/>
-    <dgm:cxn modelId="{7783CD58-224F-4B9E-B18D-5A4881610D70}" srcId="{2F56FFF0-A4D8-45FC-8E71-0CC8BFEDE6EB}" destId="{8C1CB8C1-13BE-416A-B57E-F64DD640ED66}" srcOrd="0" destOrd="0" parTransId="{3B6AA247-1585-4D00-8E8C-63B7011CF1EA}" sibTransId="{7E4F7A8D-FA4B-4700-B0F9-033EF6FDEA6B}"/>
-    <dgm:cxn modelId="{7D893E04-BB47-4B61-98F7-21B6DE157582}" type="presOf" srcId="{BC277D77-2576-4EFB-85CC-4727F42C0D0B}" destId="{C466E6D5-5644-4695-A490-B7EB64D25C13}" srcOrd="0" destOrd="0" presId="urn:microsoft.com/office/officeart/2008/layout/VerticalCurvedList"/>
-    <dgm:cxn modelId="{352A5D01-223B-4A79-8E31-7BBCE0C9BC2D}" type="presOf" srcId="{2F56FFF0-A4D8-45FC-8E71-0CC8BFEDE6EB}" destId="{6AE81283-D36F-4852-A33F-EA19C4FC0CE7}" srcOrd="0" destOrd="0" presId="urn:microsoft.com/office/officeart/2008/layout/VerticalCurvedList"/>
-    <dgm:cxn modelId="{5757842C-FC65-40F3-AC3E-CFA820F6A210}" srcId="{2F56FFF0-A4D8-45FC-8E71-0CC8BFEDE6EB}" destId="{6637AD5F-EBDF-4603-885A-49ADC6601680}" srcOrd="1" destOrd="0" parTransId="{E4C08918-2BAE-47DD-A53E-6B24FE86434D}" sibTransId="{D8166ECA-3BEF-4DE6-803D-FC3F98D4D305}"/>
-    <dgm:cxn modelId="{800B75DB-12CB-453E-A59D-33CA4EEDD9FB}" type="presOf" srcId="{8C1CB8C1-13BE-416A-B57E-F64DD640ED66}" destId="{26A1967D-D223-42D1-B681-0801E8D625F0}" srcOrd="0" destOrd="0" presId="urn:microsoft.com/office/officeart/2008/layout/VerticalCurvedList"/>
-    <dgm:cxn modelId="{2FC59C6F-0A8C-4652-8E15-3BC0AB38F976}" type="presOf" srcId="{7E4F7A8D-FA4B-4700-B0F9-033EF6FDEA6B}" destId="{FFB50722-9625-4E6D-9382-70BD1CC47921}" srcOrd="0" destOrd="0" presId="urn:microsoft.com/office/officeart/2008/layout/VerticalCurvedList"/>
     <dgm:cxn modelId="{67EC3C27-4187-4D26-965D-151FBFBAC018}" type="presParOf" srcId="{6AE81283-D36F-4852-A33F-EA19C4FC0CE7}" destId="{C17FF8E2-E00E-4751-9358-5893BA2072D6}" srcOrd="0" destOrd="0" presId="urn:microsoft.com/office/officeart/2008/layout/VerticalCurvedList"/>
     <dgm:cxn modelId="{BE6C7796-C544-4824-BB7B-49EB63F17CBE}" type="presParOf" srcId="{C17FF8E2-E00E-4751-9358-5893BA2072D6}" destId="{E0DEE588-9862-431B-BF2A-6BBB1FD26544}" srcOrd="0" destOrd="0" presId="urn:microsoft.com/office/officeart/2008/layout/VerticalCurvedList"/>
     <dgm:cxn modelId="{79A847A8-7A63-4DF3-900C-11AD6A4756A5}" type="presParOf" srcId="{E0DEE588-9862-431B-BF2A-6BBB1FD26544}" destId="{20C22EE5-2C98-433E-8234-A907EC6B32F5}" srcOrd="0" destOrd="0" presId="urn:microsoft.com/office/officeart/2008/layout/VerticalCurvedList"/>
@@ -4950,7 +4818,7 @@
         <a:lstStyle/>
         <a:p>
           <a:r>
-            <a:rPr lang="es-MX" sz="2400" dirty="0" smtClean="0"/>
+            <a:rPr lang="es-MX" sz="2400" dirty="0"/>
             <a:t>Saldo de la deuda del Gobierno Central alcanzó en setiembre un 67,3% del PIB (56,3% en 2019). </a:t>
           </a:r>
           <a:endParaRPr lang="es-ES" sz="2400" dirty="0"/>
@@ -4987,7 +4855,7 @@
         <a:lstStyle/>
         <a:p>
           <a:r>
-            <a:rPr lang="es-MX" sz="2400" dirty="0" smtClean="0"/>
+            <a:rPr lang="es-MX" sz="2400" dirty="0"/>
             <a:t>Deterioro considerable en las finanzas del Gobierno</a:t>
           </a:r>
           <a:endParaRPr lang="es-ES" sz="2400" dirty="0">
@@ -5026,7 +4894,7 @@
         <a:lstStyle/>
         <a:p>
           <a:r>
-            <a:rPr lang="es-MX" sz="2400" dirty="0" smtClean="0"/>
+            <a:rPr lang="es-MX" sz="2400" dirty="0"/>
             <a:t>Incertidumbre asociada a la forma de resolver el déficit fiscal y el crecimiento de la deuda por parte del Gobierno</a:t>
           </a:r>
           <a:endParaRPr lang="es-ES" sz="2400" dirty="0">
@@ -5067,7 +4935,7 @@
         <a:lstStyle/>
         <a:p>
           <a:r>
-            <a:rPr lang="es-MX" sz="2400" dirty="0" smtClean="0"/>
+            <a:rPr lang="es-MX" sz="2400" dirty="0"/>
             <a:t>Podría desencadenar en una crisis de confianza que podría llegar a impactar la estabilidad financiera del país.</a:t>
           </a:r>
           <a:endParaRPr lang="es-ES" sz="2400" dirty="0"/>
@@ -5105,79 +4973,30 @@
         </dgm:presLayoutVars>
       </dgm:prSet>
       <dgm:spPr/>
-      <dgm:t>
-        <a:bodyPr/>
-        <a:lstStyle/>
-        <a:p>
-          <a:endParaRPr lang="es-ES"/>
-        </a:p>
-      </dgm:t>
     </dgm:pt>
     <dgm:pt modelId="{A1FF76E5-2804-4424-B502-6054D2E34481}" type="pres">
       <dgm:prSet presAssocID="{2F56FFF0-A4D8-45FC-8E71-0CC8BFEDE6EB}" presName="Name1" presStyleCnt="0"/>
       <dgm:spPr/>
-      <dgm:t>
-        <a:bodyPr/>
-        <a:lstStyle/>
-        <a:p>
-          <a:endParaRPr lang="es-ES"/>
-        </a:p>
-      </dgm:t>
     </dgm:pt>
     <dgm:pt modelId="{9F83D77B-7ED0-4E84-9145-04B6D5E0B56B}" type="pres">
       <dgm:prSet presAssocID="{2F56FFF0-A4D8-45FC-8E71-0CC8BFEDE6EB}" presName="cycle" presStyleCnt="0"/>
       <dgm:spPr/>
-      <dgm:t>
-        <a:bodyPr/>
-        <a:lstStyle/>
-        <a:p>
-          <a:endParaRPr lang="es-ES"/>
-        </a:p>
-      </dgm:t>
     </dgm:pt>
     <dgm:pt modelId="{AC2B9594-54B8-4DF1-BC18-D03107F454EF}" type="pres">
       <dgm:prSet presAssocID="{2F56FFF0-A4D8-45FC-8E71-0CC8BFEDE6EB}" presName="srcNode" presStyleLbl="node1" presStyleIdx="0" presStyleCnt="4"/>
       <dgm:spPr/>
-      <dgm:t>
-        <a:bodyPr/>
-        <a:lstStyle/>
-        <a:p>
-          <a:endParaRPr lang="es-ES"/>
-        </a:p>
-      </dgm:t>
     </dgm:pt>
     <dgm:pt modelId="{D18C217D-9BB2-449D-B7ED-133D8452EB48}" type="pres">
       <dgm:prSet presAssocID="{2F56FFF0-A4D8-45FC-8E71-0CC8BFEDE6EB}" presName="conn" presStyleLbl="parChTrans1D2" presStyleIdx="0" presStyleCnt="1"/>
       <dgm:spPr/>
-      <dgm:t>
-        <a:bodyPr/>
-        <a:lstStyle/>
-        <a:p>
-          <a:endParaRPr lang="es-ES"/>
-        </a:p>
-      </dgm:t>
     </dgm:pt>
     <dgm:pt modelId="{2C6EEC9C-07A2-41FF-8FF1-B0C1695F5401}" type="pres">
       <dgm:prSet presAssocID="{2F56FFF0-A4D8-45FC-8E71-0CC8BFEDE6EB}" presName="extraNode" presStyleLbl="node1" presStyleIdx="0" presStyleCnt="4"/>
       <dgm:spPr/>
-      <dgm:t>
-        <a:bodyPr/>
-        <a:lstStyle/>
-        <a:p>
-          <a:endParaRPr lang="es-ES"/>
-        </a:p>
-      </dgm:t>
     </dgm:pt>
     <dgm:pt modelId="{2A921915-DF37-4B77-A9F1-35ABB81E6801}" type="pres">
       <dgm:prSet presAssocID="{2F56FFF0-A4D8-45FC-8E71-0CC8BFEDE6EB}" presName="dstNode" presStyleLbl="node1" presStyleIdx="0" presStyleCnt="4"/>
       <dgm:spPr/>
-      <dgm:t>
-        <a:bodyPr/>
-        <a:lstStyle/>
-        <a:p>
-          <a:endParaRPr lang="es-ES"/>
-        </a:p>
-      </dgm:t>
     </dgm:pt>
     <dgm:pt modelId="{4AF54DBC-F6A1-4FC9-B0B6-F02046368EC4}" type="pres">
       <dgm:prSet presAssocID="{7885685C-C118-42C1-80BE-FFE2FFDFB97B}" presName="text_1" presStyleLbl="node1" presStyleIdx="0" presStyleCnt="4">
@@ -5186,35 +5005,14 @@
         </dgm:presLayoutVars>
       </dgm:prSet>
       <dgm:spPr/>
-      <dgm:t>
-        <a:bodyPr/>
-        <a:lstStyle/>
-        <a:p>
-          <a:endParaRPr lang="es-ES"/>
-        </a:p>
-      </dgm:t>
     </dgm:pt>
     <dgm:pt modelId="{28A40EBA-E5C9-4E29-939B-AF915B7D16D2}" type="pres">
       <dgm:prSet presAssocID="{7885685C-C118-42C1-80BE-FFE2FFDFB97B}" presName="accent_1" presStyleCnt="0"/>
       <dgm:spPr/>
-      <dgm:t>
-        <a:bodyPr/>
-        <a:lstStyle/>
-        <a:p>
-          <a:endParaRPr lang="es-ES"/>
-        </a:p>
-      </dgm:t>
     </dgm:pt>
     <dgm:pt modelId="{19EB5A52-C434-44AF-8A28-4432C67AC9D9}" type="pres">
       <dgm:prSet presAssocID="{7885685C-C118-42C1-80BE-FFE2FFDFB97B}" presName="accentRepeatNode" presStyleLbl="solidFgAcc1" presStyleIdx="0" presStyleCnt="4"/>
       <dgm:spPr/>
-      <dgm:t>
-        <a:bodyPr/>
-        <a:lstStyle/>
-        <a:p>
-          <a:endParaRPr lang="es-ES"/>
-        </a:p>
-      </dgm:t>
     </dgm:pt>
     <dgm:pt modelId="{DCB6F785-E794-462B-AAAA-99DF34331150}" type="pres">
       <dgm:prSet presAssocID="{BC277D77-2576-4EFB-85CC-4727F42C0D0B}" presName="text_2" presStyleLbl="node1" presStyleIdx="1" presStyleCnt="4">
@@ -5223,35 +5021,14 @@
         </dgm:presLayoutVars>
       </dgm:prSet>
       <dgm:spPr/>
-      <dgm:t>
-        <a:bodyPr/>
-        <a:lstStyle/>
-        <a:p>
-          <a:endParaRPr lang="es-ES"/>
-        </a:p>
-      </dgm:t>
     </dgm:pt>
     <dgm:pt modelId="{A0EC2FAB-4BA6-476F-A417-FE56BEC1200E}" type="pres">
       <dgm:prSet presAssocID="{BC277D77-2576-4EFB-85CC-4727F42C0D0B}" presName="accent_2" presStyleCnt="0"/>
       <dgm:spPr/>
-      <dgm:t>
-        <a:bodyPr/>
-        <a:lstStyle/>
-        <a:p>
-          <a:endParaRPr lang="es-ES"/>
-        </a:p>
-      </dgm:t>
     </dgm:pt>
     <dgm:pt modelId="{9D94213C-CD1A-474E-81D9-F7F24E9E533C}" type="pres">
       <dgm:prSet presAssocID="{BC277D77-2576-4EFB-85CC-4727F42C0D0B}" presName="accentRepeatNode" presStyleLbl="solidFgAcc1" presStyleIdx="1" presStyleCnt="4"/>
       <dgm:spPr/>
-      <dgm:t>
-        <a:bodyPr/>
-        <a:lstStyle/>
-        <a:p>
-          <a:endParaRPr lang="es-ES"/>
-        </a:p>
-      </dgm:t>
     </dgm:pt>
     <dgm:pt modelId="{4CE50413-8B20-491D-9CE4-6C5864B550B5}" type="pres">
       <dgm:prSet presAssocID="{EB06B09B-B877-41FD-A8AD-57730AE125A9}" presName="text_3" presStyleLbl="node1" presStyleIdx="2" presStyleCnt="4">
@@ -5260,35 +5037,14 @@
         </dgm:presLayoutVars>
       </dgm:prSet>
       <dgm:spPr/>
-      <dgm:t>
-        <a:bodyPr/>
-        <a:lstStyle/>
-        <a:p>
-          <a:endParaRPr lang="es-ES"/>
-        </a:p>
-      </dgm:t>
     </dgm:pt>
     <dgm:pt modelId="{9889ACBA-995C-49C1-B8A2-47B6B96DD059}" type="pres">
       <dgm:prSet presAssocID="{EB06B09B-B877-41FD-A8AD-57730AE125A9}" presName="accent_3" presStyleCnt="0"/>
       <dgm:spPr/>
-      <dgm:t>
-        <a:bodyPr/>
-        <a:lstStyle/>
-        <a:p>
-          <a:endParaRPr lang="es-ES"/>
-        </a:p>
-      </dgm:t>
     </dgm:pt>
     <dgm:pt modelId="{860A1283-7661-432E-85BE-B4D39F5113F6}" type="pres">
       <dgm:prSet presAssocID="{EB06B09B-B877-41FD-A8AD-57730AE125A9}" presName="accentRepeatNode" presStyleLbl="solidFgAcc1" presStyleIdx="2" presStyleCnt="4"/>
       <dgm:spPr/>
-      <dgm:t>
-        <a:bodyPr/>
-        <a:lstStyle/>
-        <a:p>
-          <a:endParaRPr lang="es-ES"/>
-        </a:p>
-      </dgm:t>
     </dgm:pt>
     <dgm:pt modelId="{031A4CE4-B819-47D1-8533-B1FF93F27A63}" type="pres">
       <dgm:prSet presAssocID="{71ACAF4A-E3DE-40AC-AB83-70444F6D5F88}" presName="text_4" presStyleLbl="node1" presStyleIdx="3" presStyleCnt="4">
@@ -5297,48 +5053,27 @@
         </dgm:presLayoutVars>
       </dgm:prSet>
       <dgm:spPr/>
-      <dgm:t>
-        <a:bodyPr/>
-        <a:lstStyle/>
-        <a:p>
-          <a:endParaRPr lang="es-ES"/>
-        </a:p>
-      </dgm:t>
     </dgm:pt>
     <dgm:pt modelId="{616BEE11-0DFD-4956-AB9F-28B9807EEBE7}" type="pres">
       <dgm:prSet presAssocID="{71ACAF4A-E3DE-40AC-AB83-70444F6D5F88}" presName="accent_4" presStyleCnt="0"/>
       <dgm:spPr/>
-      <dgm:t>
-        <a:bodyPr/>
-        <a:lstStyle/>
-        <a:p>
-          <a:endParaRPr lang="es-ES"/>
-        </a:p>
-      </dgm:t>
     </dgm:pt>
     <dgm:pt modelId="{F19FB32F-8B9A-4C84-B823-1B4A6EF9EEB4}" type="pres">
       <dgm:prSet presAssocID="{71ACAF4A-E3DE-40AC-AB83-70444F6D5F88}" presName="accentRepeatNode" presStyleLbl="solidFgAcc1" presStyleIdx="3" presStyleCnt="4"/>
       <dgm:spPr/>
-      <dgm:t>
-        <a:bodyPr/>
-        <a:lstStyle/>
-        <a:p>
-          <a:endParaRPr lang="es-ES"/>
-        </a:p>
-      </dgm:t>
     </dgm:pt>
   </dgm:ptLst>
   <dgm:cxnLst>
+    <dgm:cxn modelId="{F635AA27-E7C2-4C10-8EA5-07170CB45FF3}" type="presOf" srcId="{71ACAF4A-E3DE-40AC-AB83-70444F6D5F88}" destId="{031A4CE4-B819-47D1-8533-B1FF93F27A63}" srcOrd="0" destOrd="0" presId="urn:microsoft.com/office/officeart/2008/layout/VerticalCurvedList"/>
+    <dgm:cxn modelId="{0B574144-2433-425C-8A92-BB9085A450DF}" type="presOf" srcId="{EB06B09B-B877-41FD-A8AD-57730AE125A9}" destId="{4CE50413-8B20-491D-9CE4-6C5864B550B5}" srcOrd="0" destOrd="0" presId="urn:microsoft.com/office/officeart/2008/layout/VerticalCurvedList"/>
     <dgm:cxn modelId="{9114BF4E-4FB6-481F-BB7A-425FEA0BC47C}" type="presOf" srcId="{BC277D77-2576-4EFB-85CC-4727F42C0D0B}" destId="{DCB6F785-E794-462B-AAAA-99DF34331150}" srcOrd="0" destOrd="0" presId="urn:microsoft.com/office/officeart/2008/layout/VerticalCurvedList"/>
     <dgm:cxn modelId="{787F2F8B-82CC-448A-81A1-78FC10F0EF33}" srcId="{2F56FFF0-A4D8-45FC-8E71-0CC8BFEDE6EB}" destId="{BC277D77-2576-4EFB-85CC-4727F42C0D0B}" srcOrd="1" destOrd="0" parTransId="{58E66185-3CD9-4277-80B7-155740F3EFC2}" sibTransId="{F6039065-D93E-434C-985A-5CD98AAD3726}"/>
+    <dgm:cxn modelId="{4B1A7A97-86B1-46E9-BA9A-75CA5DBE9639}" srcId="{2F56FFF0-A4D8-45FC-8E71-0CC8BFEDE6EB}" destId="{71ACAF4A-E3DE-40AC-AB83-70444F6D5F88}" srcOrd="3" destOrd="0" parTransId="{B9BEA953-241B-4F25-A8B8-50FD773994E2}" sibTransId="{55DDB091-F887-4B33-85C1-14A0C6340993}"/>
     <dgm:cxn modelId="{219A02A3-D159-4FA3-9E5B-25D2E0AB589B}" type="presOf" srcId="{2F56FFF0-A4D8-45FC-8E71-0CC8BFEDE6EB}" destId="{DC96E66E-A9AA-4A00-9B82-F6179494D1CA}" srcOrd="0" destOrd="0" presId="urn:microsoft.com/office/officeart/2008/layout/VerticalCurvedList"/>
-    <dgm:cxn modelId="{F635AA27-E7C2-4C10-8EA5-07170CB45FF3}" type="presOf" srcId="{71ACAF4A-E3DE-40AC-AB83-70444F6D5F88}" destId="{031A4CE4-B819-47D1-8533-B1FF93F27A63}" srcOrd="0" destOrd="0" presId="urn:microsoft.com/office/officeart/2008/layout/VerticalCurvedList"/>
-    <dgm:cxn modelId="{4B1A7A97-86B1-46E9-BA9A-75CA5DBE9639}" srcId="{2F56FFF0-A4D8-45FC-8E71-0CC8BFEDE6EB}" destId="{71ACAF4A-E3DE-40AC-AB83-70444F6D5F88}" srcOrd="3" destOrd="0" parTransId="{B9BEA953-241B-4F25-A8B8-50FD773994E2}" sibTransId="{55DDB091-F887-4B33-85C1-14A0C6340993}"/>
     <dgm:cxn modelId="{6A670CAD-44A9-4AF6-8157-53A3664E6BB8}" type="presOf" srcId="{CB6D4F24-64C6-426E-A79F-89BFDA67F6E5}" destId="{D18C217D-9BB2-449D-B7ED-133D8452EB48}" srcOrd="0" destOrd="0" presId="urn:microsoft.com/office/officeart/2008/layout/VerticalCurvedList"/>
-    <dgm:cxn modelId="{F9917AFC-77A8-4DDC-9D77-CCD7ABF2E829}" srcId="{2F56FFF0-A4D8-45FC-8E71-0CC8BFEDE6EB}" destId="{EB06B09B-B877-41FD-A8AD-57730AE125A9}" srcOrd="2" destOrd="0" parTransId="{684A0CD6-96A1-4310-8E0B-32BEA6046C75}" sibTransId="{C4525701-5862-4AEA-AB73-0AF90D0C261C}"/>
     <dgm:cxn modelId="{3AB405B1-CF02-43CC-A687-D3C2C532B209}" srcId="{2F56FFF0-A4D8-45FC-8E71-0CC8BFEDE6EB}" destId="{7885685C-C118-42C1-80BE-FFE2FFDFB97B}" srcOrd="0" destOrd="0" parTransId="{1BD91F7E-EF65-4468-B3D8-A085BFA995E8}" sibTransId="{CB6D4F24-64C6-426E-A79F-89BFDA67F6E5}"/>
     <dgm:cxn modelId="{E0B4D3F8-044A-464E-96FB-C21564B94457}" type="presOf" srcId="{7885685C-C118-42C1-80BE-FFE2FFDFB97B}" destId="{4AF54DBC-F6A1-4FC9-B0B6-F02046368EC4}" srcOrd="0" destOrd="0" presId="urn:microsoft.com/office/officeart/2008/layout/VerticalCurvedList"/>
-    <dgm:cxn modelId="{0B574144-2433-425C-8A92-BB9085A450DF}" type="presOf" srcId="{EB06B09B-B877-41FD-A8AD-57730AE125A9}" destId="{4CE50413-8B20-491D-9CE4-6C5864B550B5}" srcOrd="0" destOrd="0" presId="urn:microsoft.com/office/officeart/2008/layout/VerticalCurvedList"/>
+    <dgm:cxn modelId="{F9917AFC-77A8-4DDC-9D77-CCD7ABF2E829}" srcId="{2F56FFF0-A4D8-45FC-8E71-0CC8BFEDE6EB}" destId="{EB06B09B-B877-41FD-A8AD-57730AE125A9}" srcOrd="2" destOrd="0" parTransId="{684A0CD6-96A1-4310-8E0B-32BEA6046C75}" sibTransId="{C4525701-5862-4AEA-AB73-0AF90D0C261C}"/>
     <dgm:cxn modelId="{D91B4948-FCD2-45F8-BEAA-AC18E9CE0025}" type="presParOf" srcId="{DC96E66E-A9AA-4A00-9B82-F6179494D1CA}" destId="{A1FF76E5-2804-4424-B502-6054D2E34481}" srcOrd="0" destOrd="0" presId="urn:microsoft.com/office/officeart/2008/layout/VerticalCurvedList"/>
     <dgm:cxn modelId="{1EE5FA58-525B-47B1-B45A-0C35405CF98A}" type="presParOf" srcId="{A1FF76E5-2804-4424-B502-6054D2E34481}" destId="{9F83D77B-7ED0-4E84-9145-04B6D5E0B56B}" srcOrd="0" destOrd="0" presId="urn:microsoft.com/office/officeart/2008/layout/VerticalCurvedList"/>
     <dgm:cxn modelId="{D7E474B1-5BA3-4C9F-8CC6-EDDF96A58022}" type="presParOf" srcId="{9F83D77B-7ED0-4E84-9145-04B6D5E0B56B}" destId="{AC2B9594-54B8-4DF1-BC18-D03107F454EF}" srcOrd="0" destOrd="0" presId="urn:microsoft.com/office/officeart/2008/layout/VerticalCurvedList"/>
@@ -5390,7 +5125,7 @@
         <a:lstStyle/>
         <a:p>
           <a:r>
-            <a:rPr lang="es-MX" sz="2400" dirty="0" smtClean="0"/>
+            <a:rPr lang="es-MX" sz="2400" dirty="0"/>
             <a:t>Favorece el desarrollo del mercado de capitales doméstico, primario y secundario</a:t>
           </a:r>
           <a:endParaRPr lang="es-ES" sz="2400" dirty="0"/>
@@ -5427,7 +5162,7 @@
         <a:lstStyle/>
         <a:p>
           <a:r>
-            <a:rPr lang="es-ES" sz="2400" dirty="0" smtClean="0"/>
+            <a:rPr lang="es-ES" sz="2400" dirty="0"/>
             <a:t>La curva de rendimiento incide en las expectativas en la actividad económica, inflación y la política monetaria</a:t>
           </a:r>
           <a:endParaRPr lang="es-ES" sz="2400" dirty="0">
@@ -5466,7 +5201,7 @@
         <a:lstStyle/>
         <a:p>
           <a:r>
-            <a:rPr lang="es-MX" sz="2400" dirty="0" smtClean="0"/>
+            <a:rPr lang="es-MX" sz="2400" dirty="0"/>
             <a:t>Favorece la valorización de los instrumentos financieros (de deuda y derivados). </a:t>
           </a:r>
           <a:endParaRPr lang="es-ES" sz="2400" dirty="0">
@@ -5508,79 +5243,30 @@
         </dgm:presLayoutVars>
       </dgm:prSet>
       <dgm:spPr/>
-      <dgm:t>
-        <a:bodyPr/>
-        <a:lstStyle/>
-        <a:p>
-          <a:endParaRPr lang="es-ES"/>
-        </a:p>
-      </dgm:t>
     </dgm:pt>
     <dgm:pt modelId="{A1FF76E5-2804-4424-B502-6054D2E34481}" type="pres">
       <dgm:prSet presAssocID="{2F56FFF0-A4D8-45FC-8E71-0CC8BFEDE6EB}" presName="Name1" presStyleCnt="0"/>
       <dgm:spPr/>
-      <dgm:t>
-        <a:bodyPr/>
-        <a:lstStyle/>
-        <a:p>
-          <a:endParaRPr lang="es-ES"/>
-        </a:p>
-      </dgm:t>
     </dgm:pt>
     <dgm:pt modelId="{9F83D77B-7ED0-4E84-9145-04B6D5E0B56B}" type="pres">
       <dgm:prSet presAssocID="{2F56FFF0-A4D8-45FC-8E71-0CC8BFEDE6EB}" presName="cycle" presStyleCnt="0"/>
       <dgm:spPr/>
-      <dgm:t>
-        <a:bodyPr/>
-        <a:lstStyle/>
-        <a:p>
-          <a:endParaRPr lang="es-ES"/>
-        </a:p>
-      </dgm:t>
     </dgm:pt>
     <dgm:pt modelId="{AC2B9594-54B8-4DF1-BC18-D03107F454EF}" type="pres">
       <dgm:prSet presAssocID="{2F56FFF0-A4D8-45FC-8E71-0CC8BFEDE6EB}" presName="srcNode" presStyleLbl="node1" presStyleIdx="0" presStyleCnt="3"/>
       <dgm:spPr/>
-      <dgm:t>
-        <a:bodyPr/>
-        <a:lstStyle/>
-        <a:p>
-          <a:endParaRPr lang="es-ES"/>
-        </a:p>
-      </dgm:t>
     </dgm:pt>
     <dgm:pt modelId="{D18C217D-9BB2-449D-B7ED-133D8452EB48}" type="pres">
       <dgm:prSet presAssocID="{2F56FFF0-A4D8-45FC-8E71-0CC8BFEDE6EB}" presName="conn" presStyleLbl="parChTrans1D2" presStyleIdx="0" presStyleCnt="1"/>
       <dgm:spPr/>
-      <dgm:t>
-        <a:bodyPr/>
-        <a:lstStyle/>
-        <a:p>
-          <a:endParaRPr lang="es-ES"/>
-        </a:p>
-      </dgm:t>
     </dgm:pt>
     <dgm:pt modelId="{2C6EEC9C-07A2-41FF-8FF1-B0C1695F5401}" type="pres">
       <dgm:prSet presAssocID="{2F56FFF0-A4D8-45FC-8E71-0CC8BFEDE6EB}" presName="extraNode" presStyleLbl="node1" presStyleIdx="0" presStyleCnt="3"/>
       <dgm:spPr/>
-      <dgm:t>
-        <a:bodyPr/>
-        <a:lstStyle/>
-        <a:p>
-          <a:endParaRPr lang="es-ES"/>
-        </a:p>
-      </dgm:t>
     </dgm:pt>
     <dgm:pt modelId="{2A921915-DF37-4B77-A9F1-35ABB81E6801}" type="pres">
       <dgm:prSet presAssocID="{2F56FFF0-A4D8-45FC-8E71-0CC8BFEDE6EB}" presName="dstNode" presStyleLbl="node1" presStyleIdx="0" presStyleCnt="3"/>
       <dgm:spPr/>
-      <dgm:t>
-        <a:bodyPr/>
-        <a:lstStyle/>
-        <a:p>
-          <a:endParaRPr lang="es-ES"/>
-        </a:p>
-      </dgm:t>
     </dgm:pt>
     <dgm:pt modelId="{4AF54DBC-F6A1-4FC9-B0B6-F02046368EC4}" type="pres">
       <dgm:prSet presAssocID="{7885685C-C118-42C1-80BE-FFE2FFDFB97B}" presName="text_1" presStyleLbl="node1" presStyleIdx="0" presStyleCnt="3">
@@ -5589,35 +5275,14 @@
         </dgm:presLayoutVars>
       </dgm:prSet>
       <dgm:spPr/>
-      <dgm:t>
-        <a:bodyPr/>
-        <a:lstStyle/>
-        <a:p>
-          <a:endParaRPr lang="es-ES"/>
-        </a:p>
-      </dgm:t>
     </dgm:pt>
     <dgm:pt modelId="{28A40EBA-E5C9-4E29-939B-AF915B7D16D2}" type="pres">
       <dgm:prSet presAssocID="{7885685C-C118-42C1-80BE-FFE2FFDFB97B}" presName="accent_1" presStyleCnt="0"/>
       <dgm:spPr/>
-      <dgm:t>
-        <a:bodyPr/>
-        <a:lstStyle/>
-        <a:p>
-          <a:endParaRPr lang="es-ES"/>
-        </a:p>
-      </dgm:t>
     </dgm:pt>
     <dgm:pt modelId="{19EB5A52-C434-44AF-8A28-4432C67AC9D9}" type="pres">
       <dgm:prSet presAssocID="{7885685C-C118-42C1-80BE-FFE2FFDFB97B}" presName="accentRepeatNode" presStyleLbl="solidFgAcc1" presStyleIdx="0" presStyleCnt="3"/>
       <dgm:spPr/>
-      <dgm:t>
-        <a:bodyPr/>
-        <a:lstStyle/>
-        <a:p>
-          <a:endParaRPr lang="es-ES"/>
-        </a:p>
-      </dgm:t>
     </dgm:pt>
     <dgm:pt modelId="{DCB6F785-E794-462B-AAAA-99DF34331150}" type="pres">
       <dgm:prSet presAssocID="{BC277D77-2576-4EFB-85CC-4727F42C0D0B}" presName="text_2" presStyleLbl="node1" presStyleIdx="1" presStyleCnt="3">
@@ -5626,35 +5291,14 @@
         </dgm:presLayoutVars>
       </dgm:prSet>
       <dgm:spPr/>
-      <dgm:t>
-        <a:bodyPr/>
-        <a:lstStyle/>
-        <a:p>
-          <a:endParaRPr lang="es-ES"/>
-        </a:p>
-      </dgm:t>
     </dgm:pt>
     <dgm:pt modelId="{A0EC2FAB-4BA6-476F-A417-FE56BEC1200E}" type="pres">
       <dgm:prSet presAssocID="{BC277D77-2576-4EFB-85CC-4727F42C0D0B}" presName="accent_2" presStyleCnt="0"/>
       <dgm:spPr/>
-      <dgm:t>
-        <a:bodyPr/>
-        <a:lstStyle/>
-        <a:p>
-          <a:endParaRPr lang="es-ES"/>
-        </a:p>
-      </dgm:t>
     </dgm:pt>
     <dgm:pt modelId="{9D94213C-CD1A-474E-81D9-F7F24E9E533C}" type="pres">
       <dgm:prSet presAssocID="{BC277D77-2576-4EFB-85CC-4727F42C0D0B}" presName="accentRepeatNode" presStyleLbl="solidFgAcc1" presStyleIdx="1" presStyleCnt="3"/>
       <dgm:spPr/>
-      <dgm:t>
-        <a:bodyPr/>
-        <a:lstStyle/>
-        <a:p>
-          <a:endParaRPr lang="es-ES"/>
-        </a:p>
-      </dgm:t>
     </dgm:pt>
     <dgm:pt modelId="{4CE50413-8B20-491D-9CE4-6C5864B550B5}" type="pres">
       <dgm:prSet presAssocID="{EB06B09B-B877-41FD-A8AD-57730AE125A9}" presName="text_3" presStyleLbl="node1" presStyleIdx="2" presStyleCnt="3">
@@ -5663,46 +5307,25 @@
         </dgm:presLayoutVars>
       </dgm:prSet>
       <dgm:spPr/>
-      <dgm:t>
-        <a:bodyPr/>
-        <a:lstStyle/>
-        <a:p>
-          <a:endParaRPr lang="es-ES"/>
-        </a:p>
-      </dgm:t>
     </dgm:pt>
     <dgm:pt modelId="{9889ACBA-995C-49C1-B8A2-47B6B96DD059}" type="pres">
       <dgm:prSet presAssocID="{EB06B09B-B877-41FD-A8AD-57730AE125A9}" presName="accent_3" presStyleCnt="0"/>
       <dgm:spPr/>
-      <dgm:t>
-        <a:bodyPr/>
-        <a:lstStyle/>
-        <a:p>
-          <a:endParaRPr lang="es-ES"/>
-        </a:p>
-      </dgm:t>
     </dgm:pt>
     <dgm:pt modelId="{860A1283-7661-432E-85BE-B4D39F5113F6}" type="pres">
       <dgm:prSet presAssocID="{EB06B09B-B877-41FD-A8AD-57730AE125A9}" presName="accentRepeatNode" presStyleLbl="solidFgAcc1" presStyleIdx="2" presStyleCnt="3"/>
       <dgm:spPr/>
-      <dgm:t>
-        <a:bodyPr/>
-        <a:lstStyle/>
-        <a:p>
-          <a:endParaRPr lang="es-ES"/>
-        </a:p>
-      </dgm:t>
     </dgm:pt>
   </dgm:ptLst>
   <dgm:cxnLst>
+    <dgm:cxn modelId="{0B574144-2433-425C-8A92-BB9085A450DF}" type="presOf" srcId="{EB06B09B-B877-41FD-A8AD-57730AE125A9}" destId="{4CE50413-8B20-491D-9CE4-6C5864B550B5}" srcOrd="0" destOrd="0" presId="urn:microsoft.com/office/officeart/2008/layout/VerticalCurvedList"/>
     <dgm:cxn modelId="{9114BF4E-4FB6-481F-BB7A-425FEA0BC47C}" type="presOf" srcId="{BC277D77-2576-4EFB-85CC-4727F42C0D0B}" destId="{DCB6F785-E794-462B-AAAA-99DF34331150}" srcOrd="0" destOrd="0" presId="urn:microsoft.com/office/officeart/2008/layout/VerticalCurvedList"/>
     <dgm:cxn modelId="{787F2F8B-82CC-448A-81A1-78FC10F0EF33}" srcId="{2F56FFF0-A4D8-45FC-8E71-0CC8BFEDE6EB}" destId="{BC277D77-2576-4EFB-85CC-4727F42C0D0B}" srcOrd="1" destOrd="0" parTransId="{58E66185-3CD9-4277-80B7-155740F3EFC2}" sibTransId="{F6039065-D93E-434C-985A-5CD98AAD3726}"/>
     <dgm:cxn modelId="{219A02A3-D159-4FA3-9E5B-25D2E0AB589B}" type="presOf" srcId="{2F56FFF0-A4D8-45FC-8E71-0CC8BFEDE6EB}" destId="{DC96E66E-A9AA-4A00-9B82-F6179494D1CA}" srcOrd="0" destOrd="0" presId="urn:microsoft.com/office/officeart/2008/layout/VerticalCurvedList"/>
     <dgm:cxn modelId="{6A670CAD-44A9-4AF6-8157-53A3664E6BB8}" type="presOf" srcId="{CB6D4F24-64C6-426E-A79F-89BFDA67F6E5}" destId="{D18C217D-9BB2-449D-B7ED-133D8452EB48}" srcOrd="0" destOrd="0" presId="urn:microsoft.com/office/officeart/2008/layout/VerticalCurvedList"/>
-    <dgm:cxn modelId="{F9917AFC-77A8-4DDC-9D77-CCD7ABF2E829}" srcId="{2F56FFF0-A4D8-45FC-8E71-0CC8BFEDE6EB}" destId="{EB06B09B-B877-41FD-A8AD-57730AE125A9}" srcOrd="2" destOrd="0" parTransId="{684A0CD6-96A1-4310-8E0B-32BEA6046C75}" sibTransId="{C4525701-5862-4AEA-AB73-0AF90D0C261C}"/>
     <dgm:cxn modelId="{3AB405B1-CF02-43CC-A687-D3C2C532B209}" srcId="{2F56FFF0-A4D8-45FC-8E71-0CC8BFEDE6EB}" destId="{7885685C-C118-42C1-80BE-FFE2FFDFB97B}" srcOrd="0" destOrd="0" parTransId="{1BD91F7E-EF65-4468-B3D8-A085BFA995E8}" sibTransId="{CB6D4F24-64C6-426E-A79F-89BFDA67F6E5}"/>
     <dgm:cxn modelId="{E0B4D3F8-044A-464E-96FB-C21564B94457}" type="presOf" srcId="{7885685C-C118-42C1-80BE-FFE2FFDFB97B}" destId="{4AF54DBC-F6A1-4FC9-B0B6-F02046368EC4}" srcOrd="0" destOrd="0" presId="urn:microsoft.com/office/officeart/2008/layout/VerticalCurvedList"/>
-    <dgm:cxn modelId="{0B574144-2433-425C-8A92-BB9085A450DF}" type="presOf" srcId="{EB06B09B-B877-41FD-A8AD-57730AE125A9}" destId="{4CE50413-8B20-491D-9CE4-6C5864B550B5}" srcOrd="0" destOrd="0" presId="urn:microsoft.com/office/officeart/2008/layout/VerticalCurvedList"/>
+    <dgm:cxn modelId="{F9917AFC-77A8-4DDC-9D77-CCD7ABF2E829}" srcId="{2F56FFF0-A4D8-45FC-8E71-0CC8BFEDE6EB}" destId="{EB06B09B-B877-41FD-A8AD-57730AE125A9}" srcOrd="2" destOrd="0" parTransId="{684A0CD6-96A1-4310-8E0B-32BEA6046C75}" sibTransId="{C4525701-5862-4AEA-AB73-0AF90D0C261C}"/>
     <dgm:cxn modelId="{D91B4948-FCD2-45F8-BEAA-AC18E9CE0025}" type="presParOf" srcId="{DC96E66E-A9AA-4A00-9B82-F6179494D1CA}" destId="{A1FF76E5-2804-4424-B502-6054D2E34481}" srcOrd="0" destOrd="0" presId="urn:microsoft.com/office/officeart/2008/layout/VerticalCurvedList"/>
     <dgm:cxn modelId="{1EE5FA58-525B-47B1-B45A-0C35405CF98A}" type="presParOf" srcId="{A1FF76E5-2804-4424-B502-6054D2E34481}" destId="{9F83D77B-7ED0-4E84-9145-04B6D5E0B56B}" srcOrd="0" destOrd="0" presId="urn:microsoft.com/office/officeart/2008/layout/VerticalCurvedList"/>
     <dgm:cxn modelId="{D7E474B1-5BA3-4C9F-8CC6-EDDF96A58022}" type="presParOf" srcId="{9F83D77B-7ED0-4E84-9145-04B6D5E0B56B}" destId="{AC2B9594-54B8-4DF1-BC18-D03107F454EF}" srcOrd="0" destOrd="0" presId="urn:microsoft.com/office/officeart/2008/layout/VerticalCurvedList"/>
@@ -5751,10 +5374,9 @@
         <a:lstStyle/>
         <a:p>
           <a:r>
-            <a:rPr lang="es-ES" sz="2400" b="1" dirty="0" smtClean="0"/>
+            <a:rPr lang="es-ES" sz="2400" b="1" dirty="0"/>
             <a:t>Datos</a:t>
           </a:r>
-          <a:endParaRPr lang="es-ES" sz="2400" b="1" dirty="0"/>
         </a:p>
       </dgm:t>
     </dgm:pt>
@@ -5788,7 +5410,7 @@
         <a:lstStyle/>
         <a:p>
           <a:r>
-            <a:rPr lang="es-MX" sz="2400" dirty="0" smtClean="0"/>
+            <a:rPr lang="es-MX" sz="2400" dirty="0"/>
             <a:t>-Rendimientos netos impuestos(colones)</a:t>
           </a:r>
           <a:endParaRPr lang="es-ES" sz="2400" dirty="0"/>
@@ -5825,10 +5447,9 @@
         <a:lstStyle/>
         <a:p>
           <a:r>
-            <a:rPr lang="es-ES" sz="2400" b="1" dirty="0" smtClean="0"/>
+            <a:rPr lang="es-ES" sz="2400" b="1" dirty="0"/>
             <a:t>Variables</a:t>
           </a:r>
-          <a:endParaRPr lang="es-ES" sz="2400" b="1" dirty="0"/>
         </a:p>
       </dgm:t>
     </dgm:pt>
@@ -5862,7 +5483,7 @@
         <a:lstStyle/>
         <a:p>
           <a:r>
-            <a:rPr lang="es-MX" sz="2400" dirty="0" smtClean="0"/>
+            <a:rPr lang="es-MX" sz="2400" dirty="0"/>
             <a:t>-Para cada semana se tomaron 3600 rendimientos</a:t>
           </a:r>
         </a:p>
@@ -5898,10 +5519,9 @@
         <a:lstStyle/>
         <a:p>
           <a:r>
-            <a:rPr lang="es-ES" sz="2400" b="1" dirty="0" smtClean="0"/>
+            <a:rPr lang="es-ES" sz="2400" b="1" dirty="0"/>
             <a:t>Indicador</a:t>
           </a:r>
-          <a:endParaRPr lang="es-ES" sz="2400" b="1" dirty="0"/>
         </a:p>
       </dgm:t>
     </dgm:pt>
@@ -5935,7 +5555,7 @@
         <a:lstStyle/>
         <a:p>
           <a:r>
-            <a:rPr lang="es-MX" sz="2400" dirty="0" smtClean="0"/>
+            <a:rPr lang="es-MX" sz="2400" dirty="0"/>
             <a:t>-Tres primeros componentes principales</a:t>
           </a:r>
           <a:endParaRPr lang="es-ES" sz="2400" i="0" dirty="0"/>
@@ -5972,7 +5592,7 @@
         <a:lstStyle/>
         <a:p>
           <a:r>
-            <a:rPr lang="es-MX" sz="2400" dirty="0" smtClean="0"/>
+            <a:rPr lang="es-MX" sz="2400" dirty="0"/>
             <a:t>-Curva de rendimiento soberana doméstica por el BCCR</a:t>
           </a:r>
           <a:endParaRPr lang="es-ES" sz="2400" dirty="0"/>
@@ -6009,21 +5629,21 @@
         <a:lstStyle/>
         <a:p>
           <a:r>
-            <a:rPr lang="es-MX" sz="2400" dirty="0" smtClean="0"/>
+            <a:rPr lang="es-MX" sz="2400" dirty="0"/>
             <a:t>-Observaciones </a:t>
           </a:r>
           <a:r>
-            <a:rPr lang="es-MX" sz="2400" dirty="0" err="1" smtClean="0"/>
+            <a:rPr lang="es-MX" sz="2400" dirty="0" err="1"/>
             <a:t>semanales:miércoles</a:t>
           </a:r>
           <a:r>
-            <a:rPr lang="es-MX" sz="2400" dirty="0" smtClean="0"/>
+            <a:rPr lang="es-MX" sz="2400" dirty="0"/>
             <a:t> a martes (257) </a:t>
           </a:r>
         </a:p>
         <a:p>
           <a:r>
-            <a:rPr lang="es-MX" sz="2400" dirty="0" smtClean="0"/>
+            <a:rPr lang="es-MX" sz="2400" dirty="0"/>
             <a:t>07/10/2015 al 03/11/2020</a:t>
           </a:r>
         </a:p>
@@ -6062,7 +5682,7 @@
         <a:lstStyle/>
         <a:p>
           <a:r>
-            <a:rPr lang="es-MX" sz="2400" dirty="0" smtClean="0"/>
+            <a:rPr lang="es-MX" sz="2400" dirty="0"/>
             <a:t>-Técnica de componentes principales (ACP) </a:t>
           </a:r>
         </a:p>
@@ -6098,7 +5718,7 @@
         <a:lstStyle/>
         <a:p>
           <a:r>
-            <a:rPr lang="es-MX" sz="2400" dirty="0" smtClean="0"/>
+            <a:rPr lang="es-MX" sz="2400" dirty="0"/>
             <a:t>-Suma ponderada de los 3 primeros componentes, ponderadores: proporción de variancia explicada en cada componente.</a:t>
           </a:r>
           <a:endParaRPr lang="es-ES" sz="2400" i="0" dirty="0"/>
@@ -6136,13 +5756,6 @@
         </dgm:presLayoutVars>
       </dgm:prSet>
       <dgm:spPr/>
-      <dgm:t>
-        <a:bodyPr/>
-        <a:lstStyle/>
-        <a:p>
-          <a:endParaRPr lang="es-ES"/>
-        </a:p>
-      </dgm:t>
     </dgm:pt>
     <dgm:pt modelId="{C0E04AFB-1038-48C3-B28C-17E66EF3FBE4}" type="pres">
       <dgm:prSet presAssocID="{E308504E-19CB-4CEE-BB56-BE6CCD8150CA}" presName="compositeNode" presStyleCnt="0">
@@ -6151,24 +5764,10 @@
         </dgm:presLayoutVars>
       </dgm:prSet>
       <dgm:spPr/>
-      <dgm:t>
-        <a:bodyPr/>
-        <a:lstStyle/>
-        <a:p>
-          <a:endParaRPr lang="es-ES"/>
-        </a:p>
-      </dgm:t>
     </dgm:pt>
     <dgm:pt modelId="{C350A2AF-4922-469C-A47D-C8C9C94EB2CE}" type="pres">
       <dgm:prSet presAssocID="{E308504E-19CB-4CEE-BB56-BE6CCD8150CA}" presName="bgRect" presStyleLbl="node1" presStyleIdx="0" presStyleCnt="3"/>
       <dgm:spPr/>
-      <dgm:t>
-        <a:bodyPr/>
-        <a:lstStyle/>
-        <a:p>
-          <a:endParaRPr lang="es-ES"/>
-        </a:p>
-      </dgm:t>
     </dgm:pt>
     <dgm:pt modelId="{CC426901-7958-4865-AFC6-9936F88B3CF5}" type="pres">
       <dgm:prSet presAssocID="{E308504E-19CB-4CEE-BB56-BE6CCD8150CA}" presName="parentNode" presStyleLbl="node1" presStyleIdx="0" presStyleCnt="3">
@@ -6178,13 +5777,6 @@
         </dgm:presLayoutVars>
       </dgm:prSet>
       <dgm:spPr/>
-      <dgm:t>
-        <a:bodyPr/>
-        <a:lstStyle/>
-        <a:p>
-          <a:endParaRPr lang="es-ES"/>
-        </a:p>
-      </dgm:t>
     </dgm:pt>
     <dgm:pt modelId="{F57564DC-E268-4A9B-A13B-38F83F798639}" type="pres">
       <dgm:prSet presAssocID="{E308504E-19CB-4CEE-BB56-BE6CCD8150CA}" presName="childNode" presStyleLbl="node1" presStyleIdx="0" presStyleCnt="3">
@@ -6193,79 +5785,30 @@
         </dgm:presLayoutVars>
       </dgm:prSet>
       <dgm:spPr/>
-      <dgm:t>
-        <a:bodyPr/>
-        <a:lstStyle/>
-        <a:p>
-          <a:endParaRPr lang="es-ES"/>
-        </a:p>
-      </dgm:t>
     </dgm:pt>
     <dgm:pt modelId="{87B96C6F-E101-4B05-A693-C8EEDD6E65A2}" type="pres">
       <dgm:prSet presAssocID="{8642A6AE-1B91-4AF7-91E0-C458D12D0B27}" presName="hSp" presStyleCnt="0"/>
       <dgm:spPr/>
-      <dgm:t>
-        <a:bodyPr/>
-        <a:lstStyle/>
-        <a:p>
-          <a:endParaRPr lang="es-ES"/>
-        </a:p>
-      </dgm:t>
     </dgm:pt>
     <dgm:pt modelId="{5974A4FF-150D-4DF2-94D7-9AAE11BC0728}" type="pres">
       <dgm:prSet presAssocID="{8642A6AE-1B91-4AF7-91E0-C458D12D0B27}" presName="vProcSp" presStyleCnt="0"/>
       <dgm:spPr/>
-      <dgm:t>
-        <a:bodyPr/>
-        <a:lstStyle/>
-        <a:p>
-          <a:endParaRPr lang="es-ES"/>
-        </a:p>
-      </dgm:t>
     </dgm:pt>
     <dgm:pt modelId="{C5223313-112B-465E-A5CA-7088436A3C30}" type="pres">
       <dgm:prSet presAssocID="{8642A6AE-1B91-4AF7-91E0-C458D12D0B27}" presName="vSp1" presStyleCnt="0"/>
       <dgm:spPr/>
-      <dgm:t>
-        <a:bodyPr/>
-        <a:lstStyle/>
-        <a:p>
-          <a:endParaRPr lang="es-ES"/>
-        </a:p>
-      </dgm:t>
     </dgm:pt>
     <dgm:pt modelId="{AC326F64-4443-4D00-AF2C-7A294D8B3789}" type="pres">
       <dgm:prSet presAssocID="{8642A6AE-1B91-4AF7-91E0-C458D12D0B27}" presName="simulatedConn" presStyleLbl="solidFgAcc1" presStyleIdx="0" presStyleCnt="2"/>
       <dgm:spPr/>
-      <dgm:t>
-        <a:bodyPr/>
-        <a:lstStyle/>
-        <a:p>
-          <a:endParaRPr lang="es-ES"/>
-        </a:p>
-      </dgm:t>
     </dgm:pt>
     <dgm:pt modelId="{6FBBE328-7181-4322-B7C2-9F18A48BD149}" type="pres">
       <dgm:prSet presAssocID="{8642A6AE-1B91-4AF7-91E0-C458D12D0B27}" presName="vSp2" presStyleCnt="0"/>
       <dgm:spPr/>
-      <dgm:t>
-        <a:bodyPr/>
-        <a:lstStyle/>
-        <a:p>
-          <a:endParaRPr lang="es-ES"/>
-        </a:p>
-      </dgm:t>
     </dgm:pt>
     <dgm:pt modelId="{3D8A29F3-1530-45F9-8DE1-66961D813CD2}" type="pres">
       <dgm:prSet presAssocID="{8642A6AE-1B91-4AF7-91E0-C458D12D0B27}" presName="sibTrans" presStyleCnt="0"/>
       <dgm:spPr/>
-      <dgm:t>
-        <a:bodyPr/>
-        <a:lstStyle/>
-        <a:p>
-          <a:endParaRPr lang="es-ES"/>
-        </a:p>
-      </dgm:t>
     </dgm:pt>
     <dgm:pt modelId="{DC7DD9BE-3A9D-4B23-A864-31C0E015B9FE}" type="pres">
       <dgm:prSet presAssocID="{F2026303-3E1D-4254-80BC-9BED97811853}" presName="compositeNode" presStyleCnt="0">
@@ -6274,24 +5817,10 @@
         </dgm:presLayoutVars>
       </dgm:prSet>
       <dgm:spPr/>
-      <dgm:t>
-        <a:bodyPr/>
-        <a:lstStyle/>
-        <a:p>
-          <a:endParaRPr lang="es-ES"/>
-        </a:p>
-      </dgm:t>
     </dgm:pt>
     <dgm:pt modelId="{B97892DD-94CB-403C-A132-3C6632891202}" type="pres">
       <dgm:prSet presAssocID="{F2026303-3E1D-4254-80BC-9BED97811853}" presName="bgRect" presStyleLbl="node1" presStyleIdx="1" presStyleCnt="3"/>
       <dgm:spPr/>
-      <dgm:t>
-        <a:bodyPr/>
-        <a:lstStyle/>
-        <a:p>
-          <a:endParaRPr lang="es-ES"/>
-        </a:p>
-      </dgm:t>
     </dgm:pt>
     <dgm:pt modelId="{00F4E03B-A68D-4C12-BCA3-2205F708F865}" type="pres">
       <dgm:prSet presAssocID="{F2026303-3E1D-4254-80BC-9BED97811853}" presName="parentNode" presStyleLbl="node1" presStyleIdx="1" presStyleCnt="3">
@@ -6301,13 +5830,6 @@
         </dgm:presLayoutVars>
       </dgm:prSet>
       <dgm:spPr/>
-      <dgm:t>
-        <a:bodyPr/>
-        <a:lstStyle/>
-        <a:p>
-          <a:endParaRPr lang="es-ES"/>
-        </a:p>
-      </dgm:t>
     </dgm:pt>
     <dgm:pt modelId="{5FE58591-D094-4F89-8A3F-F4E5066CF76B}" type="pres">
       <dgm:prSet presAssocID="{F2026303-3E1D-4254-80BC-9BED97811853}" presName="childNode" presStyleLbl="node1" presStyleIdx="1" presStyleCnt="3">
@@ -6316,79 +5838,30 @@
         </dgm:presLayoutVars>
       </dgm:prSet>
       <dgm:spPr/>
-      <dgm:t>
-        <a:bodyPr/>
-        <a:lstStyle/>
-        <a:p>
-          <a:endParaRPr lang="es-ES"/>
-        </a:p>
-      </dgm:t>
     </dgm:pt>
     <dgm:pt modelId="{1A9ABF4A-D5D2-497D-981F-EFBBBCFA22A5}" type="pres">
       <dgm:prSet presAssocID="{DE947A7C-4867-4D70-8317-BA3446328C7C}" presName="hSp" presStyleCnt="0"/>
       <dgm:spPr/>
-      <dgm:t>
-        <a:bodyPr/>
-        <a:lstStyle/>
-        <a:p>
-          <a:endParaRPr lang="es-ES"/>
-        </a:p>
-      </dgm:t>
     </dgm:pt>
     <dgm:pt modelId="{1A4EABF9-9865-4583-97CF-D1829F60F47C}" type="pres">
       <dgm:prSet presAssocID="{DE947A7C-4867-4D70-8317-BA3446328C7C}" presName="vProcSp" presStyleCnt="0"/>
       <dgm:spPr/>
-      <dgm:t>
-        <a:bodyPr/>
-        <a:lstStyle/>
-        <a:p>
-          <a:endParaRPr lang="es-ES"/>
-        </a:p>
-      </dgm:t>
     </dgm:pt>
     <dgm:pt modelId="{4E488228-868E-4A45-9595-F9493004C3A5}" type="pres">
       <dgm:prSet presAssocID="{DE947A7C-4867-4D70-8317-BA3446328C7C}" presName="vSp1" presStyleCnt="0"/>
       <dgm:spPr/>
-      <dgm:t>
-        <a:bodyPr/>
-        <a:lstStyle/>
-        <a:p>
-          <a:endParaRPr lang="es-ES"/>
-        </a:p>
-      </dgm:t>
     </dgm:pt>
     <dgm:pt modelId="{B11B2A45-92CA-4C96-AA4E-8C4F93FC2C4B}" type="pres">
       <dgm:prSet presAssocID="{DE947A7C-4867-4D70-8317-BA3446328C7C}" presName="simulatedConn" presStyleLbl="solidFgAcc1" presStyleIdx="1" presStyleCnt="2"/>
       <dgm:spPr/>
-      <dgm:t>
-        <a:bodyPr/>
-        <a:lstStyle/>
-        <a:p>
-          <a:endParaRPr lang="es-ES"/>
-        </a:p>
-      </dgm:t>
     </dgm:pt>
     <dgm:pt modelId="{1D192A39-BFCF-43E1-95BA-E8311043752A}" type="pres">
       <dgm:prSet presAssocID="{DE947A7C-4867-4D70-8317-BA3446328C7C}" presName="vSp2" presStyleCnt="0"/>
       <dgm:spPr/>
-      <dgm:t>
-        <a:bodyPr/>
-        <a:lstStyle/>
-        <a:p>
-          <a:endParaRPr lang="es-ES"/>
-        </a:p>
-      </dgm:t>
     </dgm:pt>
     <dgm:pt modelId="{5D590DC3-AA1F-4153-A5B3-46D358F279A8}" type="pres">
       <dgm:prSet presAssocID="{DE947A7C-4867-4D70-8317-BA3446328C7C}" presName="sibTrans" presStyleCnt="0"/>
       <dgm:spPr/>
-      <dgm:t>
-        <a:bodyPr/>
-        <a:lstStyle/>
-        <a:p>
-          <a:endParaRPr lang="es-ES"/>
-        </a:p>
-      </dgm:t>
     </dgm:pt>
     <dgm:pt modelId="{ABB61F43-A5A2-41A0-9DD0-1BD569B46489}" type="pres">
       <dgm:prSet presAssocID="{2B8E115A-C24A-4E37-8D33-629E3A9245BF}" presName="compositeNode" presStyleCnt="0">
@@ -6397,24 +5870,10 @@
         </dgm:presLayoutVars>
       </dgm:prSet>
       <dgm:spPr/>
-      <dgm:t>
-        <a:bodyPr/>
-        <a:lstStyle/>
-        <a:p>
-          <a:endParaRPr lang="es-ES"/>
-        </a:p>
-      </dgm:t>
     </dgm:pt>
     <dgm:pt modelId="{8765642B-B5E2-4346-AAE7-E359BABCBBE4}" type="pres">
       <dgm:prSet presAssocID="{2B8E115A-C24A-4E37-8D33-629E3A9245BF}" presName="bgRect" presStyleLbl="node1" presStyleIdx="2" presStyleCnt="3" custLinFactNeighborX="-239"/>
       <dgm:spPr/>
-      <dgm:t>
-        <a:bodyPr/>
-        <a:lstStyle/>
-        <a:p>
-          <a:endParaRPr lang="es-ES"/>
-        </a:p>
-      </dgm:t>
     </dgm:pt>
     <dgm:pt modelId="{9E6B98B0-B56A-4EC9-9AAE-50E3043974D9}" type="pres">
       <dgm:prSet presAssocID="{2B8E115A-C24A-4E37-8D33-629E3A9245BF}" presName="parentNode" presStyleLbl="node1" presStyleIdx="2" presStyleCnt="3">
@@ -6424,13 +5883,6 @@
         </dgm:presLayoutVars>
       </dgm:prSet>
       <dgm:spPr/>
-      <dgm:t>
-        <a:bodyPr/>
-        <a:lstStyle/>
-        <a:p>
-          <a:endParaRPr lang="es-ES"/>
-        </a:p>
-      </dgm:t>
     </dgm:pt>
     <dgm:pt modelId="{9481C18C-CBFB-4B52-9CDB-553FEEAAB73A}" type="pres">
       <dgm:prSet presAssocID="{2B8E115A-C24A-4E37-8D33-629E3A9245BF}" presName="childNode" presStyleLbl="node1" presStyleIdx="2" presStyleCnt="3">
@@ -6439,40 +5891,33 @@
         </dgm:presLayoutVars>
       </dgm:prSet>
       <dgm:spPr/>
-      <dgm:t>
-        <a:bodyPr/>
-        <a:lstStyle/>
-        <a:p>
-          <a:endParaRPr lang="es-ES"/>
-        </a:p>
-      </dgm:t>
     </dgm:pt>
   </dgm:ptLst>
   <dgm:cxnLst>
+    <dgm:cxn modelId="{214AB801-945A-4F20-9889-5591AF8C7D11}" srcId="{2B8E115A-C24A-4E37-8D33-629E3A9245BF}" destId="{2505AF7B-3359-4D78-AEC1-AF193B4F971B}" srcOrd="0" destOrd="0" parTransId="{887C8278-DA1C-4BF4-A807-057BE054D375}" sibTransId="{4D5FFFC0-F4C2-4951-845B-9CBC8C5C7E37}"/>
+    <dgm:cxn modelId="{35B04B18-016A-4BA7-B50D-1FCCA2F53355}" type="presOf" srcId="{E308504E-19CB-4CEE-BB56-BE6CCD8150CA}" destId="{CC426901-7958-4865-AFC6-9936F88B3CF5}" srcOrd="1" destOrd="0" presId="urn:microsoft.com/office/officeart/2005/8/layout/hProcess7"/>
+    <dgm:cxn modelId="{B6D8CB28-2052-4446-B672-7CAD7BBF5420}" type="presOf" srcId="{29F8BB14-7B42-4DDD-AE41-7CFAB66B1B83}" destId="{F57564DC-E268-4A9B-A13B-38F83F798639}" srcOrd="0" destOrd="1" presId="urn:microsoft.com/office/officeart/2005/8/layout/hProcess7"/>
+    <dgm:cxn modelId="{086BE62A-493C-4435-ACBE-FE545FAFDEAF}" type="presOf" srcId="{CD35596E-2D34-45CE-BBD0-3C9ECFAE6A33}" destId="{9481C18C-CBFB-4B52-9CDB-553FEEAAB73A}" srcOrd="0" destOrd="1" presId="urn:microsoft.com/office/officeart/2005/8/layout/hProcess7"/>
+    <dgm:cxn modelId="{D43DE935-D2C7-4444-9EEE-A76BE4C2DA0D}" type="presOf" srcId="{2505AF7B-3359-4D78-AEC1-AF193B4F971B}" destId="{9481C18C-CBFB-4B52-9CDB-553FEEAAB73A}" srcOrd="0" destOrd="0" presId="urn:microsoft.com/office/officeart/2005/8/layout/hProcess7"/>
+    <dgm:cxn modelId="{1C62CA38-5244-4681-8934-A99C0563CF53}" type="presOf" srcId="{F2026303-3E1D-4254-80BC-9BED97811853}" destId="{B97892DD-94CB-403C-A132-3C6632891202}" srcOrd="0" destOrd="0" presId="urn:microsoft.com/office/officeart/2005/8/layout/hProcess7"/>
+    <dgm:cxn modelId="{35C4314F-A1C0-4A17-A050-8CD14427CBBB}" srcId="{14583E37-9F15-4CF7-A64F-8DA655BECA10}" destId="{E308504E-19CB-4CEE-BB56-BE6CCD8150CA}" srcOrd="0" destOrd="0" parTransId="{57D6931C-243A-4684-8F89-643BF86EF72B}" sibTransId="{8642A6AE-1B91-4AF7-91E0-C458D12D0B27}"/>
+    <dgm:cxn modelId="{765FFC51-6437-4DDA-84BE-3FD1DC9EBAEC}" type="presOf" srcId="{9744E615-39D6-4104-B4B5-54CC21238145}" destId="{F57564DC-E268-4A9B-A13B-38F83F798639}" srcOrd="0" destOrd="2" presId="urn:microsoft.com/office/officeart/2005/8/layout/hProcess7"/>
+    <dgm:cxn modelId="{23B28F70-3512-4909-94AC-F84A269A4E57}" srcId="{F2026303-3E1D-4254-80BC-9BED97811853}" destId="{E5E5A57A-4FA7-42EC-B200-EF105C3A9CBD}" srcOrd="1" destOrd="0" parTransId="{E130FD22-9883-471A-AB35-8A4D61691B90}" sibTransId="{B442B079-E2E4-4886-AD68-002AE4CC5F7E}"/>
+    <dgm:cxn modelId="{12919775-3D85-4466-BC66-792E42781795}" srcId="{14583E37-9F15-4CF7-A64F-8DA655BECA10}" destId="{2B8E115A-C24A-4E37-8D33-629E3A9245BF}" srcOrd="2" destOrd="0" parTransId="{17314103-1149-462C-93B5-09D68A3CB6DC}" sibTransId="{1CB53659-BEEF-474E-A390-45797BDE4AA2}"/>
+    <dgm:cxn modelId="{25E1D475-703C-49EE-83FA-CD8863C018CC}" srcId="{2B8E115A-C24A-4E37-8D33-629E3A9245BF}" destId="{CD35596E-2D34-45CE-BBD0-3C9ECFAE6A33}" srcOrd="1" destOrd="0" parTransId="{8D7CD2E9-9E6A-4F5A-AE29-E6B530270B77}" sibTransId="{A7AA2C08-919C-43F8-A723-189C876C720B}"/>
+    <dgm:cxn modelId="{C25BAA87-E31B-40AE-ADC3-EE1AFAC754C3}" type="presOf" srcId="{E308504E-19CB-4CEE-BB56-BE6CCD8150CA}" destId="{C350A2AF-4922-469C-A47D-C8C9C94EB2CE}" srcOrd="0" destOrd="0" presId="urn:microsoft.com/office/officeart/2005/8/layout/hProcess7"/>
+    <dgm:cxn modelId="{B7BC31AB-DF98-463E-807B-31577747A748}" srcId="{E308504E-19CB-4CEE-BB56-BE6CCD8150CA}" destId="{9744E615-39D6-4104-B4B5-54CC21238145}" srcOrd="2" destOrd="0" parTransId="{FDFD5162-501E-4A31-8684-C73D4F9A5377}" sibTransId="{93C9B93E-630D-46E7-96C7-E332A32561DF}"/>
+    <dgm:cxn modelId="{50292EB2-F4F8-4989-9DE5-B965813C3A81}" type="presOf" srcId="{14583E37-9F15-4CF7-A64F-8DA655BECA10}" destId="{E637C6B2-D4C6-4560-928F-1412A83AE315}" srcOrd="0" destOrd="0" presId="urn:microsoft.com/office/officeart/2005/8/layout/hProcess7"/>
+    <dgm:cxn modelId="{A419EBB5-B0C2-4CBF-ADAD-F0D17EF86D7B}" srcId="{F2026303-3E1D-4254-80BC-9BED97811853}" destId="{7A3BDF43-0F6F-40A1-ACAF-545C282B9E51}" srcOrd="0" destOrd="0" parTransId="{825256BE-0723-43C9-BCE1-C964863F1742}" sibTransId="{84596E99-165E-4655-8355-0B910D3BA702}"/>
+    <dgm:cxn modelId="{2E6F3DBF-9396-40D4-AA43-AEF8AD0F1C13}" type="presOf" srcId="{FC32BF83-872E-4237-AA81-DCD2A086A7B1}" destId="{F57564DC-E268-4A9B-A13B-38F83F798639}" srcOrd="0" destOrd="0" presId="urn:microsoft.com/office/officeart/2005/8/layout/hProcess7"/>
+    <dgm:cxn modelId="{720FE0C1-B73F-4DE7-88E7-8D96EF217DDE}" srcId="{E308504E-19CB-4CEE-BB56-BE6CCD8150CA}" destId="{FC32BF83-872E-4237-AA81-DCD2A086A7B1}" srcOrd="0" destOrd="0" parTransId="{AAA6C964-E8F6-455E-9183-771816248954}" sibTransId="{2EB0532A-9A44-4F84-8291-0F94A4B4727A}"/>
+    <dgm:cxn modelId="{5D0E92C2-E443-4C17-A458-F82A8D29B1C5}" type="presOf" srcId="{F2026303-3E1D-4254-80BC-9BED97811853}" destId="{00F4E03B-A68D-4C12-BCA3-2205F708F865}" srcOrd="1" destOrd="0" presId="urn:microsoft.com/office/officeart/2005/8/layout/hProcess7"/>
+    <dgm:cxn modelId="{8A046FD0-0939-4A70-8EA2-70031398DA46}" type="presOf" srcId="{2B8E115A-C24A-4E37-8D33-629E3A9245BF}" destId="{8765642B-B5E2-4346-AAE7-E359BABCBBE4}" srcOrd="0" destOrd="0" presId="urn:microsoft.com/office/officeart/2005/8/layout/hProcess7"/>
+    <dgm:cxn modelId="{011271D5-7777-47B2-BB47-F635954811A3}" srcId="{14583E37-9F15-4CF7-A64F-8DA655BECA10}" destId="{F2026303-3E1D-4254-80BC-9BED97811853}" srcOrd="1" destOrd="0" parTransId="{AFDC0E9B-5B51-4919-8A0A-F6AC561D95A6}" sibTransId="{DE947A7C-4867-4D70-8317-BA3446328C7C}"/>
+    <dgm:cxn modelId="{BBBA25DF-2DD5-4ACA-AACB-294FBEA1E357}" type="presOf" srcId="{2B8E115A-C24A-4E37-8D33-629E3A9245BF}" destId="{9E6B98B0-B56A-4EC9-9AAE-50E3043974D9}" srcOrd="1" destOrd="0" presId="urn:microsoft.com/office/officeart/2005/8/layout/hProcess7"/>
+    <dgm:cxn modelId="{9E62B8E9-7472-47DF-B324-BC1C33A12859}" type="presOf" srcId="{7A3BDF43-0F6F-40A1-ACAF-545C282B9E51}" destId="{5FE58591-D094-4F89-8A3F-F4E5066CF76B}" srcOrd="0" destOrd="0" presId="urn:microsoft.com/office/officeart/2005/8/layout/hProcess7"/>
+    <dgm:cxn modelId="{3FA9F2EF-1F1C-4418-9CF4-B5953B29BEB9}" type="presOf" srcId="{E5E5A57A-4FA7-42EC-B200-EF105C3A9CBD}" destId="{5FE58591-D094-4F89-8A3F-F4E5066CF76B}" srcOrd="0" destOrd="1" presId="urn:microsoft.com/office/officeart/2005/8/layout/hProcess7"/>
     <dgm:cxn modelId="{4182E1F4-6F9F-4286-8A9F-90B1F44A77BB}" srcId="{E308504E-19CB-4CEE-BB56-BE6CCD8150CA}" destId="{29F8BB14-7B42-4DDD-AE41-7CFAB66B1B83}" srcOrd="1" destOrd="0" parTransId="{CEEFFED8-F95D-4C4A-ACCA-7FFB2A880B03}" sibTransId="{9E27E7FF-7DE6-442A-9B76-214838F46FCF}"/>
-    <dgm:cxn modelId="{8A046FD0-0939-4A70-8EA2-70031398DA46}" type="presOf" srcId="{2B8E115A-C24A-4E37-8D33-629E3A9245BF}" destId="{8765642B-B5E2-4346-AAE7-E359BABCBBE4}" srcOrd="0" destOrd="0" presId="urn:microsoft.com/office/officeart/2005/8/layout/hProcess7"/>
-    <dgm:cxn modelId="{B6D8CB28-2052-4446-B672-7CAD7BBF5420}" type="presOf" srcId="{29F8BB14-7B42-4DDD-AE41-7CFAB66B1B83}" destId="{F57564DC-E268-4A9B-A13B-38F83F798639}" srcOrd="0" destOrd="1" presId="urn:microsoft.com/office/officeart/2005/8/layout/hProcess7"/>
-    <dgm:cxn modelId="{BBBA25DF-2DD5-4ACA-AACB-294FBEA1E357}" type="presOf" srcId="{2B8E115A-C24A-4E37-8D33-629E3A9245BF}" destId="{9E6B98B0-B56A-4EC9-9AAE-50E3043974D9}" srcOrd="1" destOrd="0" presId="urn:microsoft.com/office/officeart/2005/8/layout/hProcess7"/>
-    <dgm:cxn modelId="{5D0E92C2-E443-4C17-A458-F82A8D29B1C5}" type="presOf" srcId="{F2026303-3E1D-4254-80BC-9BED97811853}" destId="{00F4E03B-A68D-4C12-BCA3-2205F708F865}" srcOrd="1" destOrd="0" presId="urn:microsoft.com/office/officeart/2005/8/layout/hProcess7"/>
-    <dgm:cxn modelId="{B7BC31AB-DF98-463E-807B-31577747A748}" srcId="{E308504E-19CB-4CEE-BB56-BE6CCD8150CA}" destId="{9744E615-39D6-4104-B4B5-54CC21238145}" srcOrd="2" destOrd="0" parTransId="{FDFD5162-501E-4A31-8684-C73D4F9A5377}" sibTransId="{93C9B93E-630D-46E7-96C7-E332A32561DF}"/>
-    <dgm:cxn modelId="{25E1D475-703C-49EE-83FA-CD8863C018CC}" srcId="{2B8E115A-C24A-4E37-8D33-629E3A9245BF}" destId="{CD35596E-2D34-45CE-BBD0-3C9ECFAE6A33}" srcOrd="1" destOrd="0" parTransId="{8D7CD2E9-9E6A-4F5A-AE29-E6B530270B77}" sibTransId="{A7AA2C08-919C-43F8-A723-189C876C720B}"/>
-    <dgm:cxn modelId="{3FA9F2EF-1F1C-4418-9CF4-B5953B29BEB9}" type="presOf" srcId="{E5E5A57A-4FA7-42EC-B200-EF105C3A9CBD}" destId="{5FE58591-D094-4F89-8A3F-F4E5066CF76B}" srcOrd="0" destOrd="1" presId="urn:microsoft.com/office/officeart/2005/8/layout/hProcess7"/>
-    <dgm:cxn modelId="{2E6F3DBF-9396-40D4-AA43-AEF8AD0F1C13}" type="presOf" srcId="{FC32BF83-872E-4237-AA81-DCD2A086A7B1}" destId="{F57564DC-E268-4A9B-A13B-38F83F798639}" srcOrd="0" destOrd="0" presId="urn:microsoft.com/office/officeart/2005/8/layout/hProcess7"/>
-    <dgm:cxn modelId="{086BE62A-493C-4435-ACBE-FE545FAFDEAF}" type="presOf" srcId="{CD35596E-2D34-45CE-BBD0-3C9ECFAE6A33}" destId="{9481C18C-CBFB-4B52-9CDB-553FEEAAB73A}" srcOrd="0" destOrd="1" presId="urn:microsoft.com/office/officeart/2005/8/layout/hProcess7"/>
-    <dgm:cxn modelId="{C25BAA87-E31B-40AE-ADC3-EE1AFAC754C3}" type="presOf" srcId="{E308504E-19CB-4CEE-BB56-BE6CCD8150CA}" destId="{C350A2AF-4922-469C-A47D-C8C9C94EB2CE}" srcOrd="0" destOrd="0" presId="urn:microsoft.com/office/officeart/2005/8/layout/hProcess7"/>
-    <dgm:cxn modelId="{1C62CA38-5244-4681-8934-A99C0563CF53}" type="presOf" srcId="{F2026303-3E1D-4254-80BC-9BED97811853}" destId="{B97892DD-94CB-403C-A132-3C6632891202}" srcOrd="0" destOrd="0" presId="urn:microsoft.com/office/officeart/2005/8/layout/hProcess7"/>
-    <dgm:cxn modelId="{23B28F70-3512-4909-94AC-F84A269A4E57}" srcId="{F2026303-3E1D-4254-80BC-9BED97811853}" destId="{E5E5A57A-4FA7-42EC-B200-EF105C3A9CBD}" srcOrd="1" destOrd="0" parTransId="{E130FD22-9883-471A-AB35-8A4D61691B90}" sibTransId="{B442B079-E2E4-4886-AD68-002AE4CC5F7E}"/>
-    <dgm:cxn modelId="{720FE0C1-B73F-4DE7-88E7-8D96EF217DDE}" srcId="{E308504E-19CB-4CEE-BB56-BE6CCD8150CA}" destId="{FC32BF83-872E-4237-AA81-DCD2A086A7B1}" srcOrd="0" destOrd="0" parTransId="{AAA6C964-E8F6-455E-9183-771816248954}" sibTransId="{2EB0532A-9A44-4F84-8291-0F94A4B4727A}"/>
-    <dgm:cxn modelId="{12919775-3D85-4466-BC66-792E42781795}" srcId="{14583E37-9F15-4CF7-A64F-8DA655BECA10}" destId="{2B8E115A-C24A-4E37-8D33-629E3A9245BF}" srcOrd="2" destOrd="0" parTransId="{17314103-1149-462C-93B5-09D68A3CB6DC}" sibTransId="{1CB53659-BEEF-474E-A390-45797BDE4AA2}"/>
-    <dgm:cxn modelId="{011271D5-7777-47B2-BB47-F635954811A3}" srcId="{14583E37-9F15-4CF7-A64F-8DA655BECA10}" destId="{F2026303-3E1D-4254-80BC-9BED97811853}" srcOrd="1" destOrd="0" parTransId="{AFDC0E9B-5B51-4919-8A0A-F6AC561D95A6}" sibTransId="{DE947A7C-4867-4D70-8317-BA3446328C7C}"/>
-    <dgm:cxn modelId="{D43DE935-D2C7-4444-9EEE-A76BE4C2DA0D}" type="presOf" srcId="{2505AF7B-3359-4D78-AEC1-AF193B4F971B}" destId="{9481C18C-CBFB-4B52-9CDB-553FEEAAB73A}" srcOrd="0" destOrd="0" presId="urn:microsoft.com/office/officeart/2005/8/layout/hProcess7"/>
-    <dgm:cxn modelId="{9E62B8E9-7472-47DF-B324-BC1C33A12859}" type="presOf" srcId="{7A3BDF43-0F6F-40A1-ACAF-545C282B9E51}" destId="{5FE58591-D094-4F89-8A3F-F4E5066CF76B}" srcOrd="0" destOrd="0" presId="urn:microsoft.com/office/officeart/2005/8/layout/hProcess7"/>
-    <dgm:cxn modelId="{35B04B18-016A-4BA7-B50D-1FCCA2F53355}" type="presOf" srcId="{E308504E-19CB-4CEE-BB56-BE6CCD8150CA}" destId="{CC426901-7958-4865-AFC6-9936F88B3CF5}" srcOrd="1" destOrd="0" presId="urn:microsoft.com/office/officeart/2005/8/layout/hProcess7"/>
-    <dgm:cxn modelId="{35C4314F-A1C0-4A17-A050-8CD14427CBBB}" srcId="{14583E37-9F15-4CF7-A64F-8DA655BECA10}" destId="{E308504E-19CB-4CEE-BB56-BE6CCD8150CA}" srcOrd="0" destOrd="0" parTransId="{57D6931C-243A-4684-8F89-643BF86EF72B}" sibTransId="{8642A6AE-1B91-4AF7-91E0-C458D12D0B27}"/>
-    <dgm:cxn modelId="{50292EB2-F4F8-4989-9DE5-B965813C3A81}" type="presOf" srcId="{14583E37-9F15-4CF7-A64F-8DA655BECA10}" destId="{E637C6B2-D4C6-4560-928F-1412A83AE315}" srcOrd="0" destOrd="0" presId="urn:microsoft.com/office/officeart/2005/8/layout/hProcess7"/>
-    <dgm:cxn modelId="{765FFC51-6437-4DDA-84BE-3FD1DC9EBAEC}" type="presOf" srcId="{9744E615-39D6-4104-B4B5-54CC21238145}" destId="{F57564DC-E268-4A9B-A13B-38F83F798639}" srcOrd="0" destOrd="2" presId="urn:microsoft.com/office/officeart/2005/8/layout/hProcess7"/>
-    <dgm:cxn modelId="{A419EBB5-B0C2-4CBF-ADAD-F0D17EF86D7B}" srcId="{F2026303-3E1D-4254-80BC-9BED97811853}" destId="{7A3BDF43-0F6F-40A1-ACAF-545C282B9E51}" srcOrd="0" destOrd="0" parTransId="{825256BE-0723-43C9-BCE1-C964863F1742}" sibTransId="{84596E99-165E-4655-8355-0B910D3BA702}"/>
-    <dgm:cxn modelId="{214AB801-945A-4F20-9889-5591AF8C7D11}" srcId="{2B8E115A-C24A-4E37-8D33-629E3A9245BF}" destId="{2505AF7B-3359-4D78-AEC1-AF193B4F971B}" srcOrd="0" destOrd="0" parTransId="{887C8278-DA1C-4BF4-A807-057BE054D375}" sibTransId="{4D5FFFC0-F4C2-4951-845B-9CBC8C5C7E37}"/>
     <dgm:cxn modelId="{BE50E623-BEE8-43F6-B6B1-1EC89DE23BF7}" type="presParOf" srcId="{E637C6B2-D4C6-4560-928F-1412A83AE315}" destId="{C0E04AFB-1038-48C3-B28C-17E66EF3FBE4}" srcOrd="0" destOrd="0" presId="urn:microsoft.com/office/officeart/2005/8/layout/hProcess7"/>
     <dgm:cxn modelId="{57351211-9A2B-42F9-B874-11F5403B0DF7}" type="presParOf" srcId="{C0E04AFB-1038-48C3-B28C-17E66EF3FBE4}" destId="{C350A2AF-4922-469C-A47D-C8C9C94EB2CE}" srcOrd="0" destOrd="0" presId="urn:microsoft.com/office/officeart/2005/8/layout/hProcess7"/>
     <dgm:cxn modelId="{572FA83B-7A47-4D78-AD7D-D950EC32987F}" type="presParOf" srcId="{C0E04AFB-1038-48C3-B28C-17E66EF3FBE4}" destId="{CC426901-7958-4865-AFC6-9936F88B3CF5}" srcOrd="1" destOrd="0" presId="urn:microsoft.com/office/officeart/2005/8/layout/hProcess7"/>
@@ -6530,10 +5975,9 @@
         <a:lstStyle/>
         <a:p>
           <a:r>
-            <a:rPr lang="es-ES" sz="2400" b="1" dirty="0" smtClean="0"/>
+            <a:rPr lang="es-ES" sz="2400" b="1" dirty="0"/>
             <a:t>Indicador</a:t>
           </a:r>
-          <a:endParaRPr lang="es-ES" sz="2400" b="1" dirty="0"/>
         </a:p>
       </dgm:t>
     </dgm:pt>
@@ -6567,7 +6011,7 @@
         <a:lstStyle/>
         <a:p>
           <a:r>
-            <a:rPr lang="es-MX" sz="2400" dirty="0" smtClean="0"/>
+            <a:rPr lang="es-MX" sz="2400" dirty="0"/>
             <a:t>-Se estandarizó para una mejor interpretación</a:t>
           </a:r>
           <a:endParaRPr lang="es-ES" sz="2400" dirty="0"/>
@@ -6604,10 +6048,9 @@
         <a:lstStyle/>
         <a:p>
           <a:r>
-            <a:rPr lang="es-ES" sz="2400" b="1" dirty="0" smtClean="0"/>
+            <a:rPr lang="es-ES" sz="2400" b="1" dirty="0"/>
             <a:t>Validación</a:t>
           </a:r>
-          <a:endParaRPr lang="es-ES" sz="2400" b="1" dirty="0"/>
         </a:p>
       </dgm:t>
     </dgm:pt>
@@ -6641,44 +6084,44 @@
         <a:lstStyle/>
         <a:p>
           <a:r>
-            <a:rPr lang="es-MX" sz="2400" dirty="0" smtClean="0"/>
+            <a:rPr lang="es-MX" sz="2400" dirty="0"/>
             <a:t>-M</a:t>
           </a:r>
           <a:r>
-            <a:rPr lang="es-ES" sz="2400" dirty="0" err="1" smtClean="0"/>
+            <a:rPr lang="es-ES" sz="2400" dirty="0" err="1"/>
             <a:t>edidas</a:t>
           </a:r>
           <a:r>
-            <a:rPr lang="es-ES" sz="2400" dirty="0" smtClean="0"/>
+            <a:rPr lang="es-ES" sz="2400" dirty="0"/>
             <a:t> de ajuste con la curva de la mediana de los rendimientos</a:t>
           </a:r>
         </a:p>
         <a:p>
           <a:r>
-            <a:rPr lang="es-MX" sz="2400" dirty="0" smtClean="0"/>
+            <a:rPr lang="es-MX" sz="2400" dirty="0"/>
             <a:t>-E</a:t>
           </a:r>
           <a:r>
-            <a:rPr lang="es-ES" sz="2400" dirty="0" err="1" smtClean="0"/>
+            <a:rPr lang="es-ES" sz="2400" dirty="0" err="1"/>
             <a:t>scenarios</a:t>
           </a:r>
           <a:r>
-            <a:rPr lang="es-ES" sz="2400" dirty="0" smtClean="0"/>
+            <a:rPr lang="es-ES" sz="2400" dirty="0"/>
             <a:t>: </a:t>
           </a:r>
         </a:p>
         <a:p>
           <a:r>
-            <a:rPr lang="es-ES" sz="2400" dirty="0" smtClean="0"/>
+            <a:rPr lang="es-ES" sz="2400" dirty="0"/>
             <a:t>Comportamiento Indicador, comportamiento de las curvas ,</a:t>
           </a:r>
         </a:p>
         <a:p>
           <a:r>
-            <a:rPr lang="es-ES" sz="2400" dirty="0" smtClean="0"/>
+            <a:rPr lang="es-ES" sz="2400" dirty="0"/>
             <a:t>factores no observables.</a:t>
           </a:r>
-          <a:endParaRPr lang="es-MX" sz="2400" dirty="0" smtClean="0"/>
+          <a:endParaRPr lang="es-MX" sz="2400" dirty="0"/>
         </a:p>
       </dgm:t>
     </dgm:pt>
@@ -6712,10 +6155,9 @@
         <a:lstStyle/>
         <a:p>
           <a:r>
-            <a:rPr lang="es-ES" sz="2400" b="1" dirty="0" smtClean="0"/>
+            <a:rPr lang="es-ES" sz="2400" b="1" dirty="0"/>
             <a:t>Calibración</a:t>
           </a:r>
-          <a:endParaRPr lang="es-ES" sz="2400" b="1" dirty="0"/>
         </a:p>
       </dgm:t>
     </dgm:pt>
@@ -6816,13 +6258,6 @@
         </dgm:presLayoutVars>
       </dgm:prSet>
       <dgm:spPr/>
-      <dgm:t>
-        <a:bodyPr/>
-        <a:lstStyle/>
-        <a:p>
-          <a:endParaRPr lang="es-ES"/>
-        </a:p>
-      </dgm:t>
     </dgm:pt>
     <dgm:pt modelId="{C0E04AFB-1038-48C3-B28C-17E66EF3FBE4}" type="pres">
       <dgm:prSet presAssocID="{E308504E-19CB-4CEE-BB56-BE6CCD8150CA}" presName="compositeNode" presStyleCnt="0">
@@ -6831,24 +6266,10 @@
         </dgm:presLayoutVars>
       </dgm:prSet>
       <dgm:spPr/>
-      <dgm:t>
-        <a:bodyPr/>
-        <a:lstStyle/>
-        <a:p>
-          <a:endParaRPr lang="es-ES"/>
-        </a:p>
-      </dgm:t>
     </dgm:pt>
     <dgm:pt modelId="{C350A2AF-4922-469C-A47D-C8C9C94EB2CE}" type="pres">
       <dgm:prSet presAssocID="{E308504E-19CB-4CEE-BB56-BE6CCD8150CA}" presName="bgRect" presStyleLbl="node1" presStyleIdx="0" presStyleCnt="3"/>
       <dgm:spPr/>
-      <dgm:t>
-        <a:bodyPr/>
-        <a:lstStyle/>
-        <a:p>
-          <a:endParaRPr lang="es-ES"/>
-        </a:p>
-      </dgm:t>
     </dgm:pt>
     <dgm:pt modelId="{CC426901-7958-4865-AFC6-9936F88B3CF5}" type="pres">
       <dgm:prSet presAssocID="{E308504E-19CB-4CEE-BB56-BE6CCD8150CA}" presName="parentNode" presStyleLbl="node1" presStyleIdx="0" presStyleCnt="3">
@@ -6858,13 +6279,6 @@
         </dgm:presLayoutVars>
       </dgm:prSet>
       <dgm:spPr/>
-      <dgm:t>
-        <a:bodyPr/>
-        <a:lstStyle/>
-        <a:p>
-          <a:endParaRPr lang="es-ES"/>
-        </a:p>
-      </dgm:t>
     </dgm:pt>
     <dgm:pt modelId="{F57564DC-E268-4A9B-A13B-38F83F798639}" type="pres">
       <dgm:prSet presAssocID="{E308504E-19CB-4CEE-BB56-BE6CCD8150CA}" presName="childNode" presStyleLbl="node1" presStyleIdx="0" presStyleCnt="3">
@@ -6873,79 +6287,30 @@
         </dgm:presLayoutVars>
       </dgm:prSet>
       <dgm:spPr/>
-      <dgm:t>
-        <a:bodyPr/>
-        <a:lstStyle/>
-        <a:p>
-          <a:endParaRPr lang="es-ES"/>
-        </a:p>
-      </dgm:t>
     </dgm:pt>
     <dgm:pt modelId="{87B96C6F-E101-4B05-A693-C8EEDD6E65A2}" type="pres">
       <dgm:prSet presAssocID="{8642A6AE-1B91-4AF7-91E0-C458D12D0B27}" presName="hSp" presStyleCnt="0"/>
       <dgm:spPr/>
-      <dgm:t>
-        <a:bodyPr/>
-        <a:lstStyle/>
-        <a:p>
-          <a:endParaRPr lang="es-ES"/>
-        </a:p>
-      </dgm:t>
     </dgm:pt>
     <dgm:pt modelId="{5974A4FF-150D-4DF2-94D7-9AAE11BC0728}" type="pres">
       <dgm:prSet presAssocID="{8642A6AE-1B91-4AF7-91E0-C458D12D0B27}" presName="vProcSp" presStyleCnt="0"/>
       <dgm:spPr/>
-      <dgm:t>
-        <a:bodyPr/>
-        <a:lstStyle/>
-        <a:p>
-          <a:endParaRPr lang="es-ES"/>
-        </a:p>
-      </dgm:t>
     </dgm:pt>
     <dgm:pt modelId="{C5223313-112B-465E-A5CA-7088436A3C30}" type="pres">
       <dgm:prSet presAssocID="{8642A6AE-1B91-4AF7-91E0-C458D12D0B27}" presName="vSp1" presStyleCnt="0"/>
       <dgm:spPr/>
-      <dgm:t>
-        <a:bodyPr/>
-        <a:lstStyle/>
-        <a:p>
-          <a:endParaRPr lang="es-ES"/>
-        </a:p>
-      </dgm:t>
     </dgm:pt>
     <dgm:pt modelId="{AC326F64-4443-4D00-AF2C-7A294D8B3789}" type="pres">
       <dgm:prSet presAssocID="{8642A6AE-1B91-4AF7-91E0-C458D12D0B27}" presName="simulatedConn" presStyleLbl="solidFgAcc1" presStyleIdx="0" presStyleCnt="2"/>
       <dgm:spPr/>
-      <dgm:t>
-        <a:bodyPr/>
-        <a:lstStyle/>
-        <a:p>
-          <a:endParaRPr lang="es-ES"/>
-        </a:p>
-      </dgm:t>
     </dgm:pt>
     <dgm:pt modelId="{6FBBE328-7181-4322-B7C2-9F18A48BD149}" type="pres">
       <dgm:prSet presAssocID="{8642A6AE-1B91-4AF7-91E0-C458D12D0B27}" presName="vSp2" presStyleCnt="0"/>
       <dgm:spPr/>
-      <dgm:t>
-        <a:bodyPr/>
-        <a:lstStyle/>
-        <a:p>
-          <a:endParaRPr lang="es-ES"/>
-        </a:p>
-      </dgm:t>
     </dgm:pt>
     <dgm:pt modelId="{3D8A29F3-1530-45F9-8DE1-66961D813CD2}" type="pres">
       <dgm:prSet presAssocID="{8642A6AE-1B91-4AF7-91E0-C458D12D0B27}" presName="sibTrans" presStyleCnt="0"/>
       <dgm:spPr/>
-      <dgm:t>
-        <a:bodyPr/>
-        <a:lstStyle/>
-        <a:p>
-          <a:endParaRPr lang="es-ES"/>
-        </a:p>
-      </dgm:t>
     </dgm:pt>
     <dgm:pt modelId="{DC7DD9BE-3A9D-4B23-A864-31C0E015B9FE}" type="pres">
       <dgm:prSet presAssocID="{F2026303-3E1D-4254-80BC-9BED97811853}" presName="compositeNode" presStyleCnt="0">
@@ -6954,24 +6319,10 @@
         </dgm:presLayoutVars>
       </dgm:prSet>
       <dgm:spPr/>
-      <dgm:t>
-        <a:bodyPr/>
-        <a:lstStyle/>
-        <a:p>
-          <a:endParaRPr lang="es-ES"/>
-        </a:p>
-      </dgm:t>
     </dgm:pt>
     <dgm:pt modelId="{B97892DD-94CB-403C-A132-3C6632891202}" type="pres">
       <dgm:prSet presAssocID="{F2026303-3E1D-4254-80BC-9BED97811853}" presName="bgRect" presStyleLbl="node1" presStyleIdx="1" presStyleCnt="3"/>
       <dgm:spPr/>
-      <dgm:t>
-        <a:bodyPr/>
-        <a:lstStyle/>
-        <a:p>
-          <a:endParaRPr lang="es-ES"/>
-        </a:p>
-      </dgm:t>
     </dgm:pt>
     <dgm:pt modelId="{00F4E03B-A68D-4C12-BCA3-2205F708F865}" type="pres">
       <dgm:prSet presAssocID="{F2026303-3E1D-4254-80BC-9BED97811853}" presName="parentNode" presStyleLbl="node1" presStyleIdx="1" presStyleCnt="3">
@@ -6981,13 +6332,6 @@
         </dgm:presLayoutVars>
       </dgm:prSet>
       <dgm:spPr/>
-      <dgm:t>
-        <a:bodyPr/>
-        <a:lstStyle/>
-        <a:p>
-          <a:endParaRPr lang="es-ES"/>
-        </a:p>
-      </dgm:t>
     </dgm:pt>
     <dgm:pt modelId="{5FE58591-D094-4F89-8A3F-F4E5066CF76B}" type="pres">
       <dgm:prSet presAssocID="{F2026303-3E1D-4254-80BC-9BED97811853}" presName="childNode" presStyleLbl="node1" presStyleIdx="1" presStyleCnt="3">
@@ -6996,79 +6340,30 @@
         </dgm:presLayoutVars>
       </dgm:prSet>
       <dgm:spPr/>
-      <dgm:t>
-        <a:bodyPr/>
-        <a:lstStyle/>
-        <a:p>
-          <a:endParaRPr lang="es-ES"/>
-        </a:p>
-      </dgm:t>
     </dgm:pt>
     <dgm:pt modelId="{1A9ABF4A-D5D2-497D-981F-EFBBBCFA22A5}" type="pres">
       <dgm:prSet presAssocID="{DE947A7C-4867-4D70-8317-BA3446328C7C}" presName="hSp" presStyleCnt="0"/>
       <dgm:spPr/>
-      <dgm:t>
-        <a:bodyPr/>
-        <a:lstStyle/>
-        <a:p>
-          <a:endParaRPr lang="es-ES"/>
-        </a:p>
-      </dgm:t>
     </dgm:pt>
     <dgm:pt modelId="{1A4EABF9-9865-4583-97CF-D1829F60F47C}" type="pres">
       <dgm:prSet presAssocID="{DE947A7C-4867-4D70-8317-BA3446328C7C}" presName="vProcSp" presStyleCnt="0"/>
       <dgm:spPr/>
-      <dgm:t>
-        <a:bodyPr/>
-        <a:lstStyle/>
-        <a:p>
-          <a:endParaRPr lang="es-ES"/>
-        </a:p>
-      </dgm:t>
     </dgm:pt>
     <dgm:pt modelId="{4E488228-868E-4A45-9595-F9493004C3A5}" type="pres">
       <dgm:prSet presAssocID="{DE947A7C-4867-4D70-8317-BA3446328C7C}" presName="vSp1" presStyleCnt="0"/>
       <dgm:spPr/>
-      <dgm:t>
-        <a:bodyPr/>
-        <a:lstStyle/>
-        <a:p>
-          <a:endParaRPr lang="es-ES"/>
-        </a:p>
-      </dgm:t>
     </dgm:pt>
     <dgm:pt modelId="{B11B2A45-92CA-4C96-AA4E-8C4F93FC2C4B}" type="pres">
       <dgm:prSet presAssocID="{DE947A7C-4867-4D70-8317-BA3446328C7C}" presName="simulatedConn" presStyleLbl="solidFgAcc1" presStyleIdx="1" presStyleCnt="2"/>
       <dgm:spPr/>
-      <dgm:t>
-        <a:bodyPr/>
-        <a:lstStyle/>
-        <a:p>
-          <a:endParaRPr lang="es-ES"/>
-        </a:p>
-      </dgm:t>
     </dgm:pt>
     <dgm:pt modelId="{1D192A39-BFCF-43E1-95BA-E8311043752A}" type="pres">
       <dgm:prSet presAssocID="{DE947A7C-4867-4D70-8317-BA3446328C7C}" presName="vSp2" presStyleCnt="0"/>
       <dgm:spPr/>
-      <dgm:t>
-        <a:bodyPr/>
-        <a:lstStyle/>
-        <a:p>
-          <a:endParaRPr lang="es-ES"/>
-        </a:p>
-      </dgm:t>
     </dgm:pt>
     <dgm:pt modelId="{5D590DC3-AA1F-4153-A5B3-46D358F279A8}" type="pres">
       <dgm:prSet presAssocID="{DE947A7C-4867-4D70-8317-BA3446328C7C}" presName="sibTrans" presStyleCnt="0"/>
       <dgm:spPr/>
-      <dgm:t>
-        <a:bodyPr/>
-        <a:lstStyle/>
-        <a:p>
-          <a:endParaRPr lang="es-ES"/>
-        </a:p>
-      </dgm:t>
     </dgm:pt>
     <dgm:pt modelId="{ABB61F43-A5A2-41A0-9DD0-1BD569B46489}" type="pres">
       <dgm:prSet presAssocID="{2B8E115A-C24A-4E37-8D33-629E3A9245BF}" presName="compositeNode" presStyleCnt="0">
@@ -7077,24 +6372,10 @@
         </dgm:presLayoutVars>
       </dgm:prSet>
       <dgm:spPr/>
-      <dgm:t>
-        <a:bodyPr/>
-        <a:lstStyle/>
-        <a:p>
-          <a:endParaRPr lang="es-ES"/>
-        </a:p>
-      </dgm:t>
     </dgm:pt>
     <dgm:pt modelId="{8765642B-B5E2-4346-AAE7-E359BABCBBE4}" type="pres">
       <dgm:prSet presAssocID="{2B8E115A-C24A-4E37-8D33-629E3A9245BF}" presName="bgRect" presStyleLbl="node1" presStyleIdx="2" presStyleCnt="3" custLinFactNeighborX="-239"/>
       <dgm:spPr/>
-      <dgm:t>
-        <a:bodyPr/>
-        <a:lstStyle/>
-        <a:p>
-          <a:endParaRPr lang="es-ES"/>
-        </a:p>
-      </dgm:t>
     </dgm:pt>
     <dgm:pt modelId="{9E6B98B0-B56A-4EC9-9AAE-50E3043974D9}" type="pres">
       <dgm:prSet presAssocID="{2B8E115A-C24A-4E37-8D33-629E3A9245BF}" presName="parentNode" presStyleLbl="node1" presStyleIdx="2" presStyleCnt="3">
@@ -7104,13 +6385,6 @@
         </dgm:presLayoutVars>
       </dgm:prSet>
       <dgm:spPr/>
-      <dgm:t>
-        <a:bodyPr/>
-        <a:lstStyle/>
-        <a:p>
-          <a:endParaRPr lang="es-ES"/>
-        </a:p>
-      </dgm:t>
     </dgm:pt>
     <dgm:pt modelId="{9481C18C-CBFB-4B52-9CDB-553FEEAAB73A}" type="pres">
       <dgm:prSet presAssocID="{2B8E115A-C24A-4E37-8D33-629E3A9245BF}" presName="childNode" presStyleLbl="node1" presStyleIdx="2" presStyleCnt="3">
@@ -7119,34 +6393,27 @@
         </dgm:presLayoutVars>
       </dgm:prSet>
       <dgm:spPr/>
-      <dgm:t>
-        <a:bodyPr/>
-        <a:lstStyle/>
-        <a:p>
-          <a:endParaRPr lang="es-ES"/>
-        </a:p>
-      </dgm:t>
     </dgm:pt>
   </dgm:ptLst>
   <dgm:cxnLst>
-    <dgm:cxn modelId="{9E62B8E9-7472-47DF-B324-BC1C33A12859}" type="presOf" srcId="{7A3BDF43-0F6F-40A1-ACAF-545C282B9E51}" destId="{5FE58591-D094-4F89-8A3F-F4E5066CF76B}" srcOrd="0" destOrd="0" presId="urn:microsoft.com/office/officeart/2005/8/layout/hProcess7"/>
+    <dgm:cxn modelId="{214AB801-945A-4F20-9889-5591AF8C7D11}" srcId="{2B8E115A-C24A-4E37-8D33-629E3A9245BF}" destId="{2505AF7B-3359-4D78-AEC1-AF193B4F971B}" srcOrd="0" destOrd="0" parTransId="{887C8278-DA1C-4BF4-A807-057BE054D375}" sibTransId="{4D5FFFC0-F4C2-4951-845B-9CBC8C5C7E37}"/>
+    <dgm:cxn modelId="{35B04B18-016A-4BA7-B50D-1FCCA2F53355}" type="presOf" srcId="{E308504E-19CB-4CEE-BB56-BE6CCD8150CA}" destId="{CC426901-7958-4865-AFC6-9936F88B3CF5}" srcOrd="1" destOrd="0" presId="urn:microsoft.com/office/officeart/2005/8/layout/hProcess7"/>
+    <dgm:cxn modelId="{D43DE935-D2C7-4444-9EEE-A76BE4C2DA0D}" type="presOf" srcId="{2505AF7B-3359-4D78-AEC1-AF193B4F971B}" destId="{9481C18C-CBFB-4B52-9CDB-553FEEAAB73A}" srcOrd="0" destOrd="0" presId="urn:microsoft.com/office/officeart/2005/8/layout/hProcess7"/>
+    <dgm:cxn modelId="{1C62CA38-5244-4681-8934-A99C0563CF53}" type="presOf" srcId="{F2026303-3E1D-4254-80BC-9BED97811853}" destId="{B97892DD-94CB-403C-A132-3C6632891202}" srcOrd="0" destOrd="0" presId="urn:microsoft.com/office/officeart/2005/8/layout/hProcess7"/>
     <dgm:cxn modelId="{35C4314F-A1C0-4A17-A050-8CD14427CBBB}" srcId="{14583E37-9F15-4CF7-A64F-8DA655BECA10}" destId="{E308504E-19CB-4CEE-BB56-BE6CCD8150CA}" srcOrd="0" destOrd="0" parTransId="{57D6931C-243A-4684-8F89-643BF86EF72B}" sibTransId="{8642A6AE-1B91-4AF7-91E0-C458D12D0B27}"/>
+    <dgm:cxn modelId="{765FFC51-6437-4DDA-84BE-3FD1DC9EBAEC}" type="presOf" srcId="{9744E615-39D6-4104-B4B5-54CC21238145}" destId="{F57564DC-E268-4A9B-A13B-38F83F798639}" srcOrd="0" destOrd="1" presId="urn:microsoft.com/office/officeart/2005/8/layout/hProcess7"/>
+    <dgm:cxn modelId="{12919775-3D85-4466-BC66-792E42781795}" srcId="{14583E37-9F15-4CF7-A64F-8DA655BECA10}" destId="{2B8E115A-C24A-4E37-8D33-629E3A9245BF}" srcOrd="2" destOrd="0" parTransId="{17314103-1149-462C-93B5-09D68A3CB6DC}" sibTransId="{1CB53659-BEEF-474E-A390-45797BDE4AA2}"/>
     <dgm:cxn modelId="{C25BAA87-E31B-40AE-ADC3-EE1AFAC754C3}" type="presOf" srcId="{E308504E-19CB-4CEE-BB56-BE6CCD8150CA}" destId="{C350A2AF-4922-469C-A47D-C8C9C94EB2CE}" srcOrd="0" destOrd="0" presId="urn:microsoft.com/office/officeart/2005/8/layout/hProcess7"/>
+    <dgm:cxn modelId="{B7BC31AB-DF98-463E-807B-31577747A748}" srcId="{E308504E-19CB-4CEE-BB56-BE6CCD8150CA}" destId="{9744E615-39D6-4104-B4B5-54CC21238145}" srcOrd="1" destOrd="0" parTransId="{FDFD5162-501E-4A31-8684-C73D4F9A5377}" sibTransId="{93C9B93E-630D-46E7-96C7-E332A32561DF}"/>
+    <dgm:cxn modelId="{50292EB2-F4F8-4989-9DE5-B965813C3A81}" type="presOf" srcId="{14583E37-9F15-4CF7-A64F-8DA655BECA10}" destId="{E637C6B2-D4C6-4560-928F-1412A83AE315}" srcOrd="0" destOrd="0" presId="urn:microsoft.com/office/officeart/2005/8/layout/hProcess7"/>
+    <dgm:cxn modelId="{A419EBB5-B0C2-4CBF-ADAD-F0D17EF86D7B}" srcId="{F2026303-3E1D-4254-80BC-9BED97811853}" destId="{7A3BDF43-0F6F-40A1-ACAF-545C282B9E51}" srcOrd="0" destOrd="0" parTransId="{825256BE-0723-43C9-BCE1-C964863F1742}" sibTransId="{84596E99-165E-4655-8355-0B910D3BA702}"/>
+    <dgm:cxn modelId="{2E6F3DBF-9396-40D4-AA43-AEF8AD0F1C13}" type="presOf" srcId="{FC32BF83-872E-4237-AA81-DCD2A086A7B1}" destId="{F57564DC-E268-4A9B-A13B-38F83F798639}" srcOrd="0" destOrd="0" presId="urn:microsoft.com/office/officeart/2005/8/layout/hProcess7"/>
+    <dgm:cxn modelId="{720FE0C1-B73F-4DE7-88E7-8D96EF217DDE}" srcId="{E308504E-19CB-4CEE-BB56-BE6CCD8150CA}" destId="{FC32BF83-872E-4237-AA81-DCD2A086A7B1}" srcOrd="0" destOrd="0" parTransId="{AAA6C964-E8F6-455E-9183-771816248954}" sibTransId="{2EB0532A-9A44-4F84-8291-0F94A4B4727A}"/>
     <dgm:cxn modelId="{5D0E92C2-E443-4C17-A458-F82A8D29B1C5}" type="presOf" srcId="{F2026303-3E1D-4254-80BC-9BED97811853}" destId="{00F4E03B-A68D-4C12-BCA3-2205F708F865}" srcOrd="1" destOrd="0" presId="urn:microsoft.com/office/officeart/2005/8/layout/hProcess7"/>
     <dgm:cxn modelId="{8A046FD0-0939-4A70-8EA2-70031398DA46}" type="presOf" srcId="{2B8E115A-C24A-4E37-8D33-629E3A9245BF}" destId="{8765642B-B5E2-4346-AAE7-E359BABCBBE4}" srcOrd="0" destOrd="0" presId="urn:microsoft.com/office/officeart/2005/8/layout/hProcess7"/>
-    <dgm:cxn modelId="{1C62CA38-5244-4681-8934-A99C0563CF53}" type="presOf" srcId="{F2026303-3E1D-4254-80BC-9BED97811853}" destId="{B97892DD-94CB-403C-A132-3C6632891202}" srcOrd="0" destOrd="0" presId="urn:microsoft.com/office/officeart/2005/8/layout/hProcess7"/>
-    <dgm:cxn modelId="{2E6F3DBF-9396-40D4-AA43-AEF8AD0F1C13}" type="presOf" srcId="{FC32BF83-872E-4237-AA81-DCD2A086A7B1}" destId="{F57564DC-E268-4A9B-A13B-38F83F798639}" srcOrd="0" destOrd="0" presId="urn:microsoft.com/office/officeart/2005/8/layout/hProcess7"/>
-    <dgm:cxn modelId="{12919775-3D85-4466-BC66-792E42781795}" srcId="{14583E37-9F15-4CF7-A64F-8DA655BECA10}" destId="{2B8E115A-C24A-4E37-8D33-629E3A9245BF}" srcOrd="2" destOrd="0" parTransId="{17314103-1149-462C-93B5-09D68A3CB6DC}" sibTransId="{1CB53659-BEEF-474E-A390-45797BDE4AA2}"/>
-    <dgm:cxn modelId="{35B04B18-016A-4BA7-B50D-1FCCA2F53355}" type="presOf" srcId="{E308504E-19CB-4CEE-BB56-BE6CCD8150CA}" destId="{CC426901-7958-4865-AFC6-9936F88B3CF5}" srcOrd="1" destOrd="0" presId="urn:microsoft.com/office/officeart/2005/8/layout/hProcess7"/>
-    <dgm:cxn modelId="{50292EB2-F4F8-4989-9DE5-B965813C3A81}" type="presOf" srcId="{14583E37-9F15-4CF7-A64F-8DA655BECA10}" destId="{E637C6B2-D4C6-4560-928F-1412A83AE315}" srcOrd="0" destOrd="0" presId="urn:microsoft.com/office/officeart/2005/8/layout/hProcess7"/>
+    <dgm:cxn modelId="{011271D5-7777-47B2-BB47-F635954811A3}" srcId="{14583E37-9F15-4CF7-A64F-8DA655BECA10}" destId="{F2026303-3E1D-4254-80BC-9BED97811853}" srcOrd="1" destOrd="0" parTransId="{AFDC0E9B-5B51-4919-8A0A-F6AC561D95A6}" sibTransId="{DE947A7C-4867-4D70-8317-BA3446328C7C}"/>
     <dgm:cxn modelId="{BBBA25DF-2DD5-4ACA-AACB-294FBEA1E357}" type="presOf" srcId="{2B8E115A-C24A-4E37-8D33-629E3A9245BF}" destId="{9E6B98B0-B56A-4EC9-9AAE-50E3043974D9}" srcOrd="1" destOrd="0" presId="urn:microsoft.com/office/officeart/2005/8/layout/hProcess7"/>
-    <dgm:cxn modelId="{214AB801-945A-4F20-9889-5591AF8C7D11}" srcId="{2B8E115A-C24A-4E37-8D33-629E3A9245BF}" destId="{2505AF7B-3359-4D78-AEC1-AF193B4F971B}" srcOrd="0" destOrd="0" parTransId="{887C8278-DA1C-4BF4-A807-057BE054D375}" sibTransId="{4D5FFFC0-F4C2-4951-845B-9CBC8C5C7E37}"/>
-    <dgm:cxn modelId="{B7BC31AB-DF98-463E-807B-31577747A748}" srcId="{E308504E-19CB-4CEE-BB56-BE6CCD8150CA}" destId="{9744E615-39D6-4104-B4B5-54CC21238145}" srcOrd="1" destOrd="0" parTransId="{FDFD5162-501E-4A31-8684-C73D4F9A5377}" sibTransId="{93C9B93E-630D-46E7-96C7-E332A32561DF}"/>
-    <dgm:cxn modelId="{720FE0C1-B73F-4DE7-88E7-8D96EF217DDE}" srcId="{E308504E-19CB-4CEE-BB56-BE6CCD8150CA}" destId="{FC32BF83-872E-4237-AA81-DCD2A086A7B1}" srcOrd="0" destOrd="0" parTransId="{AAA6C964-E8F6-455E-9183-771816248954}" sibTransId="{2EB0532A-9A44-4F84-8291-0F94A4B4727A}"/>
-    <dgm:cxn modelId="{765FFC51-6437-4DDA-84BE-3FD1DC9EBAEC}" type="presOf" srcId="{9744E615-39D6-4104-B4B5-54CC21238145}" destId="{F57564DC-E268-4A9B-A13B-38F83F798639}" srcOrd="0" destOrd="1" presId="urn:microsoft.com/office/officeart/2005/8/layout/hProcess7"/>
-    <dgm:cxn modelId="{D43DE935-D2C7-4444-9EEE-A76BE4C2DA0D}" type="presOf" srcId="{2505AF7B-3359-4D78-AEC1-AF193B4F971B}" destId="{9481C18C-CBFB-4B52-9CDB-553FEEAAB73A}" srcOrd="0" destOrd="0" presId="urn:microsoft.com/office/officeart/2005/8/layout/hProcess7"/>
-    <dgm:cxn modelId="{011271D5-7777-47B2-BB47-F635954811A3}" srcId="{14583E37-9F15-4CF7-A64F-8DA655BECA10}" destId="{F2026303-3E1D-4254-80BC-9BED97811853}" srcOrd="1" destOrd="0" parTransId="{AFDC0E9B-5B51-4919-8A0A-F6AC561D95A6}" sibTransId="{DE947A7C-4867-4D70-8317-BA3446328C7C}"/>
-    <dgm:cxn modelId="{A419EBB5-B0C2-4CBF-ADAD-F0D17EF86D7B}" srcId="{F2026303-3E1D-4254-80BC-9BED97811853}" destId="{7A3BDF43-0F6F-40A1-ACAF-545C282B9E51}" srcOrd="0" destOrd="0" parTransId="{825256BE-0723-43C9-BCE1-C964863F1742}" sibTransId="{84596E99-165E-4655-8355-0B910D3BA702}"/>
+    <dgm:cxn modelId="{9E62B8E9-7472-47DF-B324-BC1C33A12859}" type="presOf" srcId="{7A3BDF43-0F6F-40A1-ACAF-545C282B9E51}" destId="{5FE58591-D094-4F89-8A3F-F4E5066CF76B}" srcOrd="0" destOrd="0" presId="urn:microsoft.com/office/officeart/2005/8/layout/hProcess7"/>
     <dgm:cxn modelId="{BE50E623-BEE8-43F6-B6B1-1EC89DE23BF7}" type="presParOf" srcId="{E637C6B2-D4C6-4560-928F-1412A83AE315}" destId="{C0E04AFB-1038-48C3-B28C-17E66EF3FBE4}" srcOrd="0" destOrd="0" presId="urn:microsoft.com/office/officeart/2005/8/layout/hProcess7"/>
     <dgm:cxn modelId="{57351211-9A2B-42F9-B874-11F5403B0DF7}" type="presParOf" srcId="{C0E04AFB-1038-48C3-B28C-17E66EF3FBE4}" destId="{C350A2AF-4922-469C-A47D-C8C9C94EB2CE}" srcOrd="0" destOrd="0" presId="urn:microsoft.com/office/officeart/2005/8/layout/hProcess7"/>
     <dgm:cxn modelId="{572FA83B-7A47-4D78-AD7D-D950EC32987F}" type="presParOf" srcId="{C0E04AFB-1038-48C3-B28C-17E66EF3FBE4}" destId="{CC426901-7958-4865-AFC6-9936F88B3CF5}" srcOrd="1" destOrd="0" presId="urn:microsoft.com/office/officeart/2005/8/layout/hProcess7"/>
@@ -7292,7 +6559,7 @@
         </a:bodyPr>
         <a:lstStyle/>
         <a:p>
-          <a:pPr lvl="0" algn="l" defTabSz="1066800">
+          <a:pPr marL="0" lvl="0" indent="0" algn="l" defTabSz="1066800">
             <a:lnSpc>
               <a:spcPct val="90000"/>
             </a:lnSpc>
@@ -7302,9 +6569,10 @@
             <a:spcAft>
               <a:spcPct val="35000"/>
             </a:spcAft>
+            <a:buNone/>
           </a:pPr>
           <a:r>
-            <a:rPr lang="es-MX" sz="2400" kern="1200" dirty="0" smtClean="0"/>
+            <a:rPr lang="es-MX" sz="2400" kern="1200" dirty="0"/>
             <a:t>COVID 19: Actividad económica tuvo una profunda contracción en el segundo trimestre 2020</a:t>
           </a:r>
           <a:endParaRPr lang="es-ES" sz="2400" kern="1200" dirty="0">
@@ -7422,7 +6690,7 @@
         </a:bodyPr>
         <a:lstStyle/>
         <a:p>
-          <a:pPr lvl="0" algn="l" defTabSz="1066800">
+          <a:pPr marL="0" lvl="0" indent="0" algn="l" defTabSz="1066800">
             <a:lnSpc>
               <a:spcPct val="90000"/>
             </a:lnSpc>
@@ -7432,9 +6700,10 @@
             <a:spcAft>
               <a:spcPct val="35000"/>
             </a:spcAft>
+            <a:buNone/>
           </a:pPr>
           <a:r>
-            <a:rPr lang="es-MX" sz="2400" kern="1200" dirty="0" smtClean="0"/>
+            <a:rPr lang="es-MX" sz="2400" kern="1200" dirty="0"/>
             <a:t>Finanzas públicas: menor recaudación tributaria</a:t>
           </a:r>
           <a:endParaRPr lang="es-ES" sz="2400" kern="1200" dirty="0"/>
@@ -7550,7 +6819,7 @@
         </a:bodyPr>
         <a:lstStyle/>
         <a:p>
-          <a:pPr lvl="0" algn="l" defTabSz="1066800">
+          <a:pPr marL="0" lvl="0" indent="0" algn="l" defTabSz="1066800">
             <a:lnSpc>
               <a:spcPct val="90000"/>
             </a:lnSpc>
@@ -7560,9 +6829,10 @@
             <a:spcAft>
               <a:spcPct val="35000"/>
             </a:spcAft>
+            <a:buNone/>
           </a:pPr>
           <a:r>
-            <a:rPr lang="es-MX" sz="2400" kern="1200" dirty="0" smtClean="0"/>
+            <a:rPr lang="es-MX" sz="2400" kern="1200" dirty="0"/>
             <a:t>Baja inflación proyectada</a:t>
           </a:r>
           <a:endParaRPr lang="es-ES" sz="2400" kern="1200" dirty="0">
@@ -7682,7 +6952,7 @@
         </a:bodyPr>
         <a:lstStyle/>
         <a:p>
-          <a:pPr lvl="0" algn="l" defTabSz="1066800">
+          <a:pPr marL="0" lvl="0" indent="0" algn="l" defTabSz="1066800">
             <a:lnSpc>
               <a:spcPct val="90000"/>
             </a:lnSpc>
@@ -7692,17 +6962,18 @@
             <a:spcAft>
               <a:spcPct val="35000"/>
             </a:spcAft>
+            <a:buNone/>
           </a:pPr>
           <a:r>
-            <a:rPr lang="es-MX" sz="2400" kern="1200" dirty="0" smtClean="0"/>
+            <a:rPr lang="es-MX" sz="2400" kern="1200" dirty="0"/>
             <a:t>BCCR: Política monetaria expansiva y </a:t>
           </a:r>
           <a:r>
-            <a:rPr lang="es-MX" sz="2400" kern="1200" dirty="0" err="1" smtClean="0"/>
+            <a:rPr lang="es-MX" sz="2400" kern="1200" dirty="0" err="1"/>
             <a:t>contracíclica</a:t>
           </a:r>
           <a:r>
-            <a:rPr lang="es-MX" sz="2400" kern="1200" dirty="0" smtClean="0"/>
+            <a:rPr lang="es-MX" sz="2400" kern="1200" dirty="0"/>
             <a:t>, que se manifiesta en bajas tasas de política monetaria y programas de inyección de liquidez </a:t>
           </a:r>
           <a:endParaRPr lang="es-ES" sz="2400" kern="1200" dirty="0"/>
@@ -7876,7 +7147,7 @@
         </a:bodyPr>
         <a:lstStyle/>
         <a:p>
-          <a:pPr lvl="0" algn="l" defTabSz="1066800">
+          <a:pPr marL="0" lvl="0" indent="0" algn="l" defTabSz="1066800">
             <a:lnSpc>
               <a:spcPct val="90000"/>
             </a:lnSpc>
@@ -7886,9 +7157,10 @@
             <a:spcAft>
               <a:spcPct val="35000"/>
             </a:spcAft>
+            <a:buNone/>
           </a:pPr>
           <a:r>
-            <a:rPr lang="es-MX" sz="2400" kern="1200" dirty="0" smtClean="0"/>
+            <a:rPr lang="es-MX" sz="2400" kern="1200" dirty="0"/>
             <a:t>Deterioro considerable en las finanzas del Gobierno</a:t>
           </a:r>
           <a:endParaRPr lang="es-ES" sz="2400" kern="1200" dirty="0">
@@ -8006,7 +7278,7 @@
         </a:bodyPr>
         <a:lstStyle/>
         <a:p>
-          <a:pPr lvl="0" algn="l" defTabSz="1066800">
+          <a:pPr marL="0" lvl="0" indent="0" algn="l" defTabSz="1066800">
             <a:lnSpc>
               <a:spcPct val="90000"/>
             </a:lnSpc>
@@ -8016,9 +7288,10 @@
             <a:spcAft>
               <a:spcPct val="35000"/>
             </a:spcAft>
+            <a:buNone/>
           </a:pPr>
           <a:r>
-            <a:rPr lang="es-MX" sz="2400" kern="1200" dirty="0" smtClean="0"/>
+            <a:rPr lang="es-MX" sz="2400" kern="1200" dirty="0"/>
             <a:t>Saldo de la deuda del Gobierno Central alcanzó en setiembre un 67,3% del PIB (56,3% en 2019). </a:t>
           </a:r>
           <a:endParaRPr lang="es-ES" sz="2400" kern="1200" dirty="0"/>
@@ -8134,7 +7407,7 @@
         </a:bodyPr>
         <a:lstStyle/>
         <a:p>
-          <a:pPr lvl="0" algn="l" defTabSz="1066800">
+          <a:pPr marL="0" lvl="0" indent="0" algn="l" defTabSz="1066800">
             <a:lnSpc>
               <a:spcPct val="90000"/>
             </a:lnSpc>
@@ -8144,9 +7417,10 @@
             <a:spcAft>
               <a:spcPct val="35000"/>
             </a:spcAft>
+            <a:buNone/>
           </a:pPr>
           <a:r>
-            <a:rPr lang="es-MX" sz="2400" kern="1200" dirty="0" smtClean="0"/>
+            <a:rPr lang="es-MX" sz="2400" kern="1200" dirty="0"/>
             <a:t>Incertidumbre asociada a la forma de resolver el déficit fiscal y el crecimiento de la deuda por parte del Gobierno</a:t>
           </a:r>
           <a:endParaRPr lang="es-ES" sz="2400" kern="1200" dirty="0">
@@ -8266,7 +7540,7 @@
         </a:bodyPr>
         <a:lstStyle/>
         <a:p>
-          <a:pPr lvl="0" algn="l" defTabSz="1066800">
+          <a:pPr marL="0" lvl="0" indent="0" algn="l" defTabSz="1066800">
             <a:lnSpc>
               <a:spcPct val="90000"/>
             </a:lnSpc>
@@ -8276,9 +7550,10 @@
             <a:spcAft>
               <a:spcPct val="35000"/>
             </a:spcAft>
+            <a:buNone/>
           </a:pPr>
           <a:r>
-            <a:rPr lang="es-MX" sz="2400" kern="1200" dirty="0" smtClean="0"/>
+            <a:rPr lang="es-MX" sz="2400" kern="1200" dirty="0"/>
             <a:t>Podría desencadenar en una crisis de confianza que podría llegar a impactar la estabilidad financiera del país.</a:t>
           </a:r>
           <a:endParaRPr lang="es-ES" sz="2400" kern="1200" dirty="0"/>
@@ -8452,7 +7727,7 @@
         </a:bodyPr>
         <a:lstStyle/>
         <a:p>
-          <a:pPr lvl="0" algn="l" defTabSz="1066800">
+          <a:pPr marL="0" lvl="0" indent="0" algn="l" defTabSz="1066800">
             <a:lnSpc>
               <a:spcPct val="90000"/>
             </a:lnSpc>
@@ -8462,9 +7737,10 @@
             <a:spcAft>
               <a:spcPct val="35000"/>
             </a:spcAft>
+            <a:buNone/>
           </a:pPr>
           <a:r>
-            <a:rPr lang="es-ES" sz="2400" kern="1200" dirty="0" smtClean="0"/>
+            <a:rPr lang="es-ES" sz="2400" kern="1200" dirty="0"/>
             <a:t>La curva de rendimiento incide en las expectativas en la actividad económica, inflación y la política monetaria</a:t>
           </a:r>
           <a:endParaRPr lang="es-ES" sz="2400" kern="1200" dirty="0">
@@ -8582,7 +7858,7 @@
         </a:bodyPr>
         <a:lstStyle/>
         <a:p>
-          <a:pPr lvl="0" algn="l" defTabSz="1066800">
+          <a:pPr marL="0" lvl="0" indent="0" algn="l" defTabSz="1066800">
             <a:lnSpc>
               <a:spcPct val="90000"/>
             </a:lnSpc>
@@ -8592,9 +7868,10 @@
             <a:spcAft>
               <a:spcPct val="35000"/>
             </a:spcAft>
+            <a:buNone/>
           </a:pPr>
           <a:r>
-            <a:rPr lang="es-MX" sz="2400" kern="1200" dirty="0" smtClean="0"/>
+            <a:rPr lang="es-MX" sz="2400" kern="1200" dirty="0"/>
             <a:t>Favorece el desarrollo del mercado de capitales doméstico, primario y secundario</a:t>
           </a:r>
           <a:endParaRPr lang="es-ES" sz="2400" kern="1200" dirty="0"/>
@@ -8710,7 +7987,7 @@
         </a:bodyPr>
         <a:lstStyle/>
         <a:p>
-          <a:pPr lvl="0" algn="l" defTabSz="1066800">
+          <a:pPr marL="0" lvl="0" indent="0" algn="l" defTabSz="1066800">
             <a:lnSpc>
               <a:spcPct val="90000"/>
             </a:lnSpc>
@@ -8720,9 +7997,10 @@
             <a:spcAft>
               <a:spcPct val="35000"/>
             </a:spcAft>
+            <a:buNone/>
           </a:pPr>
           <a:r>
-            <a:rPr lang="es-MX" sz="2400" kern="1200" dirty="0" smtClean="0"/>
+            <a:rPr lang="es-MX" sz="2400" kern="1200" dirty="0"/>
             <a:t>Favorece la valorización de los instrumentos financieros (de deuda y derivados). </a:t>
           </a:r>
           <a:endParaRPr lang="es-ES" sz="2400" kern="1200" dirty="0">
@@ -8856,7 +8134,7 @@
         </a:bodyPr>
         <a:lstStyle/>
         <a:p>
-          <a:pPr lvl="0" algn="r" defTabSz="1066800">
+          <a:pPr marL="0" lvl="0" indent="0" algn="r" defTabSz="1066800">
             <a:lnSpc>
               <a:spcPct val="90000"/>
             </a:lnSpc>
@@ -8866,12 +8144,12 @@
             <a:spcAft>
               <a:spcPct val="35000"/>
             </a:spcAft>
+            <a:buNone/>
           </a:pPr>
           <a:r>
-            <a:rPr lang="es-ES" sz="2400" b="1" kern="1200" dirty="0" smtClean="0"/>
+            <a:rPr lang="es-ES" sz="2400" b="1" kern="1200" dirty="0"/>
             <a:t>Datos</a:t>
           </a:r>
-          <a:endParaRPr lang="es-ES" sz="2400" b="1" kern="1200" dirty="0"/>
         </a:p>
       </dsp:txBody>
       <dsp:txXfrm rot="16200000">
@@ -8921,7 +8199,7 @@
         </a:bodyPr>
         <a:lstStyle/>
         <a:p>
-          <a:pPr lvl="0" algn="l" defTabSz="1066800">
+          <a:pPr marL="0" lvl="0" indent="0" algn="l" defTabSz="1066800">
             <a:lnSpc>
               <a:spcPct val="90000"/>
             </a:lnSpc>
@@ -8931,15 +8209,16 @@
             <a:spcAft>
               <a:spcPct val="35000"/>
             </a:spcAft>
+            <a:buNone/>
           </a:pPr>
           <a:r>
-            <a:rPr lang="es-MX" sz="2400" kern="1200" dirty="0" smtClean="0"/>
+            <a:rPr lang="es-MX" sz="2400" kern="1200" dirty="0"/>
             <a:t>-Rendimientos netos impuestos(colones)</a:t>
           </a:r>
           <a:endParaRPr lang="es-ES" sz="2400" kern="1200" dirty="0"/>
         </a:p>
         <a:p>
-          <a:pPr lvl="0" algn="l" defTabSz="1066800">
+          <a:pPr marL="0" lvl="0" indent="0" algn="l" defTabSz="1066800">
             <a:lnSpc>
               <a:spcPct val="90000"/>
             </a:lnSpc>
@@ -8949,15 +8228,16 @@
             <a:spcAft>
               <a:spcPct val="35000"/>
             </a:spcAft>
+            <a:buNone/>
           </a:pPr>
           <a:r>
-            <a:rPr lang="es-MX" sz="2400" kern="1200" dirty="0" smtClean="0"/>
+            <a:rPr lang="es-MX" sz="2400" kern="1200" dirty="0"/>
             <a:t>-Curva de rendimiento soberana doméstica por el BCCR</a:t>
           </a:r>
           <a:endParaRPr lang="es-ES" sz="2400" kern="1200" dirty="0"/>
         </a:p>
         <a:p>
-          <a:pPr lvl="0" algn="l" defTabSz="1066800">
+          <a:pPr marL="0" lvl="0" indent="0" algn="l" defTabSz="1066800">
             <a:lnSpc>
               <a:spcPct val="90000"/>
             </a:lnSpc>
@@ -8967,22 +8247,23 @@
             <a:spcAft>
               <a:spcPct val="35000"/>
             </a:spcAft>
+            <a:buNone/>
           </a:pPr>
           <a:r>
-            <a:rPr lang="es-MX" sz="2400" kern="1200" dirty="0" smtClean="0"/>
+            <a:rPr lang="es-MX" sz="2400" kern="1200" dirty="0"/>
             <a:t>-Observaciones </a:t>
           </a:r>
           <a:r>
-            <a:rPr lang="es-MX" sz="2400" kern="1200" dirty="0" err="1" smtClean="0"/>
+            <a:rPr lang="es-MX" sz="2400" kern="1200" dirty="0" err="1"/>
             <a:t>semanales:miércoles</a:t>
           </a:r>
           <a:r>
-            <a:rPr lang="es-MX" sz="2400" kern="1200" dirty="0" smtClean="0"/>
+            <a:rPr lang="es-MX" sz="2400" kern="1200" dirty="0"/>
             <a:t> a martes (257) </a:t>
           </a:r>
         </a:p>
         <a:p>
-          <a:pPr lvl="0" algn="l" defTabSz="1066800">
+          <a:pPr marL="0" lvl="0" indent="0" algn="l" defTabSz="1066800">
             <a:lnSpc>
               <a:spcPct val="90000"/>
             </a:lnSpc>
@@ -8992,14 +8273,15 @@
             <a:spcAft>
               <a:spcPct val="35000"/>
             </a:spcAft>
+            <a:buNone/>
           </a:pPr>
           <a:r>
-            <a:rPr lang="es-MX" sz="2400" kern="1200" dirty="0" smtClean="0"/>
+            <a:rPr lang="es-MX" sz="2400" kern="1200" dirty="0"/>
             <a:t>07/10/2015 al 03/11/2020</a:t>
           </a:r>
         </a:p>
         <a:p>
-          <a:pPr lvl="0" algn="l" defTabSz="1066800">
+          <a:pPr marL="0" lvl="0" indent="0" algn="l" defTabSz="1066800">
             <a:lnSpc>
               <a:spcPct val="90000"/>
             </a:lnSpc>
@@ -9009,6 +8291,7 @@
             <a:spcAft>
               <a:spcPct val="35000"/>
             </a:spcAft>
+            <a:buNone/>
           </a:pPr>
           <a:endParaRPr lang="es-ES" sz="2400" kern="1200" dirty="0"/>
         </a:p>
@@ -9076,7 +8359,7 @@
         </a:bodyPr>
         <a:lstStyle/>
         <a:p>
-          <a:pPr lvl="0" algn="r" defTabSz="1066800">
+          <a:pPr marL="0" lvl="0" indent="0" algn="r" defTabSz="1066800">
             <a:lnSpc>
               <a:spcPct val="90000"/>
             </a:lnSpc>
@@ -9086,12 +8369,12 @@
             <a:spcAft>
               <a:spcPct val="35000"/>
             </a:spcAft>
+            <a:buNone/>
           </a:pPr>
           <a:r>
-            <a:rPr lang="es-ES" sz="2400" b="1" kern="1200" dirty="0" smtClean="0"/>
+            <a:rPr lang="es-ES" sz="2400" b="1" kern="1200" dirty="0"/>
             <a:t>Variables</a:t>
           </a:r>
-          <a:endParaRPr lang="es-ES" sz="2400" b="1" kern="1200" dirty="0"/>
         </a:p>
       </dsp:txBody>
       <dsp:txXfrm rot="16200000">
@@ -9190,7 +8473,7 @@
         </a:bodyPr>
         <a:lstStyle/>
         <a:p>
-          <a:pPr lvl="0" algn="l" defTabSz="1066800">
+          <a:pPr marL="0" lvl="0" indent="0" algn="l" defTabSz="1066800">
             <a:lnSpc>
               <a:spcPct val="90000"/>
             </a:lnSpc>
@@ -9200,14 +8483,15 @@
             <a:spcAft>
               <a:spcPct val="35000"/>
             </a:spcAft>
+            <a:buNone/>
           </a:pPr>
           <a:r>
-            <a:rPr lang="es-MX" sz="2400" kern="1200" dirty="0" smtClean="0"/>
+            <a:rPr lang="es-MX" sz="2400" kern="1200" dirty="0"/>
             <a:t>-Para cada semana se tomaron 3600 rendimientos</a:t>
           </a:r>
         </a:p>
         <a:p>
-          <a:pPr lvl="0" algn="l" defTabSz="1066800">
+          <a:pPr marL="0" lvl="0" indent="0" algn="l" defTabSz="1066800">
             <a:lnSpc>
               <a:spcPct val="90000"/>
             </a:lnSpc>
@@ -9217,9 +8501,10 @@
             <a:spcAft>
               <a:spcPct val="35000"/>
             </a:spcAft>
+            <a:buNone/>
           </a:pPr>
           <a:r>
-            <a:rPr lang="es-MX" sz="2400" kern="1200" dirty="0" smtClean="0"/>
+            <a:rPr lang="es-MX" sz="2400" kern="1200" dirty="0"/>
             <a:t>-Técnica de componentes principales (ACP) </a:t>
           </a:r>
         </a:p>
@@ -9287,7 +8572,7 @@
         </a:bodyPr>
         <a:lstStyle/>
         <a:p>
-          <a:pPr lvl="0" algn="r" defTabSz="1066800">
+          <a:pPr marL="0" lvl="0" indent="0" algn="r" defTabSz="1066800">
             <a:lnSpc>
               <a:spcPct val="90000"/>
             </a:lnSpc>
@@ -9297,12 +8582,12 @@
             <a:spcAft>
               <a:spcPct val="35000"/>
             </a:spcAft>
+            <a:buNone/>
           </a:pPr>
           <a:r>
-            <a:rPr lang="es-ES" sz="2400" b="1" kern="1200" dirty="0" smtClean="0"/>
+            <a:rPr lang="es-ES" sz="2400" b="1" kern="1200" dirty="0"/>
             <a:t>Indicador</a:t>
           </a:r>
-          <a:endParaRPr lang="es-ES" sz="2400" b="1" kern="1200" dirty="0"/>
         </a:p>
       </dsp:txBody>
       <dsp:txXfrm rot="16200000">
@@ -9401,7 +8686,7 @@
         </a:bodyPr>
         <a:lstStyle/>
         <a:p>
-          <a:pPr lvl="0" algn="l" defTabSz="1066800">
+          <a:pPr marL="0" lvl="0" indent="0" algn="l" defTabSz="1066800">
             <a:lnSpc>
               <a:spcPct val="90000"/>
             </a:lnSpc>
@@ -9411,15 +8696,16 @@
             <a:spcAft>
               <a:spcPct val="35000"/>
             </a:spcAft>
+            <a:buNone/>
           </a:pPr>
           <a:r>
-            <a:rPr lang="es-MX" sz="2400" kern="1200" dirty="0" smtClean="0"/>
+            <a:rPr lang="es-MX" sz="2400" kern="1200" dirty="0"/>
             <a:t>-Tres primeros componentes principales</a:t>
           </a:r>
           <a:endParaRPr lang="es-ES" sz="2400" i="0" kern="1200" dirty="0"/>
         </a:p>
         <a:p>
-          <a:pPr lvl="0" algn="l" defTabSz="1066800">
+          <a:pPr marL="0" lvl="0" indent="0" algn="l" defTabSz="1066800">
             <a:lnSpc>
               <a:spcPct val="90000"/>
             </a:lnSpc>
@@ -9429,9 +8715,10 @@
             <a:spcAft>
               <a:spcPct val="35000"/>
             </a:spcAft>
+            <a:buNone/>
           </a:pPr>
           <a:r>
-            <a:rPr lang="es-MX" sz="2400" kern="1200" dirty="0" smtClean="0"/>
+            <a:rPr lang="es-MX" sz="2400" kern="1200" dirty="0"/>
             <a:t>-Suma ponderada de los 3 primeros componentes, ponderadores: proporción de variancia explicada en cada componente.</a:t>
           </a:r>
           <a:endParaRPr lang="es-ES" sz="2400" i="0" kern="1200" dirty="0"/>
@@ -9512,7 +8799,7 @@
         </a:bodyPr>
         <a:lstStyle/>
         <a:p>
-          <a:pPr lvl="0" algn="r" defTabSz="1066800">
+          <a:pPr marL="0" lvl="0" indent="0" algn="r" defTabSz="1066800">
             <a:lnSpc>
               <a:spcPct val="90000"/>
             </a:lnSpc>
@@ -9522,12 +8809,12 @@
             <a:spcAft>
               <a:spcPct val="35000"/>
             </a:spcAft>
+            <a:buNone/>
           </a:pPr>
           <a:r>
-            <a:rPr lang="es-ES" sz="2400" b="1" kern="1200" dirty="0" smtClean="0"/>
+            <a:rPr lang="es-ES" sz="2400" b="1" kern="1200" dirty="0"/>
             <a:t>Indicador</a:t>
           </a:r>
-          <a:endParaRPr lang="es-ES" sz="2400" b="1" kern="1200" dirty="0"/>
         </a:p>
       </dsp:txBody>
       <dsp:txXfrm rot="16200000">
@@ -9577,7 +8864,7 @@
         </a:bodyPr>
         <a:lstStyle/>
         <a:p>
-          <a:pPr lvl="0" algn="l" defTabSz="1066800">
+          <a:pPr marL="0" lvl="0" indent="0" algn="l" defTabSz="1066800">
             <a:lnSpc>
               <a:spcPct val="90000"/>
             </a:lnSpc>
@@ -9587,15 +8874,16 @@
             <a:spcAft>
               <a:spcPct val="35000"/>
             </a:spcAft>
+            <a:buNone/>
           </a:pPr>
           <a:r>
-            <a:rPr lang="es-MX" sz="2400" kern="1200" dirty="0" smtClean="0"/>
+            <a:rPr lang="es-MX" sz="2400" kern="1200" dirty="0"/>
             <a:t>-Se estandarizó para una mejor interpretación</a:t>
           </a:r>
           <a:endParaRPr lang="es-ES" sz="2400" kern="1200" dirty="0"/>
         </a:p>
         <a:p>
-          <a:pPr lvl="0" algn="l" defTabSz="1066800">
+          <a:pPr marL="0" lvl="0" indent="0" algn="l" defTabSz="1066800">
             <a:lnSpc>
               <a:spcPct val="90000"/>
             </a:lnSpc>
@@ -9605,6 +8893,7 @@
             <a:spcAft>
               <a:spcPct val="35000"/>
             </a:spcAft>
+            <a:buNone/>
           </a:pPr>
           <a:endParaRPr lang="es-ES" sz="2400" kern="1200" dirty="0"/>
         </a:p>
@@ -9672,7 +8961,7 @@
         </a:bodyPr>
         <a:lstStyle/>
         <a:p>
-          <a:pPr lvl="0" algn="r" defTabSz="1066800">
+          <a:pPr marL="0" lvl="0" indent="0" algn="r" defTabSz="1066800">
             <a:lnSpc>
               <a:spcPct val="90000"/>
             </a:lnSpc>
@@ -9682,12 +8971,12 @@
             <a:spcAft>
               <a:spcPct val="35000"/>
             </a:spcAft>
+            <a:buNone/>
           </a:pPr>
           <a:r>
-            <a:rPr lang="es-ES" sz="2400" b="1" kern="1200" dirty="0" smtClean="0"/>
+            <a:rPr lang="es-ES" sz="2400" b="1" kern="1200" dirty="0"/>
             <a:t>Validación</a:t>
           </a:r>
-          <a:endParaRPr lang="es-ES" sz="2400" b="1" kern="1200" dirty="0"/>
         </a:p>
       </dsp:txBody>
       <dsp:txXfrm rot="16200000">
@@ -9786,7 +9075,7 @@
         </a:bodyPr>
         <a:lstStyle/>
         <a:p>
-          <a:pPr lvl="0" algn="l" defTabSz="1066800">
+          <a:pPr marL="0" lvl="0" indent="0" algn="l" defTabSz="1066800">
             <a:lnSpc>
               <a:spcPct val="90000"/>
             </a:lnSpc>
@@ -9796,22 +9085,23 @@
             <a:spcAft>
               <a:spcPct val="35000"/>
             </a:spcAft>
+            <a:buNone/>
           </a:pPr>
           <a:r>
-            <a:rPr lang="es-MX" sz="2400" kern="1200" dirty="0" smtClean="0"/>
+            <a:rPr lang="es-MX" sz="2400" kern="1200" dirty="0"/>
             <a:t>-M</a:t>
           </a:r>
           <a:r>
-            <a:rPr lang="es-ES" sz="2400" kern="1200" dirty="0" err="1" smtClean="0"/>
+            <a:rPr lang="es-ES" sz="2400" kern="1200" dirty="0" err="1"/>
             <a:t>edidas</a:t>
           </a:r>
           <a:r>
-            <a:rPr lang="es-ES" sz="2400" kern="1200" dirty="0" smtClean="0"/>
+            <a:rPr lang="es-ES" sz="2400" kern="1200" dirty="0"/>
             <a:t> de ajuste con la curva de la mediana de los rendimientos</a:t>
           </a:r>
         </a:p>
         <a:p>
-          <a:pPr lvl="0" algn="l" defTabSz="1066800">
+          <a:pPr marL="0" lvl="0" indent="0" algn="l" defTabSz="1066800">
             <a:lnSpc>
               <a:spcPct val="90000"/>
             </a:lnSpc>
@@ -9821,22 +9111,23 @@
             <a:spcAft>
               <a:spcPct val="35000"/>
             </a:spcAft>
+            <a:buNone/>
           </a:pPr>
           <a:r>
-            <a:rPr lang="es-MX" sz="2400" kern="1200" dirty="0" smtClean="0"/>
+            <a:rPr lang="es-MX" sz="2400" kern="1200" dirty="0"/>
             <a:t>-E</a:t>
           </a:r>
           <a:r>
-            <a:rPr lang="es-ES" sz="2400" kern="1200" dirty="0" err="1" smtClean="0"/>
+            <a:rPr lang="es-ES" sz="2400" kern="1200" dirty="0" err="1"/>
             <a:t>scenarios</a:t>
           </a:r>
           <a:r>
-            <a:rPr lang="es-ES" sz="2400" kern="1200" dirty="0" smtClean="0"/>
+            <a:rPr lang="es-ES" sz="2400" kern="1200" dirty="0"/>
             <a:t>: </a:t>
           </a:r>
         </a:p>
         <a:p>
-          <a:pPr lvl="0" algn="l" defTabSz="1066800">
+          <a:pPr marL="0" lvl="0" indent="0" algn="l" defTabSz="1066800">
             <a:lnSpc>
               <a:spcPct val="90000"/>
             </a:lnSpc>
@@ -9846,14 +9137,15 @@
             <a:spcAft>
               <a:spcPct val="35000"/>
             </a:spcAft>
+            <a:buNone/>
           </a:pPr>
           <a:r>
-            <a:rPr lang="es-ES" sz="2400" kern="1200" dirty="0" smtClean="0"/>
+            <a:rPr lang="es-ES" sz="2400" kern="1200" dirty="0"/>
             <a:t>Comportamiento Indicador, comportamiento de las curvas ,</a:t>
           </a:r>
         </a:p>
         <a:p>
-          <a:pPr lvl="0" algn="l" defTabSz="1066800">
+          <a:pPr marL="0" lvl="0" indent="0" algn="l" defTabSz="1066800">
             <a:lnSpc>
               <a:spcPct val="90000"/>
             </a:lnSpc>
@@ -9863,12 +9155,13 @@
             <a:spcAft>
               <a:spcPct val="35000"/>
             </a:spcAft>
+            <a:buNone/>
           </a:pPr>
           <a:r>
-            <a:rPr lang="es-ES" sz="2400" kern="1200" dirty="0" smtClean="0"/>
+            <a:rPr lang="es-ES" sz="2400" kern="1200" dirty="0"/>
             <a:t>factores no observables.</a:t>
           </a:r>
-          <a:endParaRPr lang="es-MX" sz="2400" kern="1200" dirty="0" smtClean="0"/>
+          <a:endParaRPr lang="es-MX" sz="2400" kern="1200" dirty="0"/>
         </a:p>
       </dsp:txBody>
       <dsp:txXfrm>
@@ -9934,7 +9227,7 @@
         </a:bodyPr>
         <a:lstStyle/>
         <a:p>
-          <a:pPr lvl="0" algn="r" defTabSz="1066800">
+          <a:pPr marL="0" lvl="0" indent="0" algn="r" defTabSz="1066800">
             <a:lnSpc>
               <a:spcPct val="90000"/>
             </a:lnSpc>
@@ -9944,12 +9237,12 @@
             <a:spcAft>
               <a:spcPct val="35000"/>
             </a:spcAft>
+            <a:buNone/>
           </a:pPr>
           <a:r>
-            <a:rPr lang="es-ES" sz="2400" b="1" kern="1200" dirty="0" smtClean="0"/>
+            <a:rPr lang="es-ES" sz="2400" b="1" kern="1200" dirty="0"/>
             <a:t>Calibración</a:t>
           </a:r>
-          <a:endParaRPr lang="es-ES" sz="2400" b="1" kern="1200" dirty="0"/>
         </a:p>
       </dsp:txBody>
       <dsp:txXfrm rot="16200000">
@@ -10048,7 +9341,7 @@
         </a:bodyPr>
         <a:lstStyle/>
         <a:p>
-          <a:pPr lvl="0" algn="l" defTabSz="1066800">
+          <a:pPr marL="0" lvl="0" indent="0" algn="l" defTabSz="1066800">
             <a:lnSpc>
               <a:spcPct val="90000"/>
             </a:lnSpc>
@@ -10058,6 +9351,7 @@
             <a:spcAft>
               <a:spcPct val="35000"/>
             </a:spcAft>
+            <a:buNone/>
           </a:pPr>
           <a:endParaRPr lang="es-ES" sz="2400" i="0" kern="1200" dirty="0"/>
         </a:p>
@@ -19833,7 +19127,7 @@
           <a:p>
             <a:fld id="{42A58507-FD0A-401B-980B-48D26EE0BA18}" type="datetimeFigureOut">
               <a:rPr lang="en-US" smtClean="0"/>
-              <a:t>12/3/2020</a:t>
+              <a:t>12/4/20</a:t>
             </a:fld>
             <a:endParaRPr lang="en-US"/>
           </a:p>
@@ -19897,35 +19191,35 @@
           <a:p>
             <a:pPr lvl="0"/>
             <a:r>
-              <a:rPr lang="es-ES" smtClean="0"/>
+              <a:rPr lang="es-ES"/>
               <a:t>Editar el estilo de texto del patrón</a:t>
             </a:r>
           </a:p>
           <a:p>
             <a:pPr lvl="1"/>
             <a:r>
-              <a:rPr lang="es-ES" smtClean="0"/>
+              <a:rPr lang="es-ES"/>
               <a:t>Segundo nivel</a:t>
             </a:r>
           </a:p>
           <a:p>
             <a:pPr lvl="2"/>
             <a:r>
-              <a:rPr lang="es-ES" smtClean="0"/>
+              <a:rPr lang="es-ES"/>
               <a:t>Tercer nivel</a:t>
             </a:r>
           </a:p>
           <a:p>
             <a:pPr lvl="3"/>
             <a:r>
-              <a:rPr lang="es-ES" smtClean="0"/>
+              <a:rPr lang="es-ES"/>
               <a:t>Cuarto nivel</a:t>
             </a:r>
           </a:p>
           <a:p>
             <a:pPr lvl="4"/>
             <a:r>
-              <a:rPr lang="es-ES" smtClean="0"/>
+              <a:rPr lang="es-ES"/>
               <a:t>Quinto nivel</a:t>
             </a:r>
             <a:endParaRPr lang="en-US"/>
@@ -19992,7 +19286,7 @@
           <a:p>
             <a:fld id="{4DB0B643-D539-4032-A2CB-9DF23AEBC55D}" type="slidenum">
               <a:rPr lang="en-US" smtClean="0"/>
-              <a:t>‹Nº›</a:t>
+              <a:t>‹#›</a:t>
             </a:fld>
             <a:endParaRPr lang="en-US"/>
           </a:p>
@@ -20143,7 +19437,7 @@
           </a:lstStyle>
           <a:p>
             <a:r>
-              <a:rPr lang="es-ES" smtClean="0"/>
+              <a:rPr lang="es-ES"/>
               <a:t>Haga clic para modificar el estilo de título del patrón</a:t>
             </a:r>
             <a:endParaRPr lang="en-US"/>
@@ -20208,7 +19502,7 @@
           </a:lstStyle>
           <a:p>
             <a:r>
-              <a:rPr lang="es-ES" smtClean="0"/>
+              <a:rPr lang="es-ES"/>
               <a:t>Haga clic para editar el estilo de subtítulo del patrón</a:t>
             </a:r>
             <a:endParaRPr lang="en-US"/>
@@ -20232,7 +19526,7 @@
           <a:p>
             <a:fld id="{1AF0AD8E-75CA-4B54-8233-CE40F850F5D9}" type="datetimeFigureOut">
               <a:rPr lang="en-US" smtClean="0"/>
-              <a:t>12/3/2020</a:t>
+              <a:t>12/4/20</a:t>
             </a:fld>
             <a:endParaRPr lang="en-US"/>
           </a:p>
@@ -20274,7 +19568,7 @@
           <a:p>
             <a:fld id="{69BC9CEF-3AE2-4414-9973-D02EB12084E0}" type="slidenum">
               <a:rPr lang="en-US" smtClean="0"/>
-              <a:t>‹Nº›</a:t>
+              <a:t>‹#›</a:t>
             </a:fld>
             <a:endParaRPr lang="en-US"/>
           </a:p>
@@ -20326,7 +19620,7 @@
           <a:lstStyle/>
           <a:p>
             <a:r>
-              <a:rPr lang="es-ES" smtClean="0"/>
+              <a:rPr lang="es-ES"/>
               <a:t>Haga clic para modificar el estilo de título del patrón</a:t>
             </a:r>
             <a:endParaRPr lang="en-US"/>
@@ -20350,35 +19644,35 @@
           <a:p>
             <a:pPr lvl="0"/>
             <a:r>
-              <a:rPr lang="es-ES" smtClean="0"/>
+              <a:rPr lang="es-ES"/>
               <a:t>Editar el estilo de texto del patrón</a:t>
             </a:r>
           </a:p>
           <a:p>
             <a:pPr lvl="1"/>
             <a:r>
-              <a:rPr lang="es-ES" smtClean="0"/>
+              <a:rPr lang="es-ES"/>
               <a:t>Segundo nivel</a:t>
             </a:r>
           </a:p>
           <a:p>
             <a:pPr lvl="2"/>
             <a:r>
-              <a:rPr lang="es-ES" smtClean="0"/>
+              <a:rPr lang="es-ES"/>
               <a:t>Tercer nivel</a:t>
             </a:r>
           </a:p>
           <a:p>
             <a:pPr lvl="3"/>
             <a:r>
-              <a:rPr lang="es-ES" smtClean="0"/>
+              <a:rPr lang="es-ES"/>
               <a:t>Cuarto nivel</a:t>
             </a:r>
           </a:p>
           <a:p>
             <a:pPr lvl="4"/>
             <a:r>
-              <a:rPr lang="es-ES" smtClean="0"/>
+              <a:rPr lang="es-ES"/>
               <a:t>Quinto nivel</a:t>
             </a:r>
             <a:endParaRPr lang="en-US"/>
@@ -20402,7 +19696,7 @@
           <a:p>
             <a:fld id="{1AF0AD8E-75CA-4B54-8233-CE40F850F5D9}" type="datetimeFigureOut">
               <a:rPr lang="en-US" smtClean="0"/>
-              <a:t>12/3/2020</a:t>
+              <a:t>12/4/20</a:t>
             </a:fld>
             <a:endParaRPr lang="en-US"/>
           </a:p>
@@ -20444,7 +19738,7 @@
           <a:p>
             <a:fld id="{69BC9CEF-3AE2-4414-9973-D02EB12084E0}" type="slidenum">
               <a:rPr lang="en-US" smtClean="0"/>
-              <a:t>‹Nº›</a:t>
+              <a:t>‹#›</a:t>
             </a:fld>
             <a:endParaRPr lang="en-US"/>
           </a:p>
@@ -20501,7 +19795,7 @@
           <a:lstStyle/>
           <a:p>
             <a:r>
-              <a:rPr lang="es-ES" smtClean="0"/>
+              <a:rPr lang="es-ES"/>
               <a:t>Haga clic para modificar el estilo de título del patrón</a:t>
             </a:r>
             <a:endParaRPr lang="en-US"/>
@@ -20530,35 +19824,35 @@
           <a:p>
             <a:pPr lvl="0"/>
             <a:r>
-              <a:rPr lang="es-ES" smtClean="0"/>
+              <a:rPr lang="es-ES"/>
               <a:t>Editar el estilo de texto del patrón</a:t>
             </a:r>
           </a:p>
           <a:p>
             <a:pPr lvl="1"/>
             <a:r>
-              <a:rPr lang="es-ES" smtClean="0"/>
+              <a:rPr lang="es-ES"/>
               <a:t>Segundo nivel</a:t>
             </a:r>
           </a:p>
           <a:p>
             <a:pPr lvl="2"/>
             <a:r>
-              <a:rPr lang="es-ES" smtClean="0"/>
+              <a:rPr lang="es-ES"/>
               <a:t>Tercer nivel</a:t>
             </a:r>
           </a:p>
           <a:p>
             <a:pPr lvl="3"/>
             <a:r>
-              <a:rPr lang="es-ES" smtClean="0"/>
+              <a:rPr lang="es-ES"/>
               <a:t>Cuarto nivel</a:t>
             </a:r>
           </a:p>
           <a:p>
             <a:pPr lvl="4"/>
             <a:r>
-              <a:rPr lang="es-ES" smtClean="0"/>
+              <a:rPr lang="es-ES"/>
               <a:t>Quinto nivel</a:t>
             </a:r>
             <a:endParaRPr lang="en-US"/>
@@ -20582,7 +19876,7 @@
           <a:p>
             <a:fld id="{1AF0AD8E-75CA-4B54-8233-CE40F850F5D9}" type="datetimeFigureOut">
               <a:rPr lang="en-US" smtClean="0"/>
-              <a:t>12/3/2020</a:t>
+              <a:t>12/4/20</a:t>
             </a:fld>
             <a:endParaRPr lang="en-US"/>
           </a:p>
@@ -20624,7 +19918,7 @@
           <a:p>
             <a:fld id="{69BC9CEF-3AE2-4414-9973-D02EB12084E0}" type="slidenum">
               <a:rPr lang="en-US" smtClean="0"/>
-              <a:t>‹Nº›</a:t>
+              <a:t>‹#›</a:t>
             </a:fld>
             <a:endParaRPr lang="en-US"/>
           </a:p>
@@ -20676,7 +19970,7 @@
           <a:lstStyle/>
           <a:p>
             <a:r>
-              <a:rPr lang="es-ES" smtClean="0"/>
+              <a:rPr lang="es-ES"/>
               <a:t>Haga clic para modificar el estilo de título del patrón</a:t>
             </a:r>
             <a:endParaRPr lang="en-US"/>
@@ -20700,35 +19994,35 @@
           <a:p>
             <a:pPr lvl="0"/>
             <a:r>
-              <a:rPr lang="es-ES" smtClean="0"/>
+              <a:rPr lang="es-ES"/>
               <a:t>Editar el estilo de texto del patrón</a:t>
             </a:r>
           </a:p>
           <a:p>
             <a:pPr lvl="1"/>
             <a:r>
-              <a:rPr lang="es-ES" smtClean="0"/>
+              <a:rPr lang="es-ES"/>
               <a:t>Segundo nivel</a:t>
             </a:r>
           </a:p>
           <a:p>
             <a:pPr lvl="2"/>
             <a:r>
-              <a:rPr lang="es-ES" smtClean="0"/>
+              <a:rPr lang="es-ES"/>
               <a:t>Tercer nivel</a:t>
             </a:r>
           </a:p>
           <a:p>
             <a:pPr lvl="3"/>
             <a:r>
-              <a:rPr lang="es-ES" smtClean="0"/>
+              <a:rPr lang="es-ES"/>
               <a:t>Cuarto nivel</a:t>
             </a:r>
           </a:p>
           <a:p>
             <a:pPr lvl="4"/>
             <a:r>
-              <a:rPr lang="es-ES" smtClean="0"/>
+              <a:rPr lang="es-ES"/>
               <a:t>Quinto nivel</a:t>
             </a:r>
             <a:endParaRPr lang="en-US"/>
@@ -20752,7 +20046,7 @@
           <a:p>
             <a:fld id="{1AF0AD8E-75CA-4B54-8233-CE40F850F5D9}" type="datetimeFigureOut">
               <a:rPr lang="en-US" smtClean="0"/>
-              <a:t>12/3/2020</a:t>
+              <a:t>12/4/20</a:t>
             </a:fld>
             <a:endParaRPr lang="en-US"/>
           </a:p>
@@ -20794,7 +20088,7 @@
           <a:p>
             <a:fld id="{69BC9CEF-3AE2-4414-9973-D02EB12084E0}" type="slidenum">
               <a:rPr lang="en-US" smtClean="0"/>
-              <a:t>‹Nº›</a:t>
+              <a:t>‹#›</a:t>
             </a:fld>
             <a:endParaRPr lang="en-US"/>
           </a:p>
@@ -20855,7 +20149,7 @@
           </a:lstStyle>
           <a:p>
             <a:r>
-              <a:rPr lang="es-ES" smtClean="0"/>
+              <a:rPr lang="es-ES"/>
               <a:t>Haga clic para modificar el estilo de título del patrón</a:t>
             </a:r>
             <a:endParaRPr lang="en-US"/>
@@ -20975,7 +20269,7 @@
           <a:p>
             <a:pPr lvl="0"/>
             <a:r>
-              <a:rPr lang="es-ES" smtClean="0"/>
+              <a:rPr lang="es-ES"/>
               <a:t>Editar el estilo de texto del patrón</a:t>
             </a:r>
           </a:p>
@@ -20998,7 +20292,7 @@
           <a:p>
             <a:fld id="{1AF0AD8E-75CA-4B54-8233-CE40F850F5D9}" type="datetimeFigureOut">
               <a:rPr lang="en-US" smtClean="0"/>
-              <a:t>12/3/2020</a:t>
+              <a:t>12/4/20</a:t>
             </a:fld>
             <a:endParaRPr lang="en-US"/>
           </a:p>
@@ -21040,7 +20334,7 @@
           <a:p>
             <a:fld id="{69BC9CEF-3AE2-4414-9973-D02EB12084E0}" type="slidenum">
               <a:rPr lang="en-US" smtClean="0"/>
-              <a:t>‹Nº›</a:t>
+              <a:t>‹#›</a:t>
             </a:fld>
             <a:endParaRPr lang="en-US"/>
           </a:p>
@@ -21092,7 +20386,7 @@
           <a:lstStyle/>
           <a:p>
             <a:r>
-              <a:rPr lang="es-ES" smtClean="0"/>
+              <a:rPr lang="es-ES"/>
               <a:t>Haga clic para modificar el estilo de título del patrón</a:t>
             </a:r>
             <a:endParaRPr lang="en-US"/>
@@ -21121,35 +20415,35 @@
           <a:p>
             <a:pPr lvl="0"/>
             <a:r>
-              <a:rPr lang="es-ES" smtClean="0"/>
+              <a:rPr lang="es-ES"/>
               <a:t>Editar el estilo de texto del patrón</a:t>
             </a:r>
           </a:p>
           <a:p>
             <a:pPr lvl="1"/>
             <a:r>
-              <a:rPr lang="es-ES" smtClean="0"/>
+              <a:rPr lang="es-ES"/>
               <a:t>Segundo nivel</a:t>
             </a:r>
           </a:p>
           <a:p>
             <a:pPr lvl="2"/>
             <a:r>
-              <a:rPr lang="es-ES" smtClean="0"/>
+              <a:rPr lang="es-ES"/>
               <a:t>Tercer nivel</a:t>
             </a:r>
           </a:p>
           <a:p>
             <a:pPr lvl="3"/>
             <a:r>
-              <a:rPr lang="es-ES" smtClean="0"/>
+              <a:rPr lang="es-ES"/>
               <a:t>Cuarto nivel</a:t>
             </a:r>
           </a:p>
           <a:p>
             <a:pPr lvl="4"/>
             <a:r>
-              <a:rPr lang="es-ES" smtClean="0"/>
+              <a:rPr lang="es-ES"/>
               <a:t>Quinto nivel</a:t>
             </a:r>
             <a:endParaRPr lang="en-US"/>
@@ -21178,35 +20472,35 @@
           <a:p>
             <a:pPr lvl="0"/>
             <a:r>
-              <a:rPr lang="es-ES" smtClean="0"/>
+              <a:rPr lang="es-ES"/>
               <a:t>Editar el estilo de texto del patrón</a:t>
             </a:r>
           </a:p>
           <a:p>
             <a:pPr lvl="1"/>
             <a:r>
-              <a:rPr lang="es-ES" smtClean="0"/>
+              <a:rPr lang="es-ES"/>
               <a:t>Segundo nivel</a:t>
             </a:r>
           </a:p>
           <a:p>
             <a:pPr lvl="2"/>
             <a:r>
-              <a:rPr lang="es-ES" smtClean="0"/>
+              <a:rPr lang="es-ES"/>
               <a:t>Tercer nivel</a:t>
             </a:r>
           </a:p>
           <a:p>
             <a:pPr lvl="3"/>
             <a:r>
-              <a:rPr lang="es-ES" smtClean="0"/>
+              <a:rPr lang="es-ES"/>
               <a:t>Cuarto nivel</a:t>
             </a:r>
           </a:p>
           <a:p>
             <a:pPr lvl="4"/>
             <a:r>
-              <a:rPr lang="es-ES" smtClean="0"/>
+              <a:rPr lang="es-ES"/>
               <a:t>Quinto nivel</a:t>
             </a:r>
             <a:endParaRPr lang="en-US"/>
@@ -21230,7 +20524,7 @@
           <a:p>
             <a:fld id="{1AF0AD8E-75CA-4B54-8233-CE40F850F5D9}" type="datetimeFigureOut">
               <a:rPr lang="en-US" smtClean="0"/>
-              <a:t>12/3/2020</a:t>
+              <a:t>12/4/20</a:t>
             </a:fld>
             <a:endParaRPr lang="en-US"/>
           </a:p>
@@ -21272,7 +20566,7 @@
           <a:p>
             <a:fld id="{69BC9CEF-3AE2-4414-9973-D02EB12084E0}" type="slidenum">
               <a:rPr lang="en-US" smtClean="0"/>
-              <a:t>‹Nº›</a:t>
+              <a:t>‹#›</a:t>
             </a:fld>
             <a:endParaRPr lang="en-US"/>
           </a:p>
@@ -21329,7 +20623,7 @@
           <a:lstStyle/>
           <a:p>
             <a:r>
-              <a:rPr lang="es-ES" smtClean="0"/>
+              <a:rPr lang="es-ES"/>
               <a:t>Haga clic para modificar el estilo de título del patrón</a:t>
             </a:r>
             <a:endParaRPr lang="en-US"/>
@@ -21395,7 +20689,7 @@
           <a:p>
             <a:pPr lvl="0"/>
             <a:r>
-              <a:rPr lang="es-ES" smtClean="0"/>
+              <a:rPr lang="es-ES"/>
               <a:t>Editar el estilo de texto del patrón</a:t>
             </a:r>
           </a:p>
@@ -21423,35 +20717,35 @@
           <a:p>
             <a:pPr lvl="0"/>
             <a:r>
-              <a:rPr lang="es-ES" smtClean="0"/>
+              <a:rPr lang="es-ES"/>
               <a:t>Editar el estilo de texto del patrón</a:t>
             </a:r>
           </a:p>
           <a:p>
             <a:pPr lvl="1"/>
             <a:r>
-              <a:rPr lang="es-ES" smtClean="0"/>
+              <a:rPr lang="es-ES"/>
               <a:t>Segundo nivel</a:t>
             </a:r>
           </a:p>
           <a:p>
             <a:pPr lvl="2"/>
             <a:r>
-              <a:rPr lang="es-ES" smtClean="0"/>
+              <a:rPr lang="es-ES"/>
               <a:t>Tercer nivel</a:t>
             </a:r>
           </a:p>
           <a:p>
             <a:pPr lvl="3"/>
             <a:r>
-              <a:rPr lang="es-ES" smtClean="0"/>
+              <a:rPr lang="es-ES"/>
               <a:t>Cuarto nivel</a:t>
             </a:r>
           </a:p>
           <a:p>
             <a:pPr lvl="4"/>
             <a:r>
-              <a:rPr lang="es-ES" smtClean="0"/>
+              <a:rPr lang="es-ES"/>
               <a:t>Quinto nivel</a:t>
             </a:r>
             <a:endParaRPr lang="en-US"/>
@@ -21517,7 +20811,7 @@
           <a:p>
             <a:pPr lvl="0"/>
             <a:r>
-              <a:rPr lang="es-ES" smtClean="0"/>
+              <a:rPr lang="es-ES"/>
               <a:t>Editar el estilo de texto del patrón</a:t>
             </a:r>
           </a:p>
@@ -21545,35 +20839,35 @@
           <a:p>
             <a:pPr lvl="0"/>
             <a:r>
-              <a:rPr lang="es-ES" smtClean="0"/>
+              <a:rPr lang="es-ES"/>
               <a:t>Editar el estilo de texto del patrón</a:t>
             </a:r>
           </a:p>
           <a:p>
             <a:pPr lvl="1"/>
             <a:r>
-              <a:rPr lang="es-ES" smtClean="0"/>
+              <a:rPr lang="es-ES"/>
               <a:t>Segundo nivel</a:t>
             </a:r>
           </a:p>
           <a:p>
             <a:pPr lvl="2"/>
             <a:r>
-              <a:rPr lang="es-ES" smtClean="0"/>
+              <a:rPr lang="es-ES"/>
               <a:t>Tercer nivel</a:t>
             </a:r>
           </a:p>
           <a:p>
             <a:pPr lvl="3"/>
             <a:r>
-              <a:rPr lang="es-ES" smtClean="0"/>
+              <a:rPr lang="es-ES"/>
               <a:t>Cuarto nivel</a:t>
             </a:r>
           </a:p>
           <a:p>
             <a:pPr lvl="4"/>
             <a:r>
-              <a:rPr lang="es-ES" smtClean="0"/>
+              <a:rPr lang="es-ES"/>
               <a:t>Quinto nivel</a:t>
             </a:r>
             <a:endParaRPr lang="en-US"/>
@@ -21597,7 +20891,7 @@
           <a:p>
             <a:fld id="{1AF0AD8E-75CA-4B54-8233-CE40F850F5D9}" type="datetimeFigureOut">
               <a:rPr lang="en-US" smtClean="0"/>
-              <a:t>12/3/2020</a:t>
+              <a:t>12/4/20</a:t>
             </a:fld>
             <a:endParaRPr lang="en-US"/>
           </a:p>
@@ -21639,7 +20933,7 @@
           <a:p>
             <a:fld id="{69BC9CEF-3AE2-4414-9973-D02EB12084E0}" type="slidenum">
               <a:rPr lang="en-US" smtClean="0"/>
-              <a:t>‹Nº›</a:t>
+              <a:t>‹#›</a:t>
             </a:fld>
             <a:endParaRPr lang="en-US"/>
           </a:p>
@@ -21691,7 +20985,7 @@
           <a:lstStyle/>
           <a:p>
             <a:r>
-              <a:rPr lang="es-ES" smtClean="0"/>
+              <a:rPr lang="es-ES"/>
               <a:t>Haga clic para modificar el estilo de título del patrón</a:t>
             </a:r>
             <a:endParaRPr lang="en-US"/>
@@ -21715,7 +21009,7 @@
           <a:p>
             <a:fld id="{1AF0AD8E-75CA-4B54-8233-CE40F850F5D9}" type="datetimeFigureOut">
               <a:rPr lang="en-US" smtClean="0"/>
-              <a:t>12/3/2020</a:t>
+              <a:t>12/4/20</a:t>
             </a:fld>
             <a:endParaRPr lang="en-US"/>
           </a:p>
@@ -21757,7 +21051,7 @@
           <a:p>
             <a:fld id="{69BC9CEF-3AE2-4414-9973-D02EB12084E0}" type="slidenum">
               <a:rPr lang="en-US" smtClean="0"/>
-              <a:t>‹Nº›</a:t>
+              <a:t>‹#›</a:t>
             </a:fld>
             <a:endParaRPr lang="en-US"/>
           </a:p>
@@ -21810,7 +21104,7 @@
           <a:p>
             <a:fld id="{1AF0AD8E-75CA-4B54-8233-CE40F850F5D9}" type="datetimeFigureOut">
               <a:rPr lang="en-US" smtClean="0"/>
-              <a:t>12/3/2020</a:t>
+              <a:t>12/4/20</a:t>
             </a:fld>
             <a:endParaRPr lang="en-US"/>
           </a:p>
@@ -21852,7 +21146,7 @@
           <a:p>
             <a:fld id="{69BC9CEF-3AE2-4414-9973-D02EB12084E0}" type="slidenum">
               <a:rPr lang="en-US" smtClean="0"/>
-              <a:t>‹Nº›</a:t>
+              <a:t>‹#›</a:t>
             </a:fld>
             <a:endParaRPr lang="en-US"/>
           </a:p>
@@ -21913,7 +21207,7 @@
           </a:lstStyle>
           <a:p>
             <a:r>
-              <a:rPr lang="es-ES" smtClean="0"/>
+              <a:rPr lang="es-ES"/>
               <a:t>Haga clic para modificar el estilo de título del patrón</a:t>
             </a:r>
             <a:endParaRPr lang="en-US"/>
@@ -21970,35 +21264,35 @@
           <a:p>
             <a:pPr lvl="0"/>
             <a:r>
-              <a:rPr lang="es-ES" smtClean="0"/>
+              <a:rPr lang="es-ES"/>
               <a:t>Editar el estilo de texto del patrón</a:t>
             </a:r>
           </a:p>
           <a:p>
             <a:pPr lvl="1"/>
             <a:r>
-              <a:rPr lang="es-ES" smtClean="0"/>
+              <a:rPr lang="es-ES"/>
               <a:t>Segundo nivel</a:t>
             </a:r>
           </a:p>
           <a:p>
             <a:pPr lvl="2"/>
             <a:r>
-              <a:rPr lang="es-ES" smtClean="0"/>
+              <a:rPr lang="es-ES"/>
               <a:t>Tercer nivel</a:t>
             </a:r>
           </a:p>
           <a:p>
             <a:pPr lvl="3"/>
             <a:r>
-              <a:rPr lang="es-ES" smtClean="0"/>
+              <a:rPr lang="es-ES"/>
               <a:t>Cuarto nivel</a:t>
             </a:r>
           </a:p>
           <a:p>
             <a:pPr lvl="4"/>
             <a:r>
-              <a:rPr lang="es-ES" smtClean="0"/>
+              <a:rPr lang="es-ES"/>
               <a:t>Quinto nivel</a:t>
             </a:r>
             <a:endParaRPr lang="en-US"/>
@@ -22064,7 +21358,7 @@
           <a:p>
             <a:pPr lvl="0"/>
             <a:r>
-              <a:rPr lang="es-ES" smtClean="0"/>
+              <a:rPr lang="es-ES"/>
               <a:t>Editar el estilo de texto del patrón</a:t>
             </a:r>
           </a:p>
@@ -22087,7 +21381,7 @@
           <a:p>
             <a:fld id="{1AF0AD8E-75CA-4B54-8233-CE40F850F5D9}" type="datetimeFigureOut">
               <a:rPr lang="en-US" smtClean="0"/>
-              <a:t>12/3/2020</a:t>
+              <a:t>12/4/20</a:t>
             </a:fld>
             <a:endParaRPr lang="en-US"/>
           </a:p>
@@ -22129,7 +21423,7 @@
           <a:p>
             <a:fld id="{69BC9CEF-3AE2-4414-9973-D02EB12084E0}" type="slidenum">
               <a:rPr lang="en-US" smtClean="0"/>
-              <a:t>‹Nº›</a:t>
+              <a:t>‹#›</a:t>
             </a:fld>
             <a:endParaRPr lang="en-US"/>
           </a:p>
@@ -22190,7 +21484,7 @@
           </a:lstStyle>
           <a:p>
             <a:r>
-              <a:rPr lang="es-ES" smtClean="0"/>
+              <a:rPr lang="es-ES"/>
               <a:t>Haga clic para modificar el estilo de título del patrón</a:t>
             </a:r>
             <a:endParaRPr lang="en-US"/>
@@ -22317,7 +21611,7 @@
           <a:p>
             <a:pPr lvl="0"/>
             <a:r>
-              <a:rPr lang="es-ES" smtClean="0"/>
+              <a:rPr lang="es-ES"/>
               <a:t>Editar el estilo de texto del patrón</a:t>
             </a:r>
           </a:p>
@@ -22340,7 +21634,7 @@
           <a:p>
             <a:fld id="{1AF0AD8E-75CA-4B54-8233-CE40F850F5D9}" type="datetimeFigureOut">
               <a:rPr lang="en-US" smtClean="0"/>
-              <a:t>12/3/2020</a:t>
+              <a:t>12/4/20</a:t>
             </a:fld>
             <a:endParaRPr lang="en-US"/>
           </a:p>
@@ -22382,7 +21676,7 @@
           <a:p>
             <a:fld id="{69BC9CEF-3AE2-4414-9973-D02EB12084E0}" type="slidenum">
               <a:rPr lang="en-US" smtClean="0"/>
-              <a:t>‹Nº›</a:t>
+              <a:t>‹#›</a:t>
             </a:fld>
             <a:endParaRPr lang="en-US"/>
           </a:p>
@@ -22449,7 +21743,7 @@
           <a:lstStyle/>
           <a:p>
             <a:r>
-              <a:rPr lang="es-ES" smtClean="0"/>
+              <a:rPr lang="es-ES"/>
               <a:t>Haga clic para modificar el estilo de título del patrón</a:t>
             </a:r>
             <a:endParaRPr lang="en-US"/>
@@ -22483,35 +21777,35 @@
           <a:p>
             <a:pPr lvl="0"/>
             <a:r>
-              <a:rPr lang="es-ES" smtClean="0"/>
+              <a:rPr lang="es-ES"/>
               <a:t>Editar el estilo de texto del patrón</a:t>
             </a:r>
           </a:p>
           <a:p>
             <a:pPr lvl="1"/>
             <a:r>
-              <a:rPr lang="es-ES" smtClean="0"/>
+              <a:rPr lang="es-ES"/>
               <a:t>Segundo nivel</a:t>
             </a:r>
           </a:p>
           <a:p>
             <a:pPr lvl="2"/>
             <a:r>
-              <a:rPr lang="es-ES" smtClean="0"/>
+              <a:rPr lang="es-ES"/>
               <a:t>Tercer nivel</a:t>
             </a:r>
           </a:p>
           <a:p>
             <a:pPr lvl="3"/>
             <a:r>
-              <a:rPr lang="es-ES" smtClean="0"/>
+              <a:rPr lang="es-ES"/>
               <a:t>Cuarto nivel</a:t>
             </a:r>
           </a:p>
           <a:p>
             <a:pPr lvl="4"/>
             <a:r>
-              <a:rPr lang="es-ES" smtClean="0"/>
+              <a:rPr lang="es-ES"/>
               <a:t>Quinto nivel</a:t>
             </a:r>
             <a:endParaRPr lang="en-US"/>
@@ -22553,7 +21847,7 @@
           <a:p>
             <a:fld id="{1AF0AD8E-75CA-4B54-8233-CE40F850F5D9}" type="datetimeFigureOut">
               <a:rPr lang="en-US" smtClean="0"/>
-              <a:t>12/3/2020</a:t>
+              <a:t>12/4/20</a:t>
             </a:fld>
             <a:endParaRPr lang="en-US"/>
           </a:p>
@@ -22631,7 +21925,7 @@
           <a:p>
             <a:fld id="{69BC9CEF-3AE2-4414-9973-D02EB12084E0}" type="slidenum">
               <a:rPr lang="en-US" smtClean="0"/>
-              <a:t>‹Nº›</a:t>
+              <a:t>‹#›</a:t>
             </a:fld>
             <a:endParaRPr lang="en-US"/>
           </a:p>
@@ -23067,26 +22361,22 @@
           <a:lstStyle/>
           <a:p>
             <a:r>
-              <a:rPr lang="es-CR" dirty="0" smtClean="0"/>
+              <a:rPr lang="es-CR" dirty="0"/>
               <a:t>Miguel Coto García</a:t>
             </a:r>
-            <a:endParaRPr lang="en-US" dirty="0" smtClean="0"/>
+            <a:endParaRPr lang="en-US" dirty="0"/>
           </a:p>
           <a:p>
             <a:r>
-              <a:rPr lang="en-US" dirty="0" smtClean="0"/>
-              <a:t>Natalia </a:t>
+              <a:rPr lang="en-US" dirty="0"/>
+              <a:t>Natalia D</a:t>
             </a:r>
             <a:r>
-              <a:rPr lang="en-US" dirty="0" smtClean="0"/>
-              <a:t>D</a:t>
-            </a:r>
-            <a:r>
-              <a:rPr lang="es-CR" dirty="0" err="1" smtClean="0"/>
+              <a:rPr lang="es-CR" dirty="0" err="1"/>
               <a:t>íaz</a:t>
             </a:r>
             <a:r>
-              <a:rPr lang="es-CR" dirty="0" smtClean="0"/>
+              <a:rPr lang="es-CR" dirty="0"/>
               <a:t> Ramírez</a:t>
             </a:r>
             <a:endParaRPr lang="en-US" dirty="0"/>
@@ -23103,13 +22393,6 @@
   <p:clrMapOvr>
     <a:masterClrMapping/>
   </p:clrMapOvr>
-  <p:timing>
-    <p:tnLst>
-      <p:par>
-        <p:cTn id="1" dur="indefinite" restart="never" nodeType="tmRoot"/>
-      </p:par>
-    </p:tnLst>
-  </p:timing>
 </p:sld>
 </file>
 
@@ -23146,13 +22429,13 @@
           <a:lstStyle/>
           <a:p>
             <a:r>
-              <a:rPr lang="es-CR" sz="3200" b="1" dirty="0" smtClean="0">
+              <a:rPr lang="es-CR" sz="3200" b="1" dirty="0">
                 <a:latin typeface="+mn-lt"/>
               </a:rPr>
               <a:t>Resultados</a:t>
             </a:r>
             <a:r>
-              <a:rPr lang="es-CR" dirty="0" smtClean="0"/>
+              <a:rPr lang="es-CR" dirty="0"/>
               <a:t> </a:t>
             </a:r>
             <a:endParaRPr lang="en-US" dirty="0"/>
@@ -23185,10 +22468,9 @@
               <a:buChar char="•"/>
             </a:pPr>
             <a:r>
-              <a:rPr lang="es-ES" sz="2400" b="1" dirty="0" smtClean="0"/>
+              <a:rPr lang="es-ES" sz="2400" b="1" dirty="0"/>
               <a:t>Descriptivo de curvas</a:t>
             </a:r>
-            <a:endParaRPr lang="es-ES" sz="2400" b="1" dirty="0" smtClean="0"/>
           </a:p>
         </p:txBody>
       </p:sp>
@@ -23246,13 +22528,6 @@
   <p:clrMapOvr>
     <a:masterClrMapping/>
   </p:clrMapOvr>
-  <p:timing>
-    <p:tnLst>
-      <p:par>
-        <p:cTn id="1" dur="indefinite" restart="never" nodeType="tmRoot"/>
-      </p:par>
-    </p:tnLst>
-  </p:timing>
 </p:sld>
 </file>
 
@@ -23289,13 +22564,13 @@
           <a:lstStyle/>
           <a:p>
             <a:r>
-              <a:rPr lang="es-CR" sz="3200" b="1" dirty="0" smtClean="0">
+              <a:rPr lang="es-CR" sz="3200" b="1" dirty="0">
                 <a:latin typeface="+mn-lt"/>
               </a:rPr>
               <a:t>Resultados</a:t>
             </a:r>
             <a:r>
-              <a:rPr lang="es-CR" dirty="0" smtClean="0"/>
+              <a:rPr lang="es-CR" dirty="0"/>
               <a:t> </a:t>
             </a:r>
             <a:endParaRPr lang="en-US" dirty="0"/>
@@ -23328,10 +22603,9 @@
               <a:buChar char="•"/>
             </a:pPr>
             <a:r>
-              <a:rPr lang="es-ES" sz="2400" b="1" dirty="0" smtClean="0"/>
+              <a:rPr lang="es-ES" sz="2400" b="1" dirty="0"/>
               <a:t>PCA</a:t>
             </a:r>
-            <a:endParaRPr lang="es-ES" sz="2400" b="1" dirty="0" smtClean="0"/>
           </a:p>
         </p:txBody>
       </p:sp>
@@ -23417,13 +22691,6 @@
   <p:clrMapOvr>
     <a:masterClrMapping/>
   </p:clrMapOvr>
-  <p:timing>
-    <p:tnLst>
-      <p:par>
-        <p:cTn id="1" dur="indefinite" restart="never" nodeType="tmRoot"/>
-      </p:par>
-    </p:tnLst>
-  </p:timing>
 </p:sld>
 </file>
 
@@ -23465,13 +22732,13 @@
           <a:lstStyle/>
           <a:p>
             <a:r>
-              <a:rPr lang="es-CR" sz="3200" b="1" dirty="0" smtClean="0">
+              <a:rPr lang="es-CR" sz="3200" b="1" dirty="0">
                 <a:latin typeface="+mn-lt"/>
               </a:rPr>
               <a:t>Resultados</a:t>
             </a:r>
             <a:r>
-              <a:rPr lang="es-CR" dirty="0" smtClean="0"/>
+              <a:rPr lang="es-CR" dirty="0"/>
               <a:t> </a:t>
             </a:r>
             <a:endParaRPr lang="en-US" dirty="0"/>
@@ -23504,10 +22771,9 @@
               <a:buChar char="•"/>
             </a:pPr>
             <a:r>
-              <a:rPr lang="es-ES" sz="2400" b="1" dirty="0" smtClean="0"/>
+              <a:rPr lang="es-ES" sz="2400" b="1" dirty="0"/>
               <a:t>Descriptivo del indicador</a:t>
             </a:r>
-            <a:endParaRPr lang="es-ES" sz="2400" b="1" dirty="0" smtClean="0"/>
           </a:p>
         </p:txBody>
       </p:sp>
@@ -23561,32 +22827,8 @@
               <a:buChar char="•"/>
             </a:pPr>
             <a:r>
-              <a:rPr lang="es-ES" sz="2400" dirty="0" smtClean="0"/>
-              <a:t>Comenzó </a:t>
-            </a:r>
-            <a:r>
               <a:rPr lang="es-ES" sz="2400" dirty="0"/>
-              <a:t>a mostrar un nivel mayor al promedio histórico a </a:t>
-            </a:r>
-            <a:r>
-              <a:rPr lang="es-ES" sz="2400" dirty="0" smtClean="0"/>
-              <a:t>mediados </a:t>
-            </a:r>
-            <a:r>
-              <a:rPr lang="es-ES" sz="2400" dirty="0"/>
-              <a:t>de 2017 </a:t>
-            </a:r>
-            <a:r>
-              <a:rPr lang="es-ES" sz="2400" dirty="0" smtClean="0"/>
-              <a:t> (19-07-2017 </a:t>
-            </a:r>
-            <a:r>
-              <a:rPr lang="es-ES" sz="2400" dirty="0"/>
-              <a:t>al </a:t>
-            </a:r>
-            <a:r>
-              <a:rPr lang="es-ES" sz="2400" dirty="0" smtClean="0"/>
-              <a:t>25-07-2017)</a:t>
+              <a:t>Comenzó a mostrar un nivel mayor al promedio histórico a mediados de 2017  (19-07-2017 al 25-07-2017)</a:t>
             </a:r>
           </a:p>
           <a:p>
@@ -23596,19 +22838,7 @@
             </a:pPr>
             <a:r>
               <a:rPr lang="es-ES" sz="2400" dirty="0"/>
-              <a:t>A</a:t>
-            </a:r>
-            <a:r>
-              <a:rPr lang="es-ES" sz="2400" dirty="0" smtClean="0"/>
-              <a:t>lcanzó </a:t>
-            </a:r>
-            <a:r>
-              <a:rPr lang="es-ES" sz="2400" dirty="0"/>
-              <a:t>su máximo absoluto en la semana del 13-03-2019 al </a:t>
-            </a:r>
-            <a:r>
-              <a:rPr lang="es-ES" sz="2400" dirty="0" smtClean="0"/>
-              <a:t>19-03-2019 (2.3 desviaciones)</a:t>
+              <a:t>Alcanzó su máximo absoluto en la semana del 13-03-2019 al 19-03-2019 (2.3 desviaciones)</a:t>
             </a:r>
           </a:p>
           <a:p>
@@ -23617,12 +22847,8 @@
               <a:buChar char="•"/>
             </a:pPr>
             <a:r>
-              <a:rPr lang="es-ES" sz="2400" dirty="0" smtClean="0"/>
-              <a:t> Mostró </a:t>
-            </a:r>
-            <a:r>
               <a:rPr lang="es-ES" sz="2400" dirty="0"/>
-              <a:t>niveles superiores a la media hasta la semana del 23-10-2019 al 29-10-2019. </a:t>
+              <a:t> Mostró niveles superiores a la media hasta la semana del 23-10-2019 al 29-10-2019. </a:t>
             </a:r>
             <a:endParaRPr lang="en-US" sz="2400" dirty="0"/>
           </a:p>
@@ -23662,13 +22888,6 @@
   <p:clrMapOvr>
     <a:masterClrMapping/>
   </p:clrMapOvr>
-  <p:timing>
-    <p:tnLst>
-      <p:par>
-        <p:cTn id="1" dur="indefinite" restart="never" nodeType="tmRoot"/>
-      </p:par>
-    </p:tnLst>
-  </p:timing>
 </p:sld>
 </file>
 
@@ -23710,13 +22929,13 @@
           <a:lstStyle/>
           <a:p>
             <a:r>
-              <a:rPr lang="es-CR" sz="3200" b="1" dirty="0" smtClean="0">
+              <a:rPr lang="es-CR" sz="3200" b="1" dirty="0">
                 <a:latin typeface="+mn-lt"/>
               </a:rPr>
               <a:t>Resultados</a:t>
             </a:r>
             <a:r>
-              <a:rPr lang="es-CR" dirty="0" smtClean="0"/>
+              <a:rPr lang="es-CR" dirty="0"/>
               <a:t> </a:t>
             </a:r>
             <a:endParaRPr lang="en-US" dirty="0"/>
@@ -23749,10 +22968,9 @@
               <a:buChar char="•"/>
             </a:pPr>
             <a:r>
-              <a:rPr lang="es-ES" sz="2400" b="1" dirty="0" smtClean="0"/>
+              <a:rPr lang="es-ES" sz="2400" b="1" dirty="0"/>
               <a:t>Descriptivo del indicador</a:t>
             </a:r>
-            <a:endParaRPr lang="es-ES" sz="2400" b="1" dirty="0" smtClean="0"/>
           </a:p>
         </p:txBody>
       </p:sp>
@@ -23810,13 +23028,6 @@
   <p:clrMapOvr>
     <a:masterClrMapping/>
   </p:clrMapOvr>
-  <p:timing>
-    <p:tnLst>
-      <p:par>
-        <p:cTn id="1" dur="indefinite" restart="never" nodeType="tmRoot"/>
-      </p:par>
-    </p:tnLst>
-  </p:timing>
 </p:sld>
 </file>
 
@@ -23858,13 +23069,13 @@
           <a:lstStyle/>
           <a:p>
             <a:r>
-              <a:rPr lang="es-CR" sz="3200" b="1" dirty="0" smtClean="0">
+              <a:rPr lang="es-CR" sz="3200" b="1" dirty="0">
                 <a:latin typeface="+mn-lt"/>
               </a:rPr>
               <a:t>Resultados</a:t>
             </a:r>
             <a:r>
-              <a:rPr lang="es-CR" dirty="0" smtClean="0"/>
+              <a:rPr lang="es-CR" dirty="0"/>
               <a:t> </a:t>
             </a:r>
             <a:endParaRPr lang="en-US" dirty="0"/>
@@ -23897,14 +23108,188 @@
               <a:buChar char="•"/>
             </a:pPr>
             <a:r>
-              <a:rPr lang="es-ES" sz="2400" b="1" dirty="0" smtClean="0"/>
-              <a:t>Validación</a:t>
+              <a:rPr lang="es-ES" sz="2400" b="1" dirty="0"/>
+              <a:t>Validación del indicador</a:t>
+            </a:r>
+          </a:p>
+        </p:txBody>
+      </p:sp>
+      <p:pic>
+        <p:nvPicPr>
+          <p:cNvPr id="5" name="Picture 4">
+            <a:extLst>
+              <a:ext uri="{FF2B5EF4-FFF2-40B4-BE49-F238E27FC236}">
+                <a16:creationId xmlns:a16="http://schemas.microsoft.com/office/drawing/2014/main" id="{69BE6FFE-6E78-9F42-9D25-C8C1DF1588E2}"/>
+              </a:ext>
+            </a:extLst>
+          </p:cNvPr>
+          <p:cNvPicPr/>
+          <p:nvPr/>
+        </p:nvPicPr>
+        <p:blipFill rotWithShape="1">
+          <a:blip r:embed="rId3">
+            <a:extLst>
+              <a:ext uri="{28A0092B-C50C-407E-A947-70E740481C1C}">
+                <a14:useLocalDpi xmlns:a14="http://schemas.microsoft.com/office/drawing/2010/main" val="0"/>
+              </a:ext>
+            </a:extLst>
+          </a:blip>
+          <a:srcRect t="6666"/>
+          <a:stretch/>
+        </p:blipFill>
+        <p:spPr bwMode="auto">
+          <a:xfrm>
+            <a:off x="591681" y="2274100"/>
+            <a:ext cx="7274664" cy="4251960"/>
+          </a:xfrm>
+          <a:prstGeom prst="rect">
+            <a:avLst/>
+          </a:prstGeom>
+          <a:ln>
+            <a:noFill/>
+          </a:ln>
+          <a:extLst>
+            <a:ext uri="{53640926-AAD7-44D8-BBD7-CCE9431645EC}">
+              <a14:shadowObscured xmlns:a14="http://schemas.microsoft.com/office/drawing/2010/main"/>
+            </a:ext>
+          </a:extLst>
+        </p:spPr>
+      </p:pic>
+      <p:graphicFrame>
+        <p:nvGraphicFramePr>
+          <p:cNvPr id="6" name="Object 5">
+            <a:extLst>
+              <a:ext uri="{FF2B5EF4-FFF2-40B4-BE49-F238E27FC236}">
+                <a16:creationId xmlns:a16="http://schemas.microsoft.com/office/drawing/2014/main" id="{A8CB1F64-FB5D-844D-8470-579E7C5F2DD0}"/>
+              </a:ext>
+            </a:extLst>
+          </p:cNvPr>
+          <p:cNvGraphicFramePr>
+            <a:graphicFrameLocks noChangeAspect="1"/>
+          </p:cNvGraphicFramePr>
+          <p:nvPr>
+            <p:extLst>
+              <p:ext uri="{D42A27DB-BD31-4B8C-83A1-F6EECF244321}">
+                <p14:modId xmlns:p14="http://schemas.microsoft.com/office/powerpoint/2010/main" val="3370081228"/>
+              </p:ext>
+            </p:extLst>
+          </p:nvPr>
+        </p:nvGraphicFramePr>
+        <p:xfrm>
+          <a:off x="5749448" y="2036106"/>
+          <a:ext cx="7790492" cy="1678797"/>
+        </p:xfrm>
+        <a:graphic>
+          <a:graphicData uri="http://schemas.openxmlformats.org/presentationml/2006/ole">
+            <mc:AlternateContent xmlns:mc="http://schemas.openxmlformats.org/markup-compatibility/2006">
+              <mc:Choice xmlns:v="urn:schemas-microsoft-com:vml" Requires="v">
+                <p:oleObj spid="_x0000_s1028" name="Document" r:id="rId4" imgW="5943600" imgH="1320800" progId="Word.Document.12">
+                  <p:embed/>
+                </p:oleObj>
+              </mc:Choice>
+              <mc:Fallback>
+                <p:oleObj name="Document" r:id="rId4" imgW="5943600" imgH="1320800" progId="Word.Document.12">
+                  <p:embed/>
+                  <p:pic>
+                    <p:nvPicPr>
+                      <p:cNvPr id="0" name=""/>
+                      <p:cNvPicPr/>
+                      <p:nvPr/>
+                    </p:nvPicPr>
+                    <p:blipFill>
+                      <a:blip r:embed="rId5"/>
+                      <a:stretch>
+                        <a:fillRect/>
+                      </a:stretch>
+                    </p:blipFill>
+                    <p:spPr>
+                      <a:xfrm>
+                        <a:off x="5749448" y="2036106"/>
+                        <a:ext cx="7790492" cy="1678797"/>
+                      </a:xfrm>
+                      <a:prstGeom prst="rect">
+                        <a:avLst/>
+                      </a:prstGeom>
+                    </p:spPr>
+                  </p:pic>
+                </p:oleObj>
+              </mc:Fallback>
+            </mc:AlternateContent>
+          </a:graphicData>
+        </a:graphic>
+      </p:graphicFrame>
+      <p:sp>
+        <p:nvSpPr>
+          <p:cNvPr id="8" name="Rectangle 7">
+            <a:extLst>
+              <a:ext uri="{FF2B5EF4-FFF2-40B4-BE49-F238E27FC236}">
+                <a16:creationId xmlns:a16="http://schemas.microsoft.com/office/drawing/2014/main" id="{BC7CF389-F0B0-2443-9175-5751FCF27B24}"/>
+              </a:ext>
+            </a:extLst>
+          </p:cNvPr>
+          <p:cNvSpPr/>
+          <p:nvPr/>
+        </p:nvSpPr>
+        <p:spPr>
+          <a:xfrm>
+            <a:off x="1073352" y="1904768"/>
+            <a:ext cx="5686237" cy="369332"/>
+          </a:xfrm>
+          <a:prstGeom prst="rect">
+            <a:avLst/>
+          </a:prstGeom>
+        </p:spPr>
+        <p:txBody>
+          <a:bodyPr wrap="none">
+            <a:spAutoFit/>
+          </a:bodyPr>
+          <a:lstStyle/>
+          <a:p>
+            <a:r>
+              <a:rPr lang="en-US" dirty="0" err="1"/>
+              <a:t>Gráfico</a:t>
             </a:r>
             <a:r>
-              <a:rPr lang="es-ES" sz="2400" b="1" dirty="0" smtClean="0"/>
-              <a:t> del indicador</a:t>
+              <a:rPr lang="en-US" dirty="0"/>
+              <a:t> 15. </a:t>
             </a:r>
-            <a:endParaRPr lang="es-ES" sz="2400" b="1" dirty="0" smtClean="0"/>
+            <a:r>
+              <a:rPr lang="en-US" dirty="0" err="1"/>
+              <a:t>Indicador</a:t>
+            </a:r>
+            <a:r>
+              <a:rPr lang="en-US" dirty="0"/>
+              <a:t> y </a:t>
+            </a:r>
+            <a:r>
+              <a:rPr lang="en-US" dirty="0" err="1"/>
+              <a:t>mediana</a:t>
+            </a:r>
+            <a:r>
+              <a:rPr lang="en-US" dirty="0"/>
+              <a:t> </a:t>
+            </a:r>
+            <a:r>
+              <a:rPr lang="en-US" dirty="0" err="1"/>
+              <a:t>estandarizada</a:t>
+            </a:r>
+            <a:r>
+              <a:rPr lang="en-US" dirty="0"/>
+              <a:t> </a:t>
+            </a:r>
+            <a:r>
+              <a:rPr lang="en-US" dirty="0" err="1"/>
+              <a:t>por</a:t>
+            </a:r>
+            <a:r>
+              <a:rPr lang="en-US" dirty="0"/>
+              <a:t> </a:t>
+            </a:r>
+            <a:r>
+              <a:rPr lang="en-US" dirty="0" err="1"/>
+              <a:t>semana</a:t>
+            </a:r>
+            <a:endParaRPr lang="en-US" dirty="0"/>
           </a:p>
         </p:txBody>
       </p:sp>
@@ -23918,13 +23303,6 @@
   <p:clrMapOvr>
     <a:masterClrMapping/>
   </p:clrMapOvr>
-  <p:timing>
-    <p:tnLst>
-      <p:par>
-        <p:cTn id="1" dur="indefinite" restart="never" nodeType="tmRoot"/>
-      </p:par>
-    </p:tnLst>
-  </p:timing>
 </p:sld>
 </file>
 
@@ -23966,13 +23344,13 @@
           <a:lstStyle/>
           <a:p>
             <a:r>
-              <a:rPr lang="es-CR" sz="3200" b="1" dirty="0" smtClean="0">
+              <a:rPr lang="es-CR" sz="3200" b="1" dirty="0">
                 <a:latin typeface="+mn-lt"/>
               </a:rPr>
               <a:t>Resultados</a:t>
             </a:r>
             <a:r>
-              <a:rPr lang="es-CR" dirty="0" smtClean="0"/>
+              <a:rPr lang="es-CR" dirty="0"/>
               <a:t> </a:t>
             </a:r>
             <a:endParaRPr lang="en-US" dirty="0"/>
@@ -24005,14 +23383,9 @@
               <a:buChar char="•"/>
             </a:pPr>
             <a:r>
-              <a:rPr lang="es-ES" sz="2400" b="1" dirty="0" smtClean="0"/>
-              <a:t>Validación</a:t>
+              <a:rPr lang="es-ES" sz="2400" b="1" dirty="0"/>
+              <a:t>Validación del indicador</a:t>
             </a:r>
-            <a:r>
-              <a:rPr lang="es-ES" sz="2400" b="1" dirty="0" smtClean="0"/>
-              <a:t> del indicador</a:t>
-            </a:r>
-            <a:endParaRPr lang="es-ES" sz="2400" b="1" dirty="0" smtClean="0"/>
           </a:p>
         </p:txBody>
       </p:sp>
@@ -24050,13 +23423,6 @@
   <p:clrMapOvr>
     <a:masterClrMapping/>
   </p:clrMapOvr>
-  <p:timing>
-    <p:tnLst>
-      <p:par>
-        <p:cTn id="1" dur="indefinite" restart="never" nodeType="tmRoot"/>
-      </p:par>
-    </p:tnLst>
-  </p:timing>
 </p:sld>
 </file>
 
@@ -24098,13 +23464,13 @@
           <a:lstStyle/>
           <a:p>
             <a:r>
-              <a:rPr lang="es-CR" sz="3200" b="1" dirty="0" smtClean="0">
+              <a:rPr lang="es-CR" sz="3200" b="1" dirty="0">
                 <a:latin typeface="+mn-lt"/>
               </a:rPr>
               <a:t>Resultados</a:t>
             </a:r>
             <a:r>
-              <a:rPr lang="es-CR" dirty="0" smtClean="0"/>
+              <a:rPr lang="es-CR" dirty="0"/>
               <a:t> </a:t>
             </a:r>
             <a:endParaRPr lang="en-US" dirty="0"/>
@@ -24137,14 +23503,9 @@
               <a:buChar char="•"/>
             </a:pPr>
             <a:r>
-              <a:rPr lang="es-ES" sz="2400" b="1" dirty="0" smtClean="0"/>
-              <a:t>Validación</a:t>
+              <a:rPr lang="es-ES" sz="2400" b="1" dirty="0"/>
+              <a:t>Validación del indicador</a:t>
             </a:r>
-            <a:r>
-              <a:rPr lang="es-ES" sz="2400" b="1" dirty="0" smtClean="0"/>
-              <a:t> del indicador</a:t>
-            </a:r>
-            <a:endParaRPr lang="es-ES" sz="2400" b="1" dirty="0" smtClean="0"/>
           </a:p>
         </p:txBody>
       </p:sp>
@@ -24182,13 +23543,6 @@
   <p:clrMapOvr>
     <a:masterClrMapping/>
   </p:clrMapOvr>
-  <p:timing>
-    <p:tnLst>
-      <p:par>
-        <p:cTn id="1" dur="indefinite" restart="never" nodeType="tmRoot"/>
-      </p:par>
-    </p:tnLst>
-  </p:timing>
 </p:sld>
 </file>
 
@@ -24230,13 +23584,13 @@
           <a:lstStyle/>
           <a:p>
             <a:r>
-              <a:rPr lang="es-CR" sz="3200" b="1" dirty="0" smtClean="0">
+              <a:rPr lang="es-CR" sz="3200" b="1" dirty="0">
                 <a:latin typeface="+mn-lt"/>
               </a:rPr>
               <a:t>Resultados</a:t>
             </a:r>
             <a:r>
-              <a:rPr lang="es-CR" dirty="0" smtClean="0"/>
+              <a:rPr lang="es-CR" dirty="0"/>
               <a:t> </a:t>
             </a:r>
             <a:endParaRPr lang="en-US" dirty="0"/>
@@ -24269,13 +23623,138 @@
               <a:buChar char="•"/>
             </a:pPr>
             <a:r>
-              <a:rPr lang="es-ES" sz="2400" b="1" dirty="0" smtClean="0"/>
+              <a:rPr lang="es-ES" sz="2400" b="1" dirty="0"/>
               <a:t>Calibración del indicador</a:t>
             </a:r>
-            <a:endParaRPr lang="es-ES" sz="2400" b="1" dirty="0" smtClean="0"/>
           </a:p>
         </p:txBody>
       </p:sp>
+      <p:graphicFrame>
+        <p:nvGraphicFramePr>
+          <p:cNvPr id="3" name="Object 2">
+            <a:extLst>
+              <a:ext uri="{FF2B5EF4-FFF2-40B4-BE49-F238E27FC236}">
+                <a16:creationId xmlns:a16="http://schemas.microsoft.com/office/drawing/2014/main" id="{6642E593-A92F-2241-A61C-34AECE21C7E1}"/>
+              </a:ext>
+            </a:extLst>
+          </p:cNvPr>
+          <p:cNvGraphicFramePr>
+            <a:graphicFrameLocks noChangeAspect="1"/>
+          </p:cNvGraphicFramePr>
+          <p:nvPr>
+            <p:extLst>
+              <p:ext uri="{D42A27DB-BD31-4B8C-83A1-F6EECF244321}">
+                <p14:modId xmlns:p14="http://schemas.microsoft.com/office/powerpoint/2010/main" val="4249019751"/>
+              </p:ext>
+            </p:extLst>
+          </p:nvPr>
+        </p:nvGraphicFramePr>
+        <p:xfrm>
+          <a:off x="4902201" y="1690686"/>
+          <a:ext cx="7218626" cy="3156887"/>
+        </p:xfrm>
+        <a:graphic>
+          <a:graphicData uri="http://schemas.openxmlformats.org/presentationml/2006/ole">
+            <mc:AlternateContent xmlns:mc="http://schemas.openxmlformats.org/markup-compatibility/2006">
+              <mc:Choice xmlns:v="urn:schemas-microsoft-com:vml" Requires="v">
+                <p:oleObj spid="_x0000_s3079" name="Document" r:id="rId3" imgW="6680200" imgH="2527300" progId="Word.Document.12">
+                  <p:embed/>
+                </p:oleObj>
+              </mc:Choice>
+              <mc:Fallback>
+                <p:oleObj name="Document" r:id="rId3" imgW="6680200" imgH="2527300" progId="Word.Document.12">
+                  <p:embed/>
+                  <p:pic>
+                    <p:nvPicPr>
+                      <p:cNvPr id="0" name=""/>
+                      <p:cNvPicPr/>
+                      <p:nvPr/>
+                    </p:nvPicPr>
+                    <p:blipFill>
+                      <a:blip r:embed="rId4"/>
+                      <a:stretch>
+                        <a:fillRect/>
+                      </a:stretch>
+                    </p:blipFill>
+                    <p:spPr>
+                      <a:xfrm>
+                        <a:off x="4902201" y="1690686"/>
+                        <a:ext cx="7218626" cy="3156887"/>
+                      </a:xfrm>
+                      <a:prstGeom prst="rect">
+                        <a:avLst/>
+                      </a:prstGeom>
+                    </p:spPr>
+                  </p:pic>
+                </p:oleObj>
+              </mc:Fallback>
+            </mc:AlternateContent>
+          </a:graphicData>
+        </a:graphic>
+      </p:graphicFrame>
+      <p:graphicFrame>
+        <p:nvGraphicFramePr>
+          <p:cNvPr id="5" name="Object 4">
+            <a:extLst>
+              <a:ext uri="{FF2B5EF4-FFF2-40B4-BE49-F238E27FC236}">
+                <a16:creationId xmlns:a16="http://schemas.microsoft.com/office/drawing/2014/main" id="{6B5FD970-E269-E443-B37B-82D563CBE30C}"/>
+              </a:ext>
+            </a:extLst>
+          </p:cNvPr>
+          <p:cNvGraphicFramePr>
+            <a:graphicFrameLocks noChangeAspect="1"/>
+          </p:cNvGraphicFramePr>
+          <p:nvPr>
+            <p:extLst>
+              <p:ext uri="{D42A27DB-BD31-4B8C-83A1-F6EECF244321}">
+                <p14:modId xmlns:p14="http://schemas.microsoft.com/office/powerpoint/2010/main" val="1241602201"/>
+              </p:ext>
+            </p:extLst>
+          </p:nvPr>
+        </p:nvGraphicFramePr>
+        <p:xfrm>
+          <a:off x="-646516" y="3371733"/>
+          <a:ext cx="6520180" cy="3413342"/>
+        </p:xfrm>
+        <a:graphic>
+          <a:graphicData uri="http://schemas.openxmlformats.org/presentationml/2006/ole">
+            <mc:AlternateContent xmlns:mc="http://schemas.openxmlformats.org/markup-compatibility/2006">
+              <mc:Choice xmlns:v="urn:schemas-microsoft-com:vml" Requires="v">
+                <p:oleObj spid="_x0000_s3080" name="Document" r:id="rId5" imgW="5943600" imgH="3111500" progId="Word.Document.12">
+                  <p:embed/>
+                </p:oleObj>
+              </mc:Choice>
+              <mc:Fallback>
+                <p:oleObj name="Document" r:id="rId5" imgW="5943600" imgH="3111500" progId="Word.Document.12">
+                  <p:embed/>
+                  <p:pic>
+                    <p:nvPicPr>
+                      <p:cNvPr id="0" name=""/>
+                      <p:cNvPicPr/>
+                      <p:nvPr/>
+                    </p:nvPicPr>
+                    <p:blipFill>
+                      <a:blip r:embed="rId6"/>
+                      <a:stretch>
+                        <a:fillRect/>
+                      </a:stretch>
+                    </p:blipFill>
+                    <p:spPr>
+                      <a:xfrm>
+                        <a:off x="-646516" y="3371733"/>
+                        <a:ext cx="6520180" cy="3413342"/>
+                      </a:xfrm>
+                      <a:prstGeom prst="rect">
+                        <a:avLst/>
+                      </a:prstGeom>
+                    </p:spPr>
+                  </p:pic>
+                </p:oleObj>
+              </mc:Fallback>
+            </mc:AlternateContent>
+          </a:graphicData>
+        </a:graphic>
+      </p:graphicFrame>
     </p:spTree>
     <p:extLst>
       <p:ext uri="{BB962C8B-B14F-4D97-AF65-F5344CB8AC3E}">
@@ -24286,13 +23765,6 @@
   <p:clrMapOvr>
     <a:masterClrMapping/>
   </p:clrMapOvr>
-  <p:timing>
-    <p:tnLst>
-      <p:par>
-        <p:cTn id="1" dur="indefinite" restart="never" nodeType="tmRoot"/>
-      </p:par>
-    </p:tnLst>
-  </p:timing>
 </p:sld>
 </file>
 
@@ -24334,13 +23806,13 @@
           <a:lstStyle/>
           <a:p>
             <a:r>
-              <a:rPr lang="es-CR" sz="3200" b="1" dirty="0" smtClean="0">
+              <a:rPr lang="es-CR" sz="3200" b="1" dirty="0">
                 <a:latin typeface="+mn-lt"/>
               </a:rPr>
               <a:t>Resultados</a:t>
             </a:r>
             <a:r>
-              <a:rPr lang="es-CR" dirty="0" smtClean="0"/>
+              <a:rPr lang="es-CR" dirty="0"/>
               <a:t> </a:t>
             </a:r>
             <a:endParaRPr lang="en-US" dirty="0"/>
@@ -24373,34 +23845,85 @@
               <a:buChar char="•"/>
             </a:pPr>
             <a:r>
-              <a:rPr lang="es-ES" sz="2400" b="1" dirty="0" smtClean="0"/>
-              <a:t>Interpretación</a:t>
+              <a:rPr lang="es-ES" sz="2400" b="1" dirty="0"/>
+              <a:t>Calibración del indicador</a:t>
             </a:r>
-            <a:r>
-              <a:rPr lang="es-ES" sz="2400" b="1" dirty="0" smtClean="0"/>
-              <a:t> del indicador</a:t>
-            </a:r>
-            <a:endParaRPr lang="es-ES" sz="2400" b="1" dirty="0" smtClean="0"/>
           </a:p>
         </p:txBody>
       </p:sp>
+      <p:graphicFrame>
+        <p:nvGraphicFramePr>
+          <p:cNvPr id="6" name="Object 5">
+            <a:extLst>
+              <a:ext uri="{FF2B5EF4-FFF2-40B4-BE49-F238E27FC236}">
+                <a16:creationId xmlns:a16="http://schemas.microsoft.com/office/drawing/2014/main" id="{4F1A62B9-D461-3F43-AB1D-0D99D557D6B4}"/>
+              </a:ext>
+            </a:extLst>
+          </p:cNvPr>
+          <p:cNvGraphicFramePr>
+            <a:graphicFrameLocks noChangeAspect="1"/>
+          </p:cNvGraphicFramePr>
+          <p:nvPr>
+            <p:extLst>
+              <p:ext uri="{D42A27DB-BD31-4B8C-83A1-F6EECF244321}">
+                <p14:modId xmlns:p14="http://schemas.microsoft.com/office/powerpoint/2010/main" val="1857019902"/>
+              </p:ext>
+            </p:extLst>
+          </p:nvPr>
+        </p:nvGraphicFramePr>
+        <p:xfrm>
+          <a:off x="838200" y="2023889"/>
+          <a:ext cx="9737670" cy="4639958"/>
+        </p:xfrm>
+        <a:graphic>
+          <a:graphicData uri="http://schemas.openxmlformats.org/presentationml/2006/ole">
+            <mc:AlternateContent xmlns:mc="http://schemas.openxmlformats.org/markup-compatibility/2006">
+              <mc:Choice xmlns:v="urn:schemas-microsoft-com:vml" Requires="v">
+                <p:oleObj spid="_x0000_s4100" name="Document" r:id="rId3" imgW="5943600" imgH="2832100" progId="Word.Document.12">
+                  <p:embed/>
+                </p:oleObj>
+              </mc:Choice>
+              <mc:Fallback>
+                <p:oleObj name="Document" r:id="rId3" imgW="5943600" imgH="2832100" progId="Word.Document.12">
+                  <p:embed/>
+                  <p:pic>
+                    <p:nvPicPr>
+                      <p:cNvPr id="0" name=""/>
+                      <p:cNvPicPr/>
+                      <p:nvPr/>
+                    </p:nvPicPr>
+                    <p:blipFill>
+                      <a:blip r:embed="rId4"/>
+                      <a:stretch>
+                        <a:fillRect/>
+                      </a:stretch>
+                    </p:blipFill>
+                    <p:spPr>
+                      <a:xfrm>
+                        <a:off x="838200" y="2023889"/>
+                        <a:ext cx="9737670" cy="4639958"/>
+                      </a:xfrm>
+                      <a:prstGeom prst="rect">
+                        <a:avLst/>
+                      </a:prstGeom>
+                    </p:spPr>
+                  </p:pic>
+                </p:oleObj>
+              </mc:Fallback>
+            </mc:AlternateContent>
+          </a:graphicData>
+        </a:graphic>
+      </p:graphicFrame>
     </p:spTree>
     <p:extLst>
       <p:ext uri="{BB962C8B-B14F-4D97-AF65-F5344CB8AC3E}">
-        <p14:creationId xmlns:p14="http://schemas.microsoft.com/office/powerpoint/2010/main" val="3937028536"/>
+        <p14:creationId xmlns:p14="http://schemas.microsoft.com/office/powerpoint/2010/main" val="383356061"/>
       </p:ext>
     </p:extLst>
   </p:cSld>
   <p:clrMapOvr>
     <a:masterClrMapping/>
   </p:clrMapOvr>
-  <p:timing>
-    <p:tnLst>
-      <p:par>
-        <p:cTn id="1" dur="indefinite" restart="never" nodeType="tmRoot"/>
-      </p:par>
-    </p:tnLst>
-  </p:timing>
 </p:sld>
 </file>
 
@@ -24423,53 +23946,32 @@
       </p:grpSpPr>
       <p:sp>
         <p:nvSpPr>
-          <p:cNvPr id="4" name="Título 1"/>
-          <p:cNvSpPr txBox="1">
-            <a:spLocks/>
+          <p:cNvPr id="2" name="Título 1"/>
+          <p:cNvSpPr>
+            <a:spLocks noGrp="1"/>
           </p:cNvSpPr>
-          <p:nvPr/>
+          <p:nvPr>
+            <p:ph type="title"/>
+          </p:nvPr>
         </p:nvSpPr>
         <p:spPr>
           <a:xfrm>
-            <a:off x="838200" y="365125"/>
+            <a:off x="838200" y="291235"/>
             <a:ext cx="10515600" cy="1325563"/>
           </a:xfrm>
-          <a:prstGeom prst="rect">
-            <a:avLst/>
-          </a:prstGeom>
         </p:spPr>
         <p:txBody>
-          <a:bodyPr vert="horz" lIns="91440" tIns="45720" rIns="91440" bIns="45720" rtlCol="0" anchor="ctr">
-            <a:normAutofit/>
-          </a:bodyPr>
-          <a:lstStyle>
-            <a:lvl1pPr algn="l" defTabSz="914400" rtl="0" eaLnBrk="1" latinLnBrk="0" hangingPunct="1">
-              <a:lnSpc>
-                <a:spcPct val="90000"/>
-              </a:lnSpc>
-              <a:spcBef>
-                <a:spcPct val="0"/>
-              </a:spcBef>
-              <a:buNone/>
-              <a:defRPr sz="4400" kern="1200">
-                <a:solidFill>
-                  <a:schemeClr val="tx1"/>
-                </a:solidFill>
-                <a:latin typeface="+mj-lt"/>
-                <a:ea typeface="+mj-ea"/>
-                <a:cs typeface="+mj-cs"/>
-              </a:defRPr>
-            </a:lvl1pPr>
-          </a:lstStyle>
+          <a:bodyPr/>
+          <a:lstStyle/>
           <a:p>
             <a:r>
-              <a:rPr lang="es-CR" sz="3200" b="1" dirty="0" smtClean="0">
+              <a:rPr lang="es-CR" sz="3200" b="1" dirty="0">
                 <a:latin typeface="+mn-lt"/>
               </a:rPr>
-              <a:t>Conclusiones</a:t>
+              <a:t>Resultados</a:t>
             </a:r>
             <a:r>
-              <a:rPr lang="es-CR" dirty="0" smtClean="0"/>
+              <a:rPr lang="es-CR" dirty="0"/>
               <a:t> </a:t>
             </a:r>
             <a:endParaRPr lang="en-US" dirty="0"/>
@@ -24478,14 +23980,14 @@
       </p:sp>
       <p:sp>
         <p:nvSpPr>
-          <p:cNvPr id="6" name="Rectángulo 5"/>
+          <p:cNvPr id="4" name="Rectángulo 3"/>
           <p:cNvSpPr/>
           <p:nvPr/>
         </p:nvSpPr>
         <p:spPr>
           <a:xfrm>
-            <a:off x="549563" y="1369767"/>
-            <a:ext cx="11092873" cy="5262979"/>
+            <a:off x="838200" y="1459855"/>
+            <a:ext cx="10744201" cy="461665"/>
           </a:xfrm>
           <a:prstGeom prst="rect">
             <a:avLst/>
@@ -24502,231 +24004,211 @@
               <a:buChar char="•"/>
             </a:pPr>
             <a:r>
-              <a:rPr lang="es-ES" sz="2400" dirty="0"/>
-              <a:t>A</a:t>
+              <a:rPr lang="es-ES" sz="2400" b="1" dirty="0"/>
+              <a:t>Interpretación del indicador</a:t>
             </a:r>
-            <a:r>
-              <a:rPr lang="es-ES" sz="2400" dirty="0" smtClean="0"/>
-              <a:t> </a:t>
-            </a:r>
-            <a:r>
-              <a:rPr lang="es-ES" sz="2400" dirty="0"/>
-              <a:t>mayor plazo mayor es el promedio y mediana de los rendimientos</a:t>
-            </a:r>
-            <a:r>
-              <a:rPr lang="es-ES" sz="2400" dirty="0" smtClean="0"/>
-              <a:t>.</a:t>
-            </a:r>
-          </a:p>
-          <a:p>
-            <a:pPr marL="342900" indent="-342900">
-              <a:buFont typeface="Arial" panose="020B0604020202020204" pitchFamily="34" charset="0"/>
-              <a:buChar char="•"/>
-            </a:pPr>
-            <a:r>
-              <a:rPr lang="es-ES" sz="2400" dirty="0" smtClean="0"/>
-              <a:t>Corto </a:t>
-            </a:r>
-            <a:r>
-              <a:rPr lang="es-ES" sz="2400" dirty="0"/>
-              <a:t>plazo hay una mayor variabilidad y volatilidad en las tasas. </a:t>
-            </a:r>
-            <a:endParaRPr lang="es-ES" sz="2400" dirty="0" smtClean="0"/>
-          </a:p>
-          <a:p>
-            <a:pPr marL="800100" lvl="1" indent="-342900">
-              <a:buFont typeface="Arial" panose="020B0604020202020204" pitchFamily="34" charset="0"/>
-              <a:buChar char="•"/>
-            </a:pPr>
-            <a:r>
-              <a:rPr lang="es-ES" sz="2400" b="1" i="1" dirty="0"/>
-              <a:t>T</a:t>
-            </a:r>
-            <a:r>
-              <a:rPr lang="es-ES" sz="2400" b="1" i="1" dirty="0" smtClean="0"/>
-              <a:t>eoría </a:t>
-            </a:r>
-            <a:r>
-              <a:rPr lang="es-ES" sz="2400" b="1" i="1" dirty="0"/>
-              <a:t>de la preferencia de liquidez</a:t>
-            </a:r>
-            <a:r>
-              <a:rPr lang="es-ES" sz="2400" dirty="0"/>
-              <a:t>, </a:t>
-            </a:r>
-            <a:r>
-              <a:rPr lang="es-ES" sz="2400" dirty="0" smtClean="0"/>
-              <a:t>preferencia </a:t>
-            </a:r>
-            <a:r>
-              <a:rPr lang="es-ES" sz="2400" dirty="0"/>
-              <a:t>por </a:t>
-            </a:r>
-            <a:r>
-              <a:rPr lang="es-ES" sz="2400" dirty="0" smtClean="0"/>
-              <a:t> </a:t>
-            </a:r>
-            <a:r>
-              <a:rPr lang="es-ES" sz="2400" dirty="0"/>
-              <a:t>inversión </a:t>
-            </a:r>
-            <a:r>
-              <a:rPr lang="es-ES" sz="2400" dirty="0" smtClean="0"/>
-              <a:t>en </a:t>
-            </a:r>
-            <a:r>
-              <a:rPr lang="es-ES" sz="2400" dirty="0"/>
-              <a:t>vencimientos de corto plazo posibilitando que la curva de rendimientos presente una forma </a:t>
-            </a:r>
-            <a:r>
-              <a:rPr lang="es-ES" sz="2400" dirty="0" smtClean="0"/>
-              <a:t>cóncava (tasas </a:t>
-            </a:r>
-            <a:r>
-              <a:rPr lang="es-ES" sz="2400" dirty="0"/>
-              <a:t>de largo plazo sean mayores que las de corto </a:t>
-            </a:r>
-            <a:r>
-              <a:rPr lang="es-ES" sz="2400" dirty="0" smtClean="0"/>
-              <a:t>plazo, pendiente positiva)</a:t>
-            </a:r>
-          </a:p>
-          <a:p>
-            <a:pPr marL="342900" indent="-342900">
-              <a:buFont typeface="Arial" panose="020B0604020202020204" pitchFamily="34" charset="0"/>
-              <a:buChar char="•"/>
-            </a:pPr>
-            <a:r>
-              <a:rPr lang="es-ES" sz="2400" dirty="0"/>
-              <a:t>2018 y </a:t>
-            </a:r>
-            <a:r>
-              <a:rPr lang="es-ES" sz="2400" dirty="0" smtClean="0"/>
-              <a:t>2019 </a:t>
-            </a:r>
-            <a:r>
-              <a:rPr lang="es-ES" sz="2400" dirty="0"/>
-              <a:t>mayores tasas en el corto, mediano y largo </a:t>
-            </a:r>
-            <a:r>
-              <a:rPr lang="es-ES" sz="2400" dirty="0" smtClean="0"/>
-              <a:t>plazo. 2020 tasas </a:t>
-            </a:r>
-            <a:r>
-              <a:rPr lang="es-ES" sz="2400" dirty="0"/>
-              <a:t>más bajas</a:t>
-            </a:r>
-            <a:r>
-              <a:rPr lang="es-ES" sz="2400" dirty="0" smtClean="0"/>
-              <a:t>.</a:t>
-            </a:r>
-          </a:p>
-          <a:p>
-            <a:pPr marL="800100" lvl="1" indent="-342900">
-              <a:buFont typeface="Arial" panose="020B0604020202020204" pitchFamily="34" charset="0"/>
-              <a:buChar char="•"/>
-            </a:pPr>
-            <a:r>
-              <a:rPr lang="es-ES" sz="2400" dirty="0" smtClean="0"/>
-              <a:t>2018</a:t>
-            </a:r>
-          </a:p>
-          <a:p>
-            <a:pPr marL="1257300" lvl="2" indent="-342900">
-              <a:buFont typeface="Arial" panose="020B0604020202020204" pitchFamily="34" charset="0"/>
-              <a:buChar char="•"/>
-            </a:pPr>
-            <a:r>
-              <a:rPr lang="es-ES" sz="2400" dirty="0" smtClean="0"/>
-              <a:t> Situación fiscal: aumento </a:t>
-            </a:r>
-            <a:r>
-              <a:rPr lang="es-ES" sz="2400" dirty="0"/>
-              <a:t>de la brecha entre ingresos y </a:t>
-            </a:r>
-            <a:r>
-              <a:rPr lang="es-ES" sz="2400" dirty="0" smtClean="0"/>
-              <a:t>gastos</a:t>
-            </a:r>
-          </a:p>
-          <a:p>
-            <a:pPr marL="1257300" lvl="2" indent="-342900">
-              <a:buFont typeface="Arial" panose="020B0604020202020204" pitchFamily="34" charset="0"/>
-              <a:buChar char="•"/>
-            </a:pPr>
-            <a:r>
-              <a:rPr lang="es-ES" sz="2400" dirty="0"/>
-              <a:t>A</a:t>
-            </a:r>
-            <a:r>
-              <a:rPr lang="es-ES" sz="2400" dirty="0" smtClean="0"/>
-              <a:t>mbiente </a:t>
-            </a:r>
-            <a:r>
-              <a:rPr lang="es-ES" sz="2400" dirty="0"/>
-              <a:t>de incertidumbre debido a la discusión </a:t>
-            </a:r>
-            <a:r>
-              <a:rPr lang="es-ES" sz="2400" dirty="0" smtClean="0"/>
-              <a:t>del </a:t>
-            </a:r>
-            <a:r>
-              <a:rPr lang="es-ES" sz="2400" dirty="0"/>
-              <a:t>proyecto Ley de Fortalecimiento de las Finanzas Públicas. </a:t>
-            </a:r>
-          </a:p>
-          <a:p>
-            <a:pPr marL="1257300" lvl="2" indent="-342900">
-              <a:buFont typeface="Arial" panose="020B0604020202020204" pitchFamily="34" charset="0"/>
-              <a:buChar char="•"/>
-            </a:pPr>
-            <a:r>
-              <a:rPr lang="es-ES" sz="2400" dirty="0"/>
-              <a:t>D</a:t>
-            </a:r>
-            <a:r>
-              <a:rPr lang="es-ES" sz="2400" dirty="0" smtClean="0"/>
-              <a:t>evaluación </a:t>
-            </a:r>
-            <a:r>
-              <a:rPr lang="es-ES" sz="2400" dirty="0"/>
-              <a:t>del tipo de cambio y un incremento en el costo de endeudamiento del Gobierno </a:t>
-            </a:r>
-            <a:r>
-              <a:rPr lang="es-ES" sz="2400" dirty="0" smtClean="0"/>
-              <a:t>Central</a:t>
-            </a:r>
-          </a:p>
-          <a:p>
-            <a:pPr marL="800100" lvl="1" indent="-342900">
-              <a:buFont typeface="Arial" panose="020B0604020202020204" pitchFamily="34" charset="0"/>
-              <a:buChar char="•"/>
-            </a:pPr>
-            <a:r>
-              <a:rPr lang="es-ES" sz="2400" dirty="0"/>
-              <a:t>2020: medidas fiscales y monetarias expansivas</a:t>
-            </a:r>
-            <a:endParaRPr lang="en-US" sz="2400" dirty="0"/>
           </a:p>
         </p:txBody>
       </p:sp>
+      <p:graphicFrame>
+        <p:nvGraphicFramePr>
+          <p:cNvPr id="3" name="Object 2">
+            <a:extLst>
+              <a:ext uri="{FF2B5EF4-FFF2-40B4-BE49-F238E27FC236}">
+                <a16:creationId xmlns:a16="http://schemas.microsoft.com/office/drawing/2014/main" id="{458AC7DC-86DF-7648-8659-4F0E1E605CEB}"/>
+              </a:ext>
+            </a:extLst>
+          </p:cNvPr>
+          <p:cNvGraphicFramePr>
+            <a:graphicFrameLocks noChangeAspect="1"/>
+          </p:cNvGraphicFramePr>
+          <p:nvPr>
+            <p:extLst>
+              <p:ext uri="{D42A27DB-BD31-4B8C-83A1-F6EECF244321}">
+                <p14:modId xmlns:p14="http://schemas.microsoft.com/office/powerpoint/2010/main" val="3633106188"/>
+              </p:ext>
+            </p:extLst>
+          </p:nvPr>
+        </p:nvGraphicFramePr>
+        <p:xfrm>
+          <a:off x="-1109599" y="2042764"/>
+          <a:ext cx="6656031" cy="3157348"/>
+        </p:xfrm>
+        <a:graphic>
+          <a:graphicData uri="http://schemas.openxmlformats.org/presentationml/2006/ole">
+            <mc:AlternateContent xmlns:mc="http://schemas.openxmlformats.org/markup-compatibility/2006">
+              <mc:Choice xmlns:v="urn:schemas-microsoft-com:vml" Requires="v">
+                <p:oleObj spid="_x0000_s2059" name="Document" r:id="rId3" imgW="5943600" imgH="2819400" progId="Word.Document.12">
+                  <p:embed/>
+                </p:oleObj>
+              </mc:Choice>
+              <mc:Fallback>
+                <p:oleObj name="Document" r:id="rId3" imgW="5943600" imgH="2819400" progId="Word.Document.12">
+                  <p:embed/>
+                  <p:pic>
+                    <p:nvPicPr>
+                      <p:cNvPr id="0" name=""/>
+                      <p:cNvPicPr/>
+                      <p:nvPr/>
+                    </p:nvPicPr>
+                    <p:blipFill>
+                      <a:blip r:embed="rId4"/>
+                      <a:stretch>
+                        <a:fillRect/>
+                      </a:stretch>
+                    </p:blipFill>
+                    <p:spPr>
+                      <a:xfrm>
+                        <a:off x="-1109599" y="2042764"/>
+                        <a:ext cx="6656031" cy="3157348"/>
+                      </a:xfrm>
+                      <a:prstGeom prst="rect">
+                        <a:avLst/>
+                      </a:prstGeom>
+                    </p:spPr>
+                  </p:pic>
+                </p:oleObj>
+              </mc:Fallback>
+            </mc:AlternateContent>
+          </a:graphicData>
+        </a:graphic>
+      </p:graphicFrame>
+      <p:graphicFrame>
+        <p:nvGraphicFramePr>
+          <p:cNvPr id="5" name="Object 4">
+            <a:extLst>
+              <a:ext uri="{FF2B5EF4-FFF2-40B4-BE49-F238E27FC236}">
+                <a16:creationId xmlns:a16="http://schemas.microsoft.com/office/drawing/2014/main" id="{532CB247-49CC-814B-9045-680E2CC62F2C}"/>
+              </a:ext>
+            </a:extLst>
+          </p:cNvPr>
+          <p:cNvGraphicFramePr>
+            <a:graphicFrameLocks noChangeAspect="1"/>
+          </p:cNvGraphicFramePr>
+          <p:nvPr>
+            <p:extLst>
+              <p:ext uri="{D42A27DB-BD31-4B8C-83A1-F6EECF244321}">
+                <p14:modId xmlns:p14="http://schemas.microsoft.com/office/powerpoint/2010/main" val="4204978378"/>
+              </p:ext>
+            </p:extLst>
+          </p:nvPr>
+        </p:nvGraphicFramePr>
+        <p:xfrm>
+          <a:off x="3124200" y="2042764"/>
+          <a:ext cx="6314698" cy="3157349"/>
+        </p:xfrm>
+        <a:graphic>
+          <a:graphicData uri="http://schemas.openxmlformats.org/presentationml/2006/ole">
+            <mc:AlternateContent xmlns:mc="http://schemas.openxmlformats.org/markup-compatibility/2006">
+              <mc:Choice xmlns:v="urn:schemas-microsoft-com:vml" Requires="v">
+                <p:oleObj spid="_x0000_s2060" name="Document" r:id="rId5" imgW="5943600" imgH="2971800" progId="Word.Document.12">
+                  <p:embed/>
+                </p:oleObj>
+              </mc:Choice>
+              <mc:Fallback>
+                <p:oleObj name="Document" r:id="rId5" imgW="5943600" imgH="2971800" progId="Word.Document.12">
+                  <p:embed/>
+                  <p:pic>
+                    <p:nvPicPr>
+                      <p:cNvPr id="0" name=""/>
+                      <p:cNvPicPr/>
+                      <p:nvPr/>
+                    </p:nvPicPr>
+                    <p:blipFill>
+                      <a:blip r:embed="rId6"/>
+                      <a:stretch>
+                        <a:fillRect/>
+                      </a:stretch>
+                    </p:blipFill>
+                    <p:spPr>
+                      <a:xfrm>
+                        <a:off x="3124200" y="2042764"/>
+                        <a:ext cx="6314698" cy="3157349"/>
+                      </a:xfrm>
+                      <a:prstGeom prst="rect">
+                        <a:avLst/>
+                      </a:prstGeom>
+                    </p:spPr>
+                  </p:pic>
+                </p:oleObj>
+              </mc:Fallback>
+            </mc:AlternateContent>
+          </a:graphicData>
+        </a:graphic>
+      </p:graphicFrame>
+      <p:graphicFrame>
+        <p:nvGraphicFramePr>
+          <p:cNvPr id="7" name="Object 6">
+            <a:extLst>
+              <a:ext uri="{FF2B5EF4-FFF2-40B4-BE49-F238E27FC236}">
+                <a16:creationId xmlns:a16="http://schemas.microsoft.com/office/drawing/2014/main" id="{A1A2A356-ED74-864D-A713-8BD488624D61}"/>
+              </a:ext>
+            </a:extLst>
+          </p:cNvPr>
+          <p:cNvGraphicFramePr>
+            <a:graphicFrameLocks noChangeAspect="1"/>
+          </p:cNvGraphicFramePr>
+          <p:nvPr>
+            <p:extLst>
+              <p:ext uri="{D42A27DB-BD31-4B8C-83A1-F6EECF244321}">
+                <p14:modId xmlns:p14="http://schemas.microsoft.com/office/powerpoint/2010/main" val="3238126695"/>
+              </p:ext>
+            </p:extLst>
+          </p:nvPr>
+        </p:nvGraphicFramePr>
+        <p:xfrm>
+          <a:off x="6911224" y="2011015"/>
+          <a:ext cx="6390373" cy="3099604"/>
+        </p:xfrm>
+        <a:graphic>
+          <a:graphicData uri="http://schemas.openxmlformats.org/presentationml/2006/ole">
+            <mc:AlternateContent xmlns:mc="http://schemas.openxmlformats.org/markup-compatibility/2006">
+              <mc:Choice xmlns:v="urn:schemas-microsoft-com:vml" Requires="v">
+                <p:oleObj spid="_x0000_s2061" name="Document" r:id="rId7" imgW="5943600" imgH="2882900" progId="Word.Document.12">
+                  <p:embed/>
+                </p:oleObj>
+              </mc:Choice>
+              <mc:Fallback>
+                <p:oleObj name="Document" r:id="rId7" imgW="5943600" imgH="2882900" progId="Word.Document.12">
+                  <p:embed/>
+                  <p:pic>
+                    <p:nvPicPr>
+                      <p:cNvPr id="0" name=""/>
+                      <p:cNvPicPr/>
+                      <p:nvPr/>
+                    </p:nvPicPr>
+                    <p:blipFill>
+                      <a:blip r:embed="rId8"/>
+                      <a:stretch>
+                        <a:fillRect/>
+                      </a:stretch>
+                    </p:blipFill>
+                    <p:spPr>
+                      <a:xfrm>
+                        <a:off x="6911224" y="2011015"/>
+                        <a:ext cx="6390373" cy="3099604"/>
+                      </a:xfrm>
+                      <a:prstGeom prst="rect">
+                        <a:avLst/>
+                      </a:prstGeom>
+                    </p:spPr>
+                  </p:pic>
+                </p:oleObj>
+              </mc:Fallback>
+            </mc:AlternateContent>
+          </a:graphicData>
+        </a:graphic>
+      </p:graphicFrame>
     </p:spTree>
     <p:extLst>
       <p:ext uri="{BB962C8B-B14F-4D97-AF65-F5344CB8AC3E}">
-        <p14:creationId xmlns:p14="http://schemas.microsoft.com/office/powerpoint/2010/main" val="1165974671"/>
+        <p14:creationId xmlns:p14="http://schemas.microsoft.com/office/powerpoint/2010/main" val="3937028536"/>
       </p:ext>
     </p:extLst>
   </p:cSld>
   <p:clrMapOvr>
     <a:masterClrMapping/>
   </p:clrMapOvr>
-  <p:timing>
-    <p:tnLst>
-      <p:par>
-        <p:cTn id="1" dur="indefinite" restart="never" nodeType="tmRoot"/>
-      </p:par>
-    </p:tnLst>
-  </p:timing>
 </p:sld>
 </file>
 
@@ -24765,7 +24247,7 @@
           <a:lstStyle/>
           <a:p>
             <a:r>
-              <a:rPr lang="es-CR" b="1" dirty="0" smtClean="0">
+              <a:rPr lang="es-CR" b="1" dirty="0">
                 <a:latin typeface="+mn-lt"/>
               </a:rPr>
               <a:t>Contenido</a:t>
@@ -24798,7 +24280,7 @@
               <a:buChar char="•"/>
             </a:pPr>
             <a:r>
-              <a:rPr lang="es-CR" sz="2400" dirty="0" smtClean="0"/>
+              <a:rPr lang="es-CR" sz="2400" dirty="0"/>
               <a:t>Introducción </a:t>
             </a:r>
           </a:p>
@@ -24808,7 +24290,7 @@
               <a:buChar char="•"/>
             </a:pPr>
             <a:r>
-              <a:rPr lang="es-CR" sz="2400" dirty="0" smtClean="0"/>
+              <a:rPr lang="es-CR" sz="2400" dirty="0"/>
               <a:t>Objetivo</a:t>
             </a:r>
           </a:p>
@@ -24818,7 +24300,7 @@
               <a:buChar char="•"/>
             </a:pPr>
             <a:r>
-              <a:rPr lang="es-CR" sz="2400" dirty="0" smtClean="0"/>
+              <a:rPr lang="es-CR" sz="2400" dirty="0"/>
               <a:t>Metodología</a:t>
             </a:r>
           </a:p>
@@ -24828,7 +24310,7 @@
               <a:buChar char="•"/>
             </a:pPr>
             <a:r>
-              <a:rPr lang="es-CR" sz="2400" dirty="0" smtClean="0"/>
+              <a:rPr lang="es-CR" sz="2400" dirty="0"/>
               <a:t>Resultados </a:t>
             </a:r>
           </a:p>
@@ -24838,7 +24320,7 @@
               <a:buChar char="•"/>
             </a:pPr>
             <a:r>
-              <a:rPr lang="es-CR" sz="2400" dirty="0" smtClean="0"/>
+              <a:rPr lang="es-CR" sz="2400" dirty="0"/>
               <a:t>Conclusiones</a:t>
             </a:r>
             <a:endParaRPr lang="en-US" sz="2400" dirty="0"/>
@@ -24899,17 +24381,212 @@
   <p:clrMapOvr>
     <a:masterClrMapping/>
   </p:clrMapOvr>
-  <p:timing>
-    <p:tnLst>
-      <p:par>
-        <p:cTn id="1" dur="indefinite" restart="never" nodeType="tmRoot"/>
-      </p:par>
-    </p:tnLst>
-  </p:timing>
 </p:sld>
 </file>
 
 <file path=ppt/slides/slide20.xml><?xml version="1.0" encoding="utf-8"?>
+<p:sld xmlns:a="http://schemas.openxmlformats.org/drawingml/2006/main" xmlns:r="http://schemas.openxmlformats.org/officeDocument/2006/relationships" xmlns:p="http://schemas.openxmlformats.org/presentationml/2006/main">
+  <p:cSld>
+    <p:spTree>
+      <p:nvGrpSpPr>
+        <p:cNvPr id="1" name=""/>
+        <p:cNvGrpSpPr/>
+        <p:nvPr/>
+      </p:nvGrpSpPr>
+      <p:grpSpPr>
+        <a:xfrm>
+          <a:off x="0" y="0"/>
+          <a:ext cx="0" cy="0"/>
+          <a:chOff x="0" y="0"/>
+          <a:chExt cx="0" cy="0"/>
+        </a:xfrm>
+      </p:grpSpPr>
+      <p:sp>
+        <p:nvSpPr>
+          <p:cNvPr id="4" name="Título 1"/>
+          <p:cNvSpPr txBox="1">
+            <a:spLocks/>
+          </p:cNvSpPr>
+          <p:nvPr/>
+        </p:nvSpPr>
+        <p:spPr>
+          <a:xfrm>
+            <a:off x="838200" y="365125"/>
+            <a:ext cx="10515600" cy="1325563"/>
+          </a:xfrm>
+          <a:prstGeom prst="rect">
+            <a:avLst/>
+          </a:prstGeom>
+        </p:spPr>
+        <p:txBody>
+          <a:bodyPr vert="horz" lIns="91440" tIns="45720" rIns="91440" bIns="45720" rtlCol="0" anchor="ctr">
+            <a:normAutofit/>
+          </a:bodyPr>
+          <a:lstStyle>
+            <a:lvl1pPr algn="l" defTabSz="914400" rtl="0" eaLnBrk="1" latinLnBrk="0" hangingPunct="1">
+              <a:lnSpc>
+                <a:spcPct val="90000"/>
+              </a:lnSpc>
+              <a:spcBef>
+                <a:spcPct val="0"/>
+              </a:spcBef>
+              <a:buNone/>
+              <a:defRPr sz="4400" kern="1200">
+                <a:solidFill>
+                  <a:schemeClr val="tx1"/>
+                </a:solidFill>
+                <a:latin typeface="+mj-lt"/>
+                <a:ea typeface="+mj-ea"/>
+                <a:cs typeface="+mj-cs"/>
+              </a:defRPr>
+            </a:lvl1pPr>
+          </a:lstStyle>
+          <a:p>
+            <a:r>
+              <a:rPr lang="es-CR" sz="3200" b="1" dirty="0">
+                <a:latin typeface="+mn-lt"/>
+              </a:rPr>
+              <a:t>Conclusiones</a:t>
+            </a:r>
+            <a:r>
+              <a:rPr lang="es-CR" dirty="0"/>
+              <a:t> </a:t>
+            </a:r>
+            <a:endParaRPr lang="en-US" dirty="0"/>
+          </a:p>
+        </p:txBody>
+      </p:sp>
+      <p:sp>
+        <p:nvSpPr>
+          <p:cNvPr id="6" name="Rectángulo 5"/>
+          <p:cNvSpPr/>
+          <p:nvPr/>
+        </p:nvSpPr>
+        <p:spPr>
+          <a:xfrm>
+            <a:off x="549563" y="1369767"/>
+            <a:ext cx="11092873" cy="5262979"/>
+          </a:xfrm>
+          <a:prstGeom prst="rect">
+            <a:avLst/>
+          </a:prstGeom>
+        </p:spPr>
+        <p:txBody>
+          <a:bodyPr wrap="square">
+            <a:spAutoFit/>
+          </a:bodyPr>
+          <a:lstStyle/>
+          <a:p>
+            <a:pPr marL="342900" indent="-342900">
+              <a:buFont typeface="Arial" panose="020B0604020202020204" pitchFamily="34" charset="0"/>
+              <a:buChar char="•"/>
+            </a:pPr>
+            <a:r>
+              <a:rPr lang="es-ES" sz="2400" dirty="0"/>
+              <a:t>A mayor plazo mayor es el promedio y mediana de los rendimientos.</a:t>
+            </a:r>
+          </a:p>
+          <a:p>
+            <a:pPr marL="342900" indent="-342900">
+              <a:buFont typeface="Arial" panose="020B0604020202020204" pitchFamily="34" charset="0"/>
+              <a:buChar char="•"/>
+            </a:pPr>
+            <a:r>
+              <a:rPr lang="es-ES" sz="2400" dirty="0"/>
+              <a:t>Corto plazo hay una mayor variabilidad y volatilidad en las tasas. </a:t>
+            </a:r>
+          </a:p>
+          <a:p>
+            <a:pPr marL="800100" lvl="1" indent="-342900">
+              <a:buFont typeface="Arial" panose="020B0604020202020204" pitchFamily="34" charset="0"/>
+              <a:buChar char="•"/>
+            </a:pPr>
+            <a:r>
+              <a:rPr lang="es-ES" sz="2400" b="1" i="1" dirty="0"/>
+              <a:t>Teoría de la preferencia de liquidez</a:t>
+            </a:r>
+            <a:r>
+              <a:rPr lang="es-ES" sz="2400" dirty="0"/>
+              <a:t>, preferencia por  inversión en vencimientos de corto plazo posibilitando que la curva de rendimientos presente una forma cóncava (tasas de largo plazo sean mayores que las de corto plazo, pendiente positiva)</a:t>
+            </a:r>
+          </a:p>
+          <a:p>
+            <a:pPr marL="342900" indent="-342900">
+              <a:buFont typeface="Arial" panose="020B0604020202020204" pitchFamily="34" charset="0"/>
+              <a:buChar char="•"/>
+            </a:pPr>
+            <a:r>
+              <a:rPr lang="es-ES" sz="2400" dirty="0"/>
+              <a:t>2018 y 2019 mayores tasas en el corto, mediano y largo plazo. 2020 tasas más bajas.</a:t>
+            </a:r>
+          </a:p>
+          <a:p>
+            <a:pPr marL="800100" lvl="1" indent="-342900">
+              <a:buFont typeface="Arial" panose="020B0604020202020204" pitchFamily="34" charset="0"/>
+              <a:buChar char="•"/>
+            </a:pPr>
+            <a:r>
+              <a:rPr lang="es-ES" sz="2400" dirty="0"/>
+              <a:t>2018</a:t>
+            </a:r>
+          </a:p>
+          <a:p>
+            <a:pPr marL="1257300" lvl="2" indent="-342900">
+              <a:buFont typeface="Arial" panose="020B0604020202020204" pitchFamily="34" charset="0"/>
+              <a:buChar char="•"/>
+            </a:pPr>
+            <a:r>
+              <a:rPr lang="es-ES" sz="2400" dirty="0"/>
+              <a:t> Situación fiscal: aumento de la brecha entre ingresos y gastos</a:t>
+            </a:r>
+          </a:p>
+          <a:p>
+            <a:pPr marL="1257300" lvl="2" indent="-342900">
+              <a:buFont typeface="Arial" panose="020B0604020202020204" pitchFamily="34" charset="0"/>
+              <a:buChar char="•"/>
+            </a:pPr>
+            <a:r>
+              <a:rPr lang="es-ES" sz="2400" dirty="0"/>
+              <a:t>Ambiente de incertidumbre debido a la discusión del proyecto Ley de Fortalecimiento de las Finanzas Públicas. </a:t>
+            </a:r>
+          </a:p>
+          <a:p>
+            <a:pPr marL="1257300" lvl="2" indent="-342900">
+              <a:buFont typeface="Arial" panose="020B0604020202020204" pitchFamily="34" charset="0"/>
+              <a:buChar char="•"/>
+            </a:pPr>
+            <a:r>
+              <a:rPr lang="es-ES" sz="2400" dirty="0"/>
+              <a:t>Devaluación del tipo de cambio y un incremento en el costo de endeudamiento del Gobierno Central</a:t>
+            </a:r>
+          </a:p>
+          <a:p>
+            <a:pPr marL="800100" lvl="1" indent="-342900">
+              <a:buFont typeface="Arial" panose="020B0604020202020204" pitchFamily="34" charset="0"/>
+              <a:buChar char="•"/>
+            </a:pPr>
+            <a:r>
+              <a:rPr lang="es-ES" sz="2400" dirty="0"/>
+              <a:t>2020: medidas fiscales y monetarias expansivas</a:t>
+            </a:r>
+            <a:endParaRPr lang="en-US" sz="2400" dirty="0"/>
+          </a:p>
+        </p:txBody>
+      </p:sp>
+    </p:spTree>
+    <p:extLst>
+      <p:ext uri="{BB962C8B-B14F-4D97-AF65-F5344CB8AC3E}">
+        <p14:creationId xmlns:p14="http://schemas.microsoft.com/office/powerpoint/2010/main" val="1165974671"/>
+      </p:ext>
+    </p:extLst>
+  </p:cSld>
+  <p:clrMapOvr>
+    <a:masterClrMapping/>
+  </p:clrMapOvr>
+</p:sld>
+</file>
+
+<file path=ppt/slides/slide21.xml><?xml version="1.0" encoding="utf-8"?>
 <p:sld xmlns:a="http://schemas.openxmlformats.org/drawingml/2006/main" xmlns:r="http://schemas.openxmlformats.org/officeDocument/2006/relationships" xmlns:p="http://schemas.openxmlformats.org/presentationml/2006/main">
   <p:cSld>
     <p:spTree>
@@ -24968,13 +24645,13 @@
           </a:lstStyle>
           <a:p>
             <a:r>
-              <a:rPr lang="es-CR" sz="3200" b="1" dirty="0" smtClean="0">
+              <a:rPr lang="es-CR" sz="3200" b="1" dirty="0">
                 <a:latin typeface="+mn-lt"/>
               </a:rPr>
               <a:t>Conclusiones</a:t>
             </a:r>
             <a:r>
-              <a:rPr lang="es-CR" dirty="0" smtClean="0"/>
+              <a:rPr lang="es-CR" dirty="0"/>
               <a:t> </a:t>
             </a:r>
             <a:endParaRPr lang="en-US" dirty="0"/>
@@ -24990,7 +24667,7 @@
         <p:spPr>
           <a:xfrm>
             <a:off x="549563" y="1406713"/>
-            <a:ext cx="11092873" cy="1569660"/>
+            <a:ext cx="11092873" cy="2308324"/>
           </a:xfrm>
           <a:prstGeom prst="rect">
             <a:avLst/>
@@ -25008,11 +24685,7 @@
             </a:pPr>
             <a:r>
               <a:rPr lang="es-ES" sz="2400" dirty="0"/>
-              <a:t>Los primeros tres componentes principales explican el 99.4% de la variancia </a:t>
-            </a:r>
-            <a:r>
-              <a:rPr lang="es-ES" sz="2400" dirty="0" smtClean="0"/>
-              <a:t>total</a:t>
+              <a:t>Los primeros tres componentes principales explican el 99.4% de la variancia total</a:t>
             </a:r>
           </a:p>
           <a:p>
@@ -25022,24 +24695,12 @@
             </a:pPr>
             <a:r>
               <a:rPr lang="es-ES" sz="2400" dirty="0"/>
-              <a:t> </a:t>
-            </a:r>
-            <a:r>
-              <a:rPr lang="es-ES" sz="2400" dirty="0" smtClean="0"/>
-              <a:t>Desplazamiento </a:t>
-            </a:r>
-            <a:r>
-              <a:rPr lang="es-ES" sz="2400" dirty="0"/>
-              <a:t>paralelo y la pendiente </a:t>
-            </a:r>
-            <a:r>
-              <a:rPr lang="es-ES" sz="2400" dirty="0" smtClean="0"/>
-              <a:t>mayor participación</a:t>
+              <a:t> Desplazamiento paralelo y la pendiente mayor participación</a:t>
             </a:r>
           </a:p>
           <a:p>
             <a:pPr lvl="1"/>
-            <a:endParaRPr lang="es-ES" sz="2400" dirty="0" smtClean="0"/>
+            <a:endParaRPr lang="es-ES" sz="2400" dirty="0"/>
           </a:p>
           <a:p>
             <a:pPr marL="342900" indent="-342900">
@@ -25048,17 +24709,18 @@
             </a:pPr>
             <a:r>
               <a:rPr lang="es-ES" sz="2400" dirty="0"/>
-              <a:t>I</a:t>
+              <a:t>Indicador captura el comportamiento de las curvas de rendimiento.</a:t>
             </a:r>
-            <a:r>
-              <a:rPr lang="es-ES" sz="2400" dirty="0" smtClean="0"/>
-              <a:t>ndicador </a:t>
-            </a:r>
+          </a:p>
+          <a:p>
+            <a:pPr marL="342900" indent="-342900">
+              <a:buFont typeface="Arial" panose="020B0604020202020204" pitchFamily="34" charset="0"/>
+              <a:buChar char="•"/>
+            </a:pPr>
             <a:r>
               <a:rPr lang="es-ES" sz="2400" dirty="0"/>
-              <a:t>captura el comportamiento de las curvas de rendimiento.</a:t>
+              <a:t>Pasado el umbral de alerta temprana se pueden esperar variaciones de más de 50 puntos base en el corto plazo, de más de 40 en el mediano y de 35 en el largo. </a:t>
             </a:r>
-            <a:endParaRPr lang="es-ES" sz="2400" dirty="0" smtClean="0"/>
           </a:p>
         </p:txBody>
       </p:sp>
@@ -25072,17 +24734,10 @@
   <p:clrMapOvr>
     <a:masterClrMapping/>
   </p:clrMapOvr>
-  <p:timing>
-    <p:tnLst>
-      <p:par>
-        <p:cTn id="1" dur="indefinite" restart="never" nodeType="tmRoot"/>
-      </p:par>
-    </p:tnLst>
-  </p:timing>
 </p:sld>
 </file>
 
-<file path=ppt/slides/slide21.xml><?xml version="1.0" encoding="utf-8"?>
+<file path=ppt/slides/slide22.xml><?xml version="1.0" encoding="utf-8"?>
 <p:sld xmlns:a="http://schemas.openxmlformats.org/drawingml/2006/main" xmlns:r="http://schemas.openxmlformats.org/officeDocument/2006/relationships" xmlns:p="http://schemas.openxmlformats.org/presentationml/2006/main">
   <p:cSld>
     <p:spTree>
@@ -25172,7 +24827,7 @@
           <a:p>
             <a:pPr algn="l"/>
             <a:r>
-              <a:rPr lang="es-CR" sz="4800" b="1" dirty="0" smtClean="0"/>
+              <a:rPr lang="es-CR" sz="4800" b="1" dirty="0"/>
               <a:t>Gracias…</a:t>
             </a:r>
             <a:endParaRPr lang="en-US" sz="4800" b="1" dirty="0"/>
@@ -25189,13 +24844,6 @@
   <p:clrMapOvr>
     <a:masterClrMapping/>
   </p:clrMapOvr>
-  <p:timing>
-    <p:tnLst>
-      <p:par>
-        <p:cTn id="1" dur="indefinite" restart="never" nodeType="tmRoot"/>
-      </p:par>
-    </p:tnLst>
-  </p:timing>
 </p:sld>
 </file>
 
@@ -25232,13 +24880,13 @@
           <a:lstStyle/>
           <a:p>
             <a:r>
-              <a:rPr lang="es-CR" sz="3200" b="1" dirty="0" smtClean="0">
+              <a:rPr lang="es-CR" sz="3200" b="1" dirty="0">
                 <a:latin typeface="+mn-lt"/>
               </a:rPr>
               <a:t>Introducción</a:t>
             </a:r>
             <a:r>
-              <a:rPr lang="es-CR" dirty="0" smtClean="0"/>
+              <a:rPr lang="es-CR" dirty="0"/>
               <a:t> </a:t>
             </a:r>
             <a:endParaRPr lang="en-US" dirty="0"/>
@@ -25277,13 +24925,6 @@
   <p:clrMapOvr>
     <a:masterClrMapping/>
   </p:clrMapOvr>
-  <p:timing>
-    <p:tnLst>
-      <p:par>
-        <p:cTn id="1" dur="indefinite" restart="never" nodeType="tmRoot"/>
-      </p:par>
-    </p:tnLst>
-  </p:timing>
 </p:sld>
 </file>
 
@@ -25320,13 +24961,13 @@
           <a:lstStyle/>
           <a:p>
             <a:r>
-              <a:rPr lang="es-CR" sz="3200" b="1" dirty="0" smtClean="0">
+              <a:rPr lang="es-CR" sz="3200" b="1" dirty="0">
                 <a:latin typeface="+mn-lt"/>
               </a:rPr>
               <a:t>Introducción</a:t>
             </a:r>
             <a:r>
-              <a:rPr lang="es-CR" dirty="0" smtClean="0"/>
+              <a:rPr lang="es-CR" dirty="0"/>
               <a:t> </a:t>
             </a:r>
             <a:endParaRPr lang="en-US" dirty="0"/>
@@ -25365,13 +25006,6 @@
   <p:clrMapOvr>
     <a:masterClrMapping/>
   </p:clrMapOvr>
-  <p:timing>
-    <p:tnLst>
-      <p:par>
-        <p:cTn id="1" dur="indefinite" restart="never" nodeType="tmRoot"/>
-      </p:par>
-    </p:tnLst>
-  </p:timing>
 </p:sld>
 </file>
 
@@ -25408,13 +25042,13 @@
           <a:lstStyle/>
           <a:p>
             <a:r>
-              <a:rPr lang="es-CR" sz="3200" b="1" dirty="0" smtClean="0">
+              <a:rPr lang="es-CR" sz="3200" b="1" dirty="0">
                 <a:latin typeface="+mn-lt"/>
               </a:rPr>
               <a:t>Introducción</a:t>
             </a:r>
             <a:r>
-              <a:rPr lang="es-CR" dirty="0" smtClean="0"/>
+              <a:rPr lang="es-CR" dirty="0"/>
               <a:t> </a:t>
             </a:r>
             <a:endParaRPr lang="en-US" dirty="0"/>
@@ -25453,13 +25087,6 @@
   <p:clrMapOvr>
     <a:masterClrMapping/>
   </p:clrMapOvr>
-  <p:timing>
-    <p:tnLst>
-      <p:par>
-        <p:cTn id="1" dur="indefinite" restart="never" nodeType="tmRoot"/>
-      </p:par>
-    </p:tnLst>
-  </p:timing>
 </p:sld>
 </file>
 
@@ -25496,13 +25123,13 @@
           <a:lstStyle/>
           <a:p>
             <a:r>
-              <a:rPr lang="es-CR" sz="3200" b="1" dirty="0" smtClean="0">
+              <a:rPr lang="es-CR" sz="3200" b="1" dirty="0">
                 <a:latin typeface="+mn-lt"/>
               </a:rPr>
               <a:t>Objetivo</a:t>
             </a:r>
             <a:r>
-              <a:rPr lang="es-CR" dirty="0" smtClean="0"/>
+              <a:rPr lang="es-CR" dirty="0"/>
               <a:t> </a:t>
             </a:r>
             <a:endParaRPr lang="en-US" dirty="0"/>
@@ -25593,14 +25220,9 @@
               <a:buChar char="•"/>
             </a:pPr>
             <a:r>
-              <a:rPr lang="es-ES" sz="2400" dirty="0" smtClean="0"/>
-              <a:t>Crear </a:t>
+              <a:rPr lang="es-ES" sz="2400" dirty="0"/>
+              <a:t>Crear un indicador que permita analizar la curva de rendimiento soberana doméstica de Costa Rica de forma agregada para conocer la evolución y el comportamiento de los rendimientos.</a:t>
             </a:r>
-            <a:r>
-              <a:rPr lang="es-ES" sz="2400" dirty="0"/>
-              <a:t>un indicador que permita analizar la curva de rendimiento soberana doméstica de Costa Rica de forma agregada para conocer la evolución y el comportamiento de los rendimientos.</a:t>
-            </a:r>
-            <a:endParaRPr lang="es-ES" sz="2400" dirty="0" smtClean="0"/>
           </a:p>
         </p:txBody>
       </p:sp>
@@ -25614,13 +25236,6 @@
   <p:clrMapOvr>
     <a:masterClrMapping/>
   </p:clrMapOvr>
-  <p:timing>
-    <p:tnLst>
-      <p:par>
-        <p:cTn id="1" dur="indefinite" restart="never" nodeType="tmRoot"/>
-      </p:par>
-    </p:tnLst>
-  </p:timing>
 </p:sld>
 </file>
 
@@ -25657,13 +25272,13 @@
           <a:lstStyle/>
           <a:p>
             <a:r>
-              <a:rPr lang="es-CR" sz="3200" b="1" dirty="0" smtClean="0">
+              <a:rPr lang="es-CR" sz="3200" b="1" dirty="0">
                 <a:latin typeface="+mn-lt"/>
               </a:rPr>
               <a:t>Metodología</a:t>
             </a:r>
             <a:r>
-              <a:rPr lang="es-CR" dirty="0" smtClean="0"/>
+              <a:rPr lang="es-CR" dirty="0"/>
               <a:t> </a:t>
             </a:r>
             <a:endParaRPr lang="en-US" dirty="0"/>
@@ -25726,13 +25341,6 @@
   <p:clrMapOvr>
     <a:masterClrMapping/>
   </p:clrMapOvr>
-  <p:timing>
-    <p:tnLst>
-      <p:par>
-        <p:cTn id="1" dur="indefinite" restart="never" nodeType="tmRoot"/>
-      </p:par>
-    </p:tnLst>
-  </p:timing>
 </p:sld>
 </file>
 
@@ -25769,13 +25377,13 @@
           <a:lstStyle/>
           <a:p>
             <a:r>
-              <a:rPr lang="es-CR" sz="3200" b="1" dirty="0" smtClean="0">
+              <a:rPr lang="es-CR" sz="3200" b="1" dirty="0">
                 <a:latin typeface="+mn-lt"/>
               </a:rPr>
               <a:t>Metodología</a:t>
             </a:r>
             <a:r>
-              <a:rPr lang="es-CR" dirty="0" smtClean="0"/>
+              <a:rPr lang="es-CR" dirty="0"/>
               <a:t> </a:t>
             </a:r>
             <a:endParaRPr lang="en-US" dirty="0"/>
@@ -25789,7 +25397,7 @@
           <p:nvPr>
             <p:extLst>
               <p:ext uri="{D42A27DB-BD31-4B8C-83A1-F6EECF244321}">
-                <p14:modId xmlns:p14="http://schemas.microsoft.com/office/powerpoint/2010/main" val="3853867835"/>
+                <p14:modId xmlns:p14="http://schemas.microsoft.com/office/powerpoint/2010/main" val="2026322104"/>
               </p:ext>
             </p:extLst>
           </p:nvPr>
@@ -25804,6 +25412,198 @@
           </a:graphicData>
         </a:graphic>
       </p:graphicFrame>
+      <p:sp>
+        <p:nvSpPr>
+          <p:cNvPr id="3" name="TextBox 2">
+            <a:extLst>
+              <a:ext uri="{FF2B5EF4-FFF2-40B4-BE49-F238E27FC236}">
+                <a16:creationId xmlns:a16="http://schemas.microsoft.com/office/drawing/2014/main" id="{2005F07F-34CC-F045-8DFD-E893B9D6941D}"/>
+              </a:ext>
+            </a:extLst>
+          </p:cNvPr>
+          <p:cNvSpPr txBox="1"/>
+          <p:nvPr/>
+        </p:nvSpPr>
+        <p:spPr>
+          <a:xfrm>
+            <a:off x="8693063" y="1590805"/>
+            <a:ext cx="2660737" cy="3785652"/>
+          </a:xfrm>
+          <a:prstGeom prst="rect">
+            <a:avLst/>
+          </a:prstGeom>
+          <a:noFill/>
+        </p:spPr>
+        <p:txBody>
+          <a:bodyPr wrap="square" rtlCol="0">
+            <a:spAutoFit/>
+          </a:bodyPr>
+          <a:lstStyle/>
+          <a:p>
+            <a:pPr marL="285750" indent="-285750">
+              <a:buFontTx/>
+              <a:buChar char="-"/>
+            </a:pPr>
+            <a:r>
+              <a:rPr lang="en-US" sz="2400" dirty="0" err="1">
+                <a:solidFill>
+                  <a:schemeClr val="bg1"/>
+                </a:solidFill>
+              </a:rPr>
+              <a:t>Ajuste</a:t>
+            </a:r>
+            <a:r>
+              <a:rPr lang="en-US" sz="2400" dirty="0">
+                <a:solidFill>
+                  <a:schemeClr val="bg1"/>
+                </a:solidFill>
+              </a:rPr>
+              <a:t> de </a:t>
+            </a:r>
+            <a:r>
+              <a:rPr lang="en-US" sz="2400" dirty="0" err="1">
+                <a:solidFill>
+                  <a:schemeClr val="bg1"/>
+                </a:solidFill>
+              </a:rPr>
+              <a:t>distribución</a:t>
+            </a:r>
+            <a:r>
+              <a:rPr lang="en-US" sz="2400" dirty="0">
+                <a:solidFill>
+                  <a:schemeClr val="bg1"/>
+                </a:solidFill>
+              </a:rPr>
+              <a:t> </a:t>
+            </a:r>
+            <a:r>
+              <a:rPr lang="en-US" sz="2400" dirty="0" err="1">
+                <a:solidFill>
+                  <a:schemeClr val="bg1"/>
+                </a:solidFill>
+              </a:rPr>
+              <a:t>mediante</a:t>
+            </a:r>
+            <a:r>
+              <a:rPr lang="en-US" sz="2400" dirty="0">
+                <a:solidFill>
+                  <a:schemeClr val="bg1"/>
+                </a:solidFill>
+              </a:rPr>
+              <a:t> </a:t>
+            </a:r>
+            <a:r>
+              <a:rPr lang="en-US" sz="2400" dirty="0" err="1">
+                <a:solidFill>
+                  <a:schemeClr val="bg1"/>
+                </a:solidFill>
+              </a:rPr>
+              <a:t>gráficos</a:t>
+            </a:r>
+            <a:r>
+              <a:rPr lang="en-US" sz="2400" dirty="0">
+                <a:solidFill>
+                  <a:schemeClr val="bg1"/>
+                </a:solidFill>
+              </a:rPr>
+              <a:t> de Cullen y Frey</a:t>
+            </a:r>
+          </a:p>
+          <a:p>
+            <a:pPr marL="285750" indent="-285750">
+              <a:buFontTx/>
+              <a:buChar char="-"/>
+            </a:pPr>
+            <a:r>
+              <a:rPr lang="en-US" sz="2400" dirty="0" err="1">
+                <a:solidFill>
+                  <a:schemeClr val="bg1"/>
+                </a:solidFill>
+              </a:rPr>
+              <a:t>Estimación</a:t>
+            </a:r>
+            <a:r>
+              <a:rPr lang="en-US" sz="2400" dirty="0">
+                <a:solidFill>
+                  <a:schemeClr val="bg1"/>
+                </a:solidFill>
+              </a:rPr>
+              <a:t> de 2 </a:t>
+            </a:r>
+            <a:r>
+              <a:rPr lang="en-US" sz="2400" dirty="0" err="1">
+                <a:solidFill>
+                  <a:schemeClr val="bg1"/>
+                </a:solidFill>
+              </a:rPr>
+              <a:t>bandas</a:t>
+            </a:r>
+            <a:r>
+              <a:rPr lang="en-US" sz="2400" dirty="0">
+                <a:solidFill>
+                  <a:schemeClr val="bg1"/>
+                </a:solidFill>
+              </a:rPr>
+              <a:t>: </a:t>
+            </a:r>
+            <a:r>
+              <a:rPr lang="en-US" sz="2400" dirty="0" err="1">
+                <a:solidFill>
+                  <a:schemeClr val="bg1"/>
+                </a:solidFill>
+              </a:rPr>
+              <a:t>alerta</a:t>
+            </a:r>
+            <a:r>
+              <a:rPr lang="en-US" sz="2400" dirty="0">
+                <a:solidFill>
+                  <a:schemeClr val="bg1"/>
+                </a:solidFill>
+              </a:rPr>
+              <a:t> </a:t>
+            </a:r>
+            <a:r>
+              <a:rPr lang="en-US" sz="2400" dirty="0" err="1">
+                <a:solidFill>
+                  <a:schemeClr val="bg1"/>
+                </a:solidFill>
+              </a:rPr>
+              <a:t>temprana</a:t>
+            </a:r>
+            <a:r>
+              <a:rPr lang="en-US" sz="2400" dirty="0">
+                <a:solidFill>
+                  <a:schemeClr val="bg1"/>
+                </a:solidFill>
+              </a:rPr>
+              <a:t> y </a:t>
+            </a:r>
+            <a:r>
+              <a:rPr lang="en-US" sz="2400" dirty="0" err="1">
+                <a:solidFill>
+                  <a:schemeClr val="bg1"/>
+                </a:solidFill>
+              </a:rPr>
+              <a:t>alerta</a:t>
+            </a:r>
+            <a:r>
+              <a:rPr lang="en-US" sz="2400" dirty="0">
+                <a:solidFill>
+                  <a:schemeClr val="bg1"/>
+                </a:solidFill>
+              </a:rPr>
+              <a:t> maxima</a:t>
+            </a:r>
+          </a:p>
+          <a:p>
+            <a:endParaRPr lang="en-US" sz="2400" dirty="0">
+              <a:solidFill>
+                <a:schemeClr val="bg1"/>
+              </a:solidFill>
+            </a:endParaRPr>
+          </a:p>
+        </p:txBody>
+      </p:sp>
     </p:spTree>
     <p:extLst>
       <p:ext uri="{BB962C8B-B14F-4D97-AF65-F5344CB8AC3E}">
@@ -25814,13 +25614,6 @@
   <p:clrMapOvr>
     <a:masterClrMapping/>
   </p:clrMapOvr>
-  <p:timing>
-    <p:tnLst>
-      <p:par>
-        <p:cTn id="1" dur="indefinite" restart="never" nodeType="tmRoot"/>
-      </p:par>
-    </p:tnLst>
-  </p:timing>
 </p:sld>
 </file>
 
@@ -25857,13 +25650,13 @@
           <a:lstStyle/>
           <a:p>
             <a:r>
-              <a:rPr lang="es-CR" sz="3200" b="1" dirty="0" smtClean="0">
+              <a:rPr lang="es-CR" sz="3200" b="1" dirty="0">
                 <a:latin typeface="+mn-lt"/>
               </a:rPr>
               <a:t>Resultados</a:t>
             </a:r>
             <a:r>
-              <a:rPr lang="es-CR" dirty="0" smtClean="0"/>
+              <a:rPr lang="es-CR" dirty="0"/>
               <a:t> </a:t>
             </a:r>
             <a:endParaRPr lang="en-US" dirty="0"/>
@@ -25896,10 +25689,9 @@
               <a:buChar char="•"/>
             </a:pPr>
             <a:r>
-              <a:rPr lang="es-ES" sz="2400" b="1" dirty="0" smtClean="0"/>
+              <a:rPr lang="es-ES" sz="2400" b="1" dirty="0"/>
               <a:t>Descriptivo de curvas</a:t>
             </a:r>
-            <a:endParaRPr lang="es-ES" sz="2400" b="1" dirty="0" smtClean="0"/>
           </a:p>
         </p:txBody>
       </p:sp>
@@ -25979,13 +25771,6 @@
   <p:clrMapOvr>
     <a:masterClrMapping/>
   </p:clrMapOvr>
-  <p:timing>
-    <p:tnLst>
-      <p:par>
-        <p:cTn id="1" dur="indefinite" restart="never" nodeType="tmRoot"/>
-      </p:par>
-    </p:tnLst>
-  </p:timing>
 </p:sld>
 </file>
 
